--- a/trunk/slides/sep2017/09-constexpr.pptx
+++ b/trunk/slides/sep2017/09-constexpr.pptx
@@ -312,7 +312,7 @@
             <a:fld id="{96DFF08F-DC6B-4601-B491-B0F83F6DD2DA}" type="datetimeFigureOut">
               <a:rPr lang="en-US" dirty="0"/>
               <a:pPr/>
-              <a:t>11/17/2017</a:t>
+              <a:t>11/26/2017</a:t>
             </a:fld>
             <a:endParaRPr lang="en-US" dirty="0"/>
           </a:p>
@@ -529,7 +529,7 @@
           <a:p>
             <a:fld id="{96DFF08F-DC6B-4601-B491-B0F83F6DD2DA}" type="datetimeFigureOut">
               <a:rPr lang="en-US" dirty="0"/>
-              <a:t>11/17/2017</a:t>
+              <a:t>11/26/2017</a:t>
             </a:fld>
             <a:endParaRPr lang="en-US" dirty="0"/>
           </a:p>
@@ -704,7 +704,7 @@
           <a:p>
             <a:fld id="{96DFF08F-DC6B-4601-B491-B0F83F6DD2DA}" type="datetimeFigureOut">
               <a:rPr lang="en-US" dirty="0"/>
-              <a:t>11/17/2017</a:t>
+              <a:t>11/26/2017</a:t>
             </a:fld>
             <a:endParaRPr lang="en-US" dirty="0"/>
           </a:p>
@@ -869,7 +869,7 @@
           <a:p>
             <a:fld id="{96DFF08F-DC6B-4601-B491-B0F83F6DD2DA}" type="datetimeFigureOut">
               <a:rPr lang="en-US" dirty="0"/>
-              <a:t>11/17/2017</a:t>
+              <a:t>11/26/2017</a:t>
             </a:fld>
             <a:endParaRPr lang="en-US" dirty="0"/>
           </a:p>
@@ -1115,7 +1115,7 @@
           <a:p>
             <a:fld id="{96DFF08F-DC6B-4601-B491-B0F83F6DD2DA}" type="datetimeFigureOut">
               <a:rPr lang="en-US" dirty="0"/>
-              <a:t>11/17/2017</a:t>
+              <a:t>11/26/2017</a:t>
             </a:fld>
             <a:endParaRPr lang="en-US" dirty="0"/>
           </a:p>
@@ -1433,7 +1433,7 @@
           <a:p>
             <a:fld id="{96DFF08F-DC6B-4601-B491-B0F83F6DD2DA}" type="datetimeFigureOut">
               <a:rPr lang="en-US" dirty="0"/>
-              <a:t>11/17/2017</a:t>
+              <a:t>11/26/2017</a:t>
             </a:fld>
             <a:endParaRPr lang="en-US" dirty="0"/>
           </a:p>
@@ -1852,7 +1852,7 @@
           <a:p>
             <a:fld id="{96DFF08F-DC6B-4601-B491-B0F83F6DD2DA}" type="datetimeFigureOut">
               <a:rPr lang="en-US" dirty="0"/>
-              <a:t>11/17/2017</a:t>
+              <a:t>11/26/2017</a:t>
             </a:fld>
             <a:endParaRPr lang="en-US" dirty="0"/>
           </a:p>
@@ -1965,7 +1965,7 @@
           <a:p>
             <a:fld id="{96DFF08F-DC6B-4601-B491-B0F83F6DD2DA}" type="datetimeFigureOut">
               <a:rPr lang="en-US" dirty="0"/>
-              <a:t>11/17/2017</a:t>
+              <a:t>11/26/2017</a:t>
             </a:fld>
             <a:endParaRPr lang="en-US" dirty="0"/>
           </a:p>
@@ -2055,7 +2055,7 @@
           <a:p>
             <a:fld id="{96DFF08F-DC6B-4601-B491-B0F83F6DD2DA}" type="datetimeFigureOut">
               <a:rPr lang="en-US" dirty="0"/>
-              <a:t>11/17/2017</a:t>
+              <a:t>11/26/2017</a:t>
             </a:fld>
             <a:endParaRPr lang="en-US" dirty="0"/>
           </a:p>
@@ -2340,7 +2340,7 @@
           <a:p>
             <a:fld id="{96DFF08F-DC6B-4601-B491-B0F83F6DD2DA}" type="datetimeFigureOut">
               <a:rPr lang="en-US" dirty="0"/>
-              <a:t>11/17/2017</a:t>
+              <a:t>11/26/2017</a:t>
             </a:fld>
             <a:endParaRPr lang="en-US" dirty="0"/>
           </a:p>
@@ -2607,7 +2607,7 @@
           <a:p>
             <a:fld id="{96DFF08F-DC6B-4601-B491-B0F83F6DD2DA}" type="datetimeFigureOut">
               <a:rPr lang="en-US" dirty="0"/>
-              <a:t>11/17/2017</a:t>
+              <a:t>11/26/2017</a:t>
             </a:fld>
             <a:endParaRPr lang="en-US" dirty="0"/>
           </a:p>
@@ -2856,7 +2856,7 @@
             <a:fld id="{96DFF08F-DC6B-4601-B491-B0F83F6DD2DA}" type="datetimeFigureOut">
               <a:rPr lang="en-US" dirty="0"/>
               <a:pPr/>
-              <a:t>11/17/2017</a:t>
+              <a:t>11/26/2017</a:t>
             </a:fld>
             <a:endParaRPr lang="en-US" dirty="0"/>
           </a:p>
@@ -3690,13 +3690,8 @@
             </a:pPr>
             <a:r>
               <a:rPr lang="ru-RU" sz="4800" smtClean="0"/>
-              <a:t> </a:t>
-            </a:r>
-            <a:r>
-              <a:rPr lang="ru-RU" sz="4800" smtClean="0"/>
-              <a:t>Константность</a:t>
-            </a:r>
-            <a:endParaRPr lang="ru-RU" sz="4800" smtClean="0"/>
+              <a:t> Константность</a:t>
+            </a:r>
           </a:p>
           <a:p>
             <a:pPr>
@@ -3708,13 +3703,8 @@
             </a:pPr>
             <a:r>
               <a:rPr lang="ru-RU" sz="4800" smtClean="0"/>
-              <a:t> </a:t>
-            </a:r>
-            <a:r>
-              <a:rPr lang="ru-RU" sz="4800" smtClean="0"/>
-              <a:t>Функции времени компиляции</a:t>
-            </a:r>
-            <a:endParaRPr lang="ru-RU" sz="4800" smtClean="0"/>
+              <a:t> Функции времени компиляции</a:t>
+            </a:r>
           </a:p>
           <a:p>
             <a:pPr>
@@ -3726,11 +3716,7 @@
             </a:pPr>
             <a:r>
               <a:rPr lang="ru-RU" sz="4800" smtClean="0"/>
-              <a:t> </a:t>
-            </a:r>
-            <a:r>
-              <a:rPr lang="ru-RU" sz="4800" smtClean="0"/>
-              <a:t>ООП времени компиляции</a:t>
+              <a:t> ООП времени компиляции</a:t>
             </a:r>
             <a:endParaRPr lang="en-US" sz="4800" smtClean="0"/>
           </a:p>
@@ -3750,7 +3736,6 @@
               <a:rPr lang="ru-RU" sz="4800" smtClean="0"/>
               <a:t>Пользовательские суффиксы</a:t>
             </a:r>
-            <a:endParaRPr lang="ru-RU" sz="4800" smtClean="0"/>
           </a:p>
         </p:txBody>
       </p:sp>
@@ -3799,6 +3784,10 @@
           <a:bodyPr/>
           <a:lstStyle/>
           <a:p>
+            <a:r>
+              <a:rPr lang="ru-RU" smtClean="0"/>
+              <a:t>Константность?</a:t>
+            </a:r>
             <a:endParaRPr lang="en-US"/>
           </a:p>
         </p:txBody>

--- a/trunk/slides/sep2017/09-constexpr.pptx
+++ b/trunk/slides/sep2017/09-constexpr.pptx
@@ -78,6 +78,21 @@
     <p:sldId id="322" r:id="rId72"/>
     <p:sldId id="323" r:id="rId73"/>
     <p:sldId id="258" r:id="rId74"/>
+    <p:sldId id="329" r:id="rId75"/>
+    <p:sldId id="330" r:id="rId76"/>
+    <p:sldId id="331" r:id="rId77"/>
+    <p:sldId id="332" r:id="rId78"/>
+    <p:sldId id="333" r:id="rId79"/>
+    <p:sldId id="334" r:id="rId80"/>
+    <p:sldId id="335" r:id="rId81"/>
+    <p:sldId id="336" r:id="rId82"/>
+    <p:sldId id="338" r:id="rId83"/>
+    <p:sldId id="337" r:id="rId84"/>
+    <p:sldId id="339" r:id="rId85"/>
+    <p:sldId id="341" r:id="rId86"/>
+    <p:sldId id="342" r:id="rId87"/>
+    <p:sldId id="340" r:id="rId88"/>
+    <p:sldId id="343" r:id="rId89"/>
   </p:sldIdLst>
   <p:sldSz cx="12192000" cy="6858000"/>
   <p:notesSz cx="6858000" cy="9144000"/>
@@ -381,7 +396,7 @@
             <a:fld id="{96DFF08F-DC6B-4601-B491-B0F83F6DD2DA}" type="datetimeFigureOut">
               <a:rPr lang="en-US" dirty="0"/>
               <a:pPr/>
-              <a:t>12/6/2017</a:t>
+              <a:t>12/11/2017</a:t>
             </a:fld>
             <a:endParaRPr lang="en-US" dirty="0"/>
           </a:p>
@@ -598,7 +613,7 @@
           <a:p>
             <a:fld id="{96DFF08F-DC6B-4601-B491-B0F83F6DD2DA}" type="datetimeFigureOut">
               <a:rPr lang="en-US" dirty="0"/>
-              <a:t>12/6/2017</a:t>
+              <a:t>12/11/2017</a:t>
             </a:fld>
             <a:endParaRPr lang="en-US" dirty="0"/>
           </a:p>
@@ -773,7 +788,7 @@
           <a:p>
             <a:fld id="{96DFF08F-DC6B-4601-B491-B0F83F6DD2DA}" type="datetimeFigureOut">
               <a:rPr lang="en-US" dirty="0"/>
-              <a:t>12/6/2017</a:t>
+              <a:t>12/11/2017</a:t>
             </a:fld>
             <a:endParaRPr lang="en-US" dirty="0"/>
           </a:p>
@@ -938,7 +953,7 @@
           <a:p>
             <a:fld id="{96DFF08F-DC6B-4601-B491-B0F83F6DD2DA}" type="datetimeFigureOut">
               <a:rPr lang="en-US" dirty="0"/>
-              <a:t>12/6/2017</a:t>
+              <a:t>12/11/2017</a:t>
             </a:fld>
             <a:endParaRPr lang="en-US" dirty="0"/>
           </a:p>
@@ -1184,7 +1199,7 @@
           <a:p>
             <a:fld id="{96DFF08F-DC6B-4601-B491-B0F83F6DD2DA}" type="datetimeFigureOut">
               <a:rPr lang="en-US" dirty="0"/>
-              <a:t>12/6/2017</a:t>
+              <a:t>12/11/2017</a:t>
             </a:fld>
             <a:endParaRPr lang="en-US" dirty="0"/>
           </a:p>
@@ -1502,7 +1517,7 @@
           <a:p>
             <a:fld id="{96DFF08F-DC6B-4601-B491-B0F83F6DD2DA}" type="datetimeFigureOut">
               <a:rPr lang="en-US" dirty="0"/>
-              <a:t>12/6/2017</a:t>
+              <a:t>12/11/2017</a:t>
             </a:fld>
             <a:endParaRPr lang="en-US" dirty="0"/>
           </a:p>
@@ -1921,7 +1936,7 @@
           <a:p>
             <a:fld id="{96DFF08F-DC6B-4601-B491-B0F83F6DD2DA}" type="datetimeFigureOut">
               <a:rPr lang="en-US" dirty="0"/>
-              <a:t>12/6/2017</a:t>
+              <a:t>12/11/2017</a:t>
             </a:fld>
             <a:endParaRPr lang="en-US" dirty="0"/>
           </a:p>
@@ -2034,7 +2049,7 @@
           <a:p>
             <a:fld id="{96DFF08F-DC6B-4601-B491-B0F83F6DD2DA}" type="datetimeFigureOut">
               <a:rPr lang="en-US" dirty="0"/>
-              <a:t>12/6/2017</a:t>
+              <a:t>12/11/2017</a:t>
             </a:fld>
             <a:endParaRPr lang="en-US" dirty="0"/>
           </a:p>
@@ -2124,7 +2139,7 @@
           <a:p>
             <a:fld id="{96DFF08F-DC6B-4601-B491-B0F83F6DD2DA}" type="datetimeFigureOut">
               <a:rPr lang="en-US" dirty="0"/>
-              <a:t>12/6/2017</a:t>
+              <a:t>12/11/2017</a:t>
             </a:fld>
             <a:endParaRPr lang="en-US" dirty="0"/>
           </a:p>
@@ -2409,7 +2424,7 @@
           <a:p>
             <a:fld id="{96DFF08F-DC6B-4601-B491-B0F83F6DD2DA}" type="datetimeFigureOut">
               <a:rPr lang="en-US" dirty="0"/>
-              <a:t>12/6/2017</a:t>
+              <a:t>12/11/2017</a:t>
             </a:fld>
             <a:endParaRPr lang="en-US" dirty="0"/>
           </a:p>
@@ -2676,7 +2691,7 @@
           <a:p>
             <a:fld id="{96DFF08F-DC6B-4601-B491-B0F83F6DD2DA}" type="datetimeFigureOut">
               <a:rPr lang="en-US" dirty="0"/>
-              <a:t>12/6/2017</a:t>
+              <a:t>12/11/2017</a:t>
             </a:fld>
             <a:endParaRPr lang="en-US" dirty="0"/>
           </a:p>
@@ -2925,7 +2940,7 @@
             <a:fld id="{96DFF08F-DC6B-4601-B491-B0F83F6DD2DA}" type="datetimeFigureOut">
               <a:rPr lang="en-US" dirty="0"/>
               <a:pPr/>
-              <a:t>12/6/2017</a:t>
+              <a:t>12/11/2017</a:t>
             </a:fld>
             <a:endParaRPr lang="en-US" dirty="0"/>
           </a:p>
@@ -3980,15 +3995,7 @@
           <a:p>
             <a:r>
               <a:rPr lang="ru-RU" smtClean="0"/>
-              <a:t>Литералы </a:t>
-            </a:r>
-            <a:r>
-              <a:rPr lang="ru-RU" smtClean="0"/>
-              <a:t>(в </a:t>
-            </a:r>
-            <a:r>
-              <a:rPr lang="ru-RU" smtClean="0"/>
-              <a:t>том числе введённые через макросы) и члены </a:t>
+              <a:t>Литералы (в том числе введённые через макросы) и члены </a:t>
             </a:r>
             <a:r>
               <a:rPr lang="en-US" smtClean="0"/>
@@ -4978,15 +4985,7 @@
             </a:r>
             <a:r>
               <a:rPr lang="ru-RU" smtClean="0"/>
-              <a:t>в этой же записи </a:t>
-            </a:r>
-            <a:r>
-              <a:rPr lang="ru-RU" smtClean="0"/>
-              <a:t>имеет вполне осмыслен</a:t>
-            </a:r>
-            <a:r>
-              <a:rPr lang="ru-RU" smtClean="0"/>
-              <a:t>ную семантику</a:t>
+              <a:t>в этой же записи имеет вполне осмысленную семантику</a:t>
             </a:r>
             <a:endParaRPr lang="en-US"/>
           </a:p>
@@ -5110,15 +5109,7 @@
             </a:r>
             <a:r>
               <a:rPr lang="ru-RU" smtClean="0"/>
-              <a:t>в этой же записи </a:t>
-            </a:r>
-            <a:r>
-              <a:rPr lang="ru-RU" smtClean="0"/>
-              <a:t>имеет вполне осмыслен</a:t>
-            </a:r>
-            <a:r>
-              <a:rPr lang="ru-RU" smtClean="0"/>
-              <a:t>ную семантику</a:t>
+              <a:t>в этой же записи имеет вполне осмысленную семантику</a:t>
             </a:r>
             <a:endParaRPr lang="en-US" smtClean="0"/>
           </a:p>
@@ -5555,11 +5546,7 @@
             </a:r>
             <a:r>
               <a:rPr lang="en-US" smtClean="0"/>
-              <a:t>if </a:t>
-            </a:r>
-            <a:r>
-              <a:rPr lang="en-US" smtClean="0"/>
-              <a:t>constexpr</a:t>
+              <a:t>if constexpr</a:t>
             </a:r>
             <a:endParaRPr lang="en-US"/>
           </a:p>
@@ -6548,11 +6535,7 @@
           <a:p>
             <a:r>
               <a:rPr lang="ru-RU" smtClean="0"/>
-              <a:t>Тут </a:t>
-            </a:r>
-            <a:r>
-              <a:rPr lang="ru-RU" smtClean="0"/>
-              <a:t>угадать, что </a:t>
+              <a:t>Тут угадать, что </a:t>
             </a:r>
             <a:r>
               <a:rPr lang="en-US" smtClean="0"/>
@@ -6560,15 +6543,7 @@
             </a:r>
             <a:r>
               <a:rPr lang="ru-RU" smtClean="0"/>
-              <a:t> на самом деле </a:t>
-            </a:r>
-            <a:r>
-              <a:rPr lang="ru-RU" smtClean="0"/>
-              <a:t>фун</a:t>
-            </a:r>
-            <a:r>
-              <a:rPr lang="ru-RU" smtClean="0"/>
-              <a:t>ктор</a:t>
+              <a:t> на самом деле функтор</a:t>
             </a:r>
             <a:r>
               <a:rPr lang="en-US" smtClean="0"/>
@@ -6586,13 +6561,8 @@
             </a:r>
             <a:r>
               <a:rPr lang="ru-RU" smtClean="0"/>
-              <a:t>довольно </a:t>
-            </a:r>
-            <a:r>
-              <a:rPr lang="ru-RU" smtClean="0"/>
-              <a:t>сложно</a:t>
-            </a:r>
-            <a:endParaRPr lang="ru-RU" smtClean="0"/>
+              <a:t>довольно сложно</a:t>
+            </a:r>
           </a:p>
         </p:txBody>
       </p:sp>
@@ -6744,11 +6714,7 @@
           <a:p>
             <a:r>
               <a:rPr lang="ru-RU" smtClean="0"/>
-              <a:t>Тут </a:t>
-            </a:r>
-            <a:r>
-              <a:rPr lang="ru-RU" smtClean="0"/>
-              <a:t>угадать, что </a:t>
+              <a:t>Тут угадать, что </a:t>
             </a:r>
             <a:r>
               <a:rPr lang="en-US" smtClean="0"/>
@@ -6756,15 +6722,7 @@
             </a:r>
             <a:r>
               <a:rPr lang="ru-RU" smtClean="0"/>
-              <a:t> на самом деле </a:t>
-            </a:r>
-            <a:r>
-              <a:rPr lang="ru-RU" smtClean="0"/>
-              <a:t>фун</a:t>
-            </a:r>
-            <a:r>
-              <a:rPr lang="ru-RU" smtClean="0"/>
-              <a:t>ктор</a:t>
+              <a:t> на самом деле функтор</a:t>
             </a:r>
             <a:r>
               <a:rPr lang="en-US" smtClean="0"/>
@@ -7402,11 +7360,7 @@
             </a:r>
             <a:r>
               <a:rPr lang="ru-RU" smtClean="0"/>
-              <a:t>не входит в тип функции и не может аннотировать </a:t>
-            </a:r>
-            <a:r>
-              <a:rPr lang="ru-RU" smtClean="0"/>
-              <a:t>параметры</a:t>
+              <a:t>не входит в тип функции и не может аннотировать параметры</a:t>
             </a:r>
             <a:endParaRPr lang="en-US"/>
           </a:p>
@@ -7555,11 +7509,7 @@
           <a:p>
             <a:r>
               <a:rPr lang="ru-RU" smtClean="0"/>
-              <a:t>Чтобы гарантировать, что функция выполнилась на этапе компиляции, её результат </a:t>
-            </a:r>
-            <a:r>
-              <a:rPr lang="ru-RU" smtClean="0"/>
-              <a:t>надо использовать в </a:t>
+              <a:t>Чтобы гарантировать, что функция выполнилась на этапе компиляции, её результат надо использовать в </a:t>
             </a:r>
             <a:r>
               <a:rPr lang="en-US" smtClean="0"/>
@@ -7567,11 +7517,7 @@
             </a:r>
             <a:r>
               <a:rPr lang="ru-RU" smtClean="0"/>
-              <a:t>контексте (положить </a:t>
-            </a:r>
-            <a:r>
-              <a:rPr lang="ru-RU" smtClean="0"/>
-              <a:t>в </a:t>
+              <a:t>контексте (положить в </a:t>
             </a:r>
             <a:r>
               <a:rPr lang="en-US" smtClean="0"/>
@@ -7949,11 +7895,7 @@
             </a:r>
             <a:r>
               <a:rPr lang="en-US" smtClean="0"/>
-              <a:t>x</a:t>
-            </a:r>
-            <a:r>
-              <a:rPr lang="en-US" smtClean="0"/>
-              <a:t>?</a:t>
+              <a:t>x?</a:t>
             </a:r>
             <a:endParaRPr lang="ru-RU" smtClean="0"/>
           </a:p>
@@ -12429,9 +12371,6 @@
               </a:rPr>
               <a:t>};</a:t>
             </a:r>
-            <a:endParaRPr lang="en-US" smtClean="0">
-              <a:latin typeface="Consolas" panose="020B0609020204030204" pitchFamily="49" charset="0"/>
-            </a:endParaRPr>
           </a:p>
         </p:txBody>
       </p:sp>
@@ -18027,6 +17966,2166 @@
 </p:sld>
 </file>
 
+<file path=ppt/slides/slide74.xml><?xml version="1.0" encoding="utf-8"?>
+<p:sld xmlns:a="http://schemas.openxmlformats.org/drawingml/2006/main" xmlns:r="http://schemas.openxmlformats.org/officeDocument/2006/relationships" xmlns:p="http://schemas.openxmlformats.org/presentationml/2006/main">
+  <p:cSld>
+    <p:spTree>
+      <p:nvGrpSpPr>
+        <p:cNvPr id="1" name=""/>
+        <p:cNvGrpSpPr/>
+        <p:nvPr/>
+      </p:nvGrpSpPr>
+      <p:grpSpPr>
+        <a:xfrm>
+          <a:off x="0" y="0"/>
+          <a:ext cx="0" cy="0"/>
+          <a:chOff x="0" y="0"/>
+          <a:chExt cx="0" cy="0"/>
+        </a:xfrm>
+      </p:grpSpPr>
+      <p:sp>
+        <p:nvSpPr>
+          <p:cNvPr id="4" name="Title 3"/>
+          <p:cNvSpPr>
+            <a:spLocks noGrp="1"/>
+          </p:cNvSpPr>
+          <p:nvPr>
+            <p:ph type="title"/>
+          </p:nvPr>
+        </p:nvSpPr>
+        <p:spPr/>
+        <p:txBody>
+          <a:bodyPr/>
+          <a:lstStyle/>
+          <a:p>
+            <a:r>
+              <a:rPr lang="ru-RU" smtClean="0"/>
+              <a:t>секретный уровень</a:t>
+            </a:r>
+            <a:endParaRPr lang="en-US"/>
+          </a:p>
+        </p:txBody>
+      </p:sp>
+      <p:sp>
+        <p:nvSpPr>
+          <p:cNvPr id="5" name="Text Placeholder 4"/>
+          <p:cNvSpPr>
+            <a:spLocks noGrp="1"/>
+          </p:cNvSpPr>
+          <p:nvPr>
+            <p:ph type="body" idx="1"/>
+          </p:nvPr>
+        </p:nvSpPr>
+        <p:spPr/>
+        <p:txBody>
+          <a:bodyPr/>
+          <a:lstStyle/>
+          <a:p>
+            <a:r>
+              <a:rPr lang="ru-RU" smtClean="0"/>
+              <a:t>Перестановки кортежей во время компиляции</a:t>
+            </a:r>
+            <a:endParaRPr lang="en-US"/>
+          </a:p>
+        </p:txBody>
+      </p:sp>
+    </p:spTree>
+    <p:extLst>
+      <p:ext uri="{BB962C8B-B14F-4D97-AF65-F5344CB8AC3E}">
+        <p14:creationId xmlns:p14="http://schemas.microsoft.com/office/powerpoint/2010/main" val="472556335"/>
+      </p:ext>
+    </p:extLst>
+  </p:cSld>
+  <p:clrMapOvr>
+    <a:masterClrMapping/>
+  </p:clrMapOvr>
+</p:sld>
+</file>
+
+<file path=ppt/slides/slide75.xml><?xml version="1.0" encoding="utf-8"?>
+<p:sld xmlns:a="http://schemas.openxmlformats.org/drawingml/2006/main" xmlns:r="http://schemas.openxmlformats.org/officeDocument/2006/relationships" xmlns:p="http://schemas.openxmlformats.org/presentationml/2006/main">
+  <p:cSld>
+    <p:spTree>
+      <p:nvGrpSpPr>
+        <p:cNvPr id="1" name=""/>
+        <p:cNvGrpSpPr/>
+        <p:nvPr/>
+      </p:nvGrpSpPr>
+      <p:grpSpPr>
+        <a:xfrm>
+          <a:off x="0" y="0"/>
+          <a:ext cx="0" cy="0"/>
+          <a:chOff x="0" y="0"/>
+          <a:chExt cx="0" cy="0"/>
+        </a:xfrm>
+      </p:grpSpPr>
+      <p:sp>
+        <p:nvSpPr>
+          <p:cNvPr id="6" name="Title 5"/>
+          <p:cNvSpPr>
+            <a:spLocks noGrp="1"/>
+          </p:cNvSpPr>
+          <p:nvPr>
+            <p:ph type="title"/>
+          </p:nvPr>
+        </p:nvSpPr>
+        <p:spPr/>
+        <p:txBody>
+          <a:bodyPr/>
+          <a:lstStyle/>
+          <a:p>
+            <a:r>
+              <a:rPr lang="ru-RU" smtClean="0"/>
+              <a:t>Постановка задачи</a:t>
+            </a:r>
+            <a:endParaRPr lang="en-US"/>
+          </a:p>
+        </p:txBody>
+      </p:sp>
+      <p:sp>
+        <p:nvSpPr>
+          <p:cNvPr id="7" name="Content Placeholder 6"/>
+          <p:cNvSpPr>
+            <a:spLocks noGrp="1"/>
+          </p:cNvSpPr>
+          <p:nvPr>
+            <p:ph idx="1"/>
+          </p:nvPr>
+        </p:nvSpPr>
+        <p:spPr/>
+        <p:txBody>
+          <a:bodyPr/>
+          <a:lstStyle/>
+          <a:p>
+            <a:r>
+              <a:rPr lang="ru-RU" smtClean="0"/>
+              <a:t>Необходимо из кортежа</a:t>
+            </a:r>
+          </a:p>
+          <a:p>
+            <a:pPr marL="45720" indent="0">
+              <a:buNone/>
+            </a:pPr>
+            <a:r>
+              <a:rPr lang="en-US" smtClean="0">
+                <a:latin typeface="Consolas" panose="020B0609020204030204" pitchFamily="49" charset="0"/>
+              </a:rPr>
+              <a:t>constexpr </a:t>
+            </a:r>
+            <a:r>
+              <a:rPr lang="en-US">
+                <a:latin typeface="Consolas" panose="020B0609020204030204" pitchFamily="49" charset="0"/>
+              </a:rPr>
+              <a:t>auto test = make_tuple(1, 1.5, 2, 2.5, 3, </a:t>
+            </a:r>
+            <a:r>
+              <a:rPr lang="en-US">
+                <a:latin typeface="Consolas" panose="020B0609020204030204" pitchFamily="49" charset="0"/>
+              </a:rPr>
+              <a:t>3.5</a:t>
+            </a:r>
+            <a:r>
+              <a:rPr lang="en-US" smtClean="0">
+                <a:latin typeface="Consolas" panose="020B0609020204030204" pitchFamily="49" charset="0"/>
+              </a:rPr>
+              <a:t>);</a:t>
+            </a:r>
+            <a:endParaRPr lang="ru-RU" smtClean="0">
+              <a:latin typeface="Consolas" panose="020B0609020204030204" pitchFamily="49" charset="0"/>
+            </a:endParaRPr>
+          </a:p>
+          <a:p>
+            <a:r>
+              <a:rPr lang="ru-RU" smtClean="0"/>
+              <a:t>Получить кортеж после заданной перестановки элементов</a:t>
+            </a:r>
+          </a:p>
+          <a:p>
+            <a:pPr marL="45720" indent="0">
+              <a:buNone/>
+            </a:pPr>
+            <a:r>
+              <a:rPr lang="en-US" smtClean="0">
+                <a:latin typeface="Consolas" panose="020B0609020204030204" pitchFamily="49" charset="0"/>
+              </a:rPr>
+              <a:t>constexpr </a:t>
+            </a:r>
+            <a:r>
+              <a:rPr lang="en-US">
+                <a:latin typeface="Consolas" panose="020B0609020204030204" pitchFamily="49" charset="0"/>
+              </a:rPr>
+              <a:t>auto </a:t>
+            </a:r>
+            <a:r>
+              <a:rPr lang="en-US" smtClean="0">
+                <a:latin typeface="Consolas" panose="020B0609020204030204" pitchFamily="49" charset="0"/>
+              </a:rPr>
+              <a:t>test23140 </a:t>
+            </a:r>
+            <a:r>
+              <a:rPr lang="en-US">
+                <a:latin typeface="Consolas" panose="020B0609020204030204" pitchFamily="49" charset="0"/>
+              </a:rPr>
+              <a:t>= permute_elts&lt;2, 3, 1, 4, 0&gt;(test</a:t>
+            </a:r>
+            <a:r>
+              <a:rPr lang="en-US">
+                <a:latin typeface="Consolas" panose="020B0609020204030204" pitchFamily="49" charset="0"/>
+              </a:rPr>
+              <a:t>);  </a:t>
+            </a:r>
+            <a:endParaRPr lang="en-US" smtClean="0">
+              <a:latin typeface="Consolas" panose="020B0609020204030204" pitchFamily="49" charset="0"/>
+            </a:endParaRPr>
+          </a:p>
+          <a:p>
+            <a:pPr marL="45720" indent="0">
+              <a:buNone/>
+            </a:pPr>
+            <a:r>
+              <a:rPr lang="en-US" smtClean="0">
+                <a:latin typeface="Consolas" panose="020B0609020204030204" pitchFamily="49" charset="0"/>
+              </a:rPr>
+              <a:t>// test23140 == { </a:t>
+            </a:r>
+            <a:r>
+              <a:rPr lang="ru-RU" smtClean="0">
+                <a:latin typeface="Consolas" panose="020B0609020204030204" pitchFamily="49" charset="0"/>
+              </a:rPr>
+              <a:t>3</a:t>
+            </a:r>
+            <a:r>
+              <a:rPr lang="en-US">
+                <a:latin typeface="Consolas" panose="020B0609020204030204" pitchFamily="49" charset="0"/>
+              </a:rPr>
+              <a:t>, 2.5, 1, 2, 1.5</a:t>
+            </a:r>
+            <a:r>
+              <a:rPr lang="en-US">
+                <a:latin typeface="Consolas" panose="020B0609020204030204" pitchFamily="49" charset="0"/>
+              </a:rPr>
+              <a:t>, </a:t>
+            </a:r>
+            <a:r>
+              <a:rPr lang="en-US" smtClean="0">
+                <a:latin typeface="Consolas" panose="020B0609020204030204" pitchFamily="49" charset="0"/>
+              </a:rPr>
+              <a:t>3.5</a:t>
+            </a:r>
+            <a:r>
+              <a:rPr lang="en-US">
+                <a:latin typeface="Consolas" panose="020B0609020204030204" pitchFamily="49" charset="0"/>
+              </a:rPr>
+              <a:t> </a:t>
+            </a:r>
+            <a:r>
+              <a:rPr lang="en-US" smtClean="0">
+                <a:latin typeface="Consolas" panose="020B0609020204030204" pitchFamily="49" charset="0"/>
+              </a:rPr>
+              <a:t>}</a:t>
+            </a:r>
+            <a:endParaRPr lang="ru-RU" smtClean="0">
+              <a:latin typeface="Consolas" panose="020B0609020204030204" pitchFamily="49" charset="0"/>
+            </a:endParaRPr>
+          </a:p>
+          <a:p>
+            <a:r>
+              <a:rPr lang="ru-RU" smtClean="0"/>
+              <a:t>Соответственно задача реализовать функцию, выполняющую перестановку</a:t>
+            </a:r>
+            <a:endParaRPr lang="en-US" smtClean="0"/>
+          </a:p>
+          <a:p>
+            <a:r>
+              <a:rPr lang="ru-RU" smtClean="0"/>
+              <a:t>Напомним: </a:t>
+            </a:r>
+            <a:r>
+              <a:rPr lang="en-US" smtClean="0">
+                <a:latin typeface="Consolas" panose="020B0609020204030204" pitchFamily="49" charset="0"/>
+              </a:rPr>
+              <a:t>(2 3 1 4 0)</a:t>
+            </a:r>
+            <a:r>
+              <a:rPr lang="en-US" smtClean="0"/>
+              <a:t> </a:t>
+            </a:r>
+            <a:r>
+              <a:rPr lang="ru-RU" smtClean="0"/>
+              <a:t>означает</a:t>
+            </a:r>
+          </a:p>
+          <a:p>
+            <a:pPr marL="45720" indent="0">
+              <a:buNone/>
+            </a:pPr>
+            <a:r>
+              <a:rPr lang="en-US" smtClean="0">
+                <a:latin typeface="Consolas" panose="020B0609020204030204" pitchFamily="49" charset="0"/>
+              </a:rPr>
+              <a:t>#</a:t>
+            </a:r>
+            <a:r>
+              <a:rPr lang="ru-RU" smtClean="0">
+                <a:latin typeface="Consolas" panose="020B0609020204030204" pitchFamily="49" charset="0"/>
+              </a:rPr>
+              <a:t>2 </a:t>
+            </a:r>
+            <a:r>
+              <a:rPr lang="ru-RU" smtClean="0">
+                <a:latin typeface="Consolas" panose="020B0609020204030204" pitchFamily="49" charset="0"/>
+                <a:sym typeface="Symbol" panose="05050102010706020507" pitchFamily="18" charset="2"/>
+              </a:rPr>
+              <a:t> </a:t>
+            </a:r>
+            <a:r>
+              <a:rPr lang="en-US" smtClean="0">
+                <a:latin typeface="Consolas" panose="020B0609020204030204" pitchFamily="49" charset="0"/>
+                <a:sym typeface="Symbol" panose="05050102010706020507" pitchFamily="18" charset="2"/>
+              </a:rPr>
+              <a:t>#</a:t>
+            </a:r>
+            <a:r>
+              <a:rPr lang="ru-RU" smtClean="0">
+                <a:latin typeface="Consolas" panose="020B0609020204030204" pitchFamily="49" charset="0"/>
+                <a:sym typeface="Symbol" panose="05050102010706020507" pitchFamily="18" charset="2"/>
+              </a:rPr>
+              <a:t>3</a:t>
+            </a:r>
+            <a:r>
+              <a:rPr lang="en-US" smtClean="0">
+                <a:latin typeface="Consolas" panose="020B0609020204030204" pitchFamily="49" charset="0"/>
+                <a:sym typeface="Symbol" panose="05050102010706020507" pitchFamily="18" charset="2"/>
+              </a:rPr>
+              <a:t>, #</a:t>
+            </a:r>
+            <a:r>
+              <a:rPr lang="en-US" smtClean="0">
+                <a:latin typeface="Consolas" panose="020B0609020204030204" pitchFamily="49" charset="0"/>
+              </a:rPr>
+              <a:t>3</a:t>
+            </a:r>
+            <a:r>
+              <a:rPr lang="ru-RU" smtClean="0">
+                <a:latin typeface="Consolas" panose="020B0609020204030204" pitchFamily="49" charset="0"/>
+              </a:rPr>
+              <a:t> </a:t>
+            </a:r>
+            <a:r>
+              <a:rPr lang="ru-RU">
+                <a:latin typeface="Consolas" panose="020B0609020204030204" pitchFamily="49" charset="0"/>
+                <a:sym typeface="Symbol" panose="05050102010706020507" pitchFamily="18" charset="2"/>
+              </a:rPr>
+              <a:t> </a:t>
+            </a:r>
+            <a:r>
+              <a:rPr lang="en-US" smtClean="0">
+                <a:latin typeface="Consolas" panose="020B0609020204030204" pitchFamily="49" charset="0"/>
+                <a:sym typeface="Symbol" panose="05050102010706020507" pitchFamily="18" charset="2"/>
+              </a:rPr>
+              <a:t>#1, #1</a:t>
+            </a:r>
+            <a:r>
+              <a:rPr lang="ru-RU" smtClean="0">
+                <a:latin typeface="Consolas" panose="020B0609020204030204" pitchFamily="49" charset="0"/>
+              </a:rPr>
+              <a:t> </a:t>
+            </a:r>
+            <a:r>
+              <a:rPr lang="ru-RU">
+                <a:latin typeface="Consolas" panose="020B0609020204030204" pitchFamily="49" charset="0"/>
+                <a:sym typeface="Symbol" panose="05050102010706020507" pitchFamily="18" charset="2"/>
+              </a:rPr>
+              <a:t> </a:t>
+            </a:r>
+            <a:r>
+              <a:rPr lang="en-US" smtClean="0">
+                <a:latin typeface="Consolas" panose="020B0609020204030204" pitchFamily="49" charset="0"/>
+                <a:sym typeface="Symbol" panose="05050102010706020507" pitchFamily="18" charset="2"/>
+              </a:rPr>
+              <a:t>#4, #4</a:t>
+            </a:r>
+            <a:r>
+              <a:rPr lang="ru-RU" smtClean="0">
+                <a:latin typeface="Consolas" panose="020B0609020204030204" pitchFamily="49" charset="0"/>
+              </a:rPr>
+              <a:t> </a:t>
+            </a:r>
+            <a:r>
+              <a:rPr lang="ru-RU">
+                <a:latin typeface="Consolas" panose="020B0609020204030204" pitchFamily="49" charset="0"/>
+                <a:sym typeface="Symbol" panose="05050102010706020507" pitchFamily="18" charset="2"/>
+              </a:rPr>
+              <a:t> </a:t>
+            </a:r>
+            <a:r>
+              <a:rPr lang="en-US" smtClean="0">
+                <a:latin typeface="Consolas" panose="020B0609020204030204" pitchFamily="49" charset="0"/>
+                <a:sym typeface="Symbol" panose="05050102010706020507" pitchFamily="18" charset="2"/>
+              </a:rPr>
+              <a:t>#0, #0</a:t>
+            </a:r>
+            <a:r>
+              <a:rPr lang="ru-RU" smtClean="0">
+                <a:latin typeface="Consolas" panose="020B0609020204030204" pitchFamily="49" charset="0"/>
+              </a:rPr>
+              <a:t> </a:t>
+            </a:r>
+            <a:r>
+              <a:rPr lang="ru-RU">
+                <a:latin typeface="Consolas" panose="020B0609020204030204" pitchFamily="49" charset="0"/>
+                <a:sym typeface="Symbol" panose="05050102010706020507" pitchFamily="18" charset="2"/>
+              </a:rPr>
+              <a:t> </a:t>
+            </a:r>
+            <a:r>
+              <a:rPr lang="en-US" smtClean="0">
+                <a:latin typeface="Consolas" panose="020B0609020204030204" pitchFamily="49" charset="0"/>
+                <a:sym typeface="Symbol" panose="05050102010706020507" pitchFamily="18" charset="2"/>
+              </a:rPr>
+              <a:t>#2</a:t>
+            </a:r>
+            <a:r>
+              <a:rPr lang="ru-RU" smtClean="0">
+                <a:latin typeface="Consolas" panose="020B0609020204030204" pitchFamily="49" charset="0"/>
+                <a:sym typeface="Symbol" panose="05050102010706020507" pitchFamily="18" charset="2"/>
+              </a:rPr>
+              <a:t>  </a:t>
+            </a:r>
+            <a:endParaRPr lang="ru-RU" smtClean="0">
+              <a:latin typeface="Consolas" panose="020B0609020204030204" pitchFamily="49" charset="0"/>
+            </a:endParaRPr>
+          </a:p>
+        </p:txBody>
+      </p:sp>
+    </p:spTree>
+    <p:extLst>
+      <p:ext uri="{BB962C8B-B14F-4D97-AF65-F5344CB8AC3E}">
+        <p14:creationId xmlns:p14="http://schemas.microsoft.com/office/powerpoint/2010/main" val="3874733883"/>
+      </p:ext>
+    </p:extLst>
+  </p:cSld>
+  <p:clrMapOvr>
+    <a:masterClrMapping/>
+  </p:clrMapOvr>
+</p:sld>
+</file>
+
+<file path=ppt/slides/slide76.xml><?xml version="1.0" encoding="utf-8"?>
+<p:sld xmlns:a="http://schemas.openxmlformats.org/drawingml/2006/main" xmlns:r="http://schemas.openxmlformats.org/officeDocument/2006/relationships" xmlns:p="http://schemas.openxmlformats.org/presentationml/2006/main">
+  <p:cSld>
+    <p:spTree>
+      <p:nvGrpSpPr>
+        <p:cNvPr id="1" name=""/>
+        <p:cNvGrpSpPr/>
+        <p:nvPr/>
+      </p:nvGrpSpPr>
+      <p:grpSpPr>
+        <a:xfrm>
+          <a:off x="0" y="0"/>
+          <a:ext cx="0" cy="0"/>
+          <a:chOff x="0" y="0"/>
+          <a:chExt cx="0" cy="0"/>
+        </a:xfrm>
+      </p:grpSpPr>
+      <p:sp>
+        <p:nvSpPr>
+          <p:cNvPr id="2" name="Title 1"/>
+          <p:cNvSpPr>
+            <a:spLocks noGrp="1"/>
+          </p:cNvSpPr>
+          <p:nvPr>
+            <p:ph type="title"/>
+          </p:nvPr>
+        </p:nvSpPr>
+        <p:spPr/>
+        <p:txBody>
+          <a:bodyPr/>
+          <a:lstStyle/>
+          <a:p>
+            <a:r>
+              <a:rPr lang="en-US" smtClean="0"/>
+              <a:t>Warmup: </a:t>
+            </a:r>
+            <a:r>
+              <a:rPr lang="ru-RU" smtClean="0"/>
+              <a:t>распечатать кортеж</a:t>
+            </a:r>
+            <a:endParaRPr lang="en-US"/>
+          </a:p>
+        </p:txBody>
+      </p:sp>
+      <p:sp>
+        <p:nvSpPr>
+          <p:cNvPr id="3" name="Content Placeholder 2"/>
+          <p:cNvSpPr>
+            <a:spLocks noGrp="1"/>
+          </p:cNvSpPr>
+          <p:nvPr>
+            <p:ph idx="1"/>
+          </p:nvPr>
+        </p:nvSpPr>
+        <p:spPr>
+          <a:xfrm>
+            <a:off x="1143000" y="2057400"/>
+            <a:ext cx="10250424" cy="4038600"/>
+          </a:xfrm>
+        </p:spPr>
+        <p:txBody>
+          <a:bodyPr/>
+          <a:lstStyle/>
+          <a:p>
+            <a:pPr marL="45720" indent="0">
+              <a:buNone/>
+            </a:pPr>
+            <a:r>
+              <a:rPr lang="en-US" sz="2000">
+                <a:latin typeface="Consolas" panose="020B0609020204030204" pitchFamily="49" charset="0"/>
+              </a:rPr>
+              <a:t>template&lt;typename Tuple, size_t... </a:t>
+            </a:r>
+            <a:r>
+              <a:rPr lang="en-US" sz="2000">
+                <a:latin typeface="Consolas" panose="020B0609020204030204" pitchFamily="49" charset="0"/>
+              </a:rPr>
+              <a:t>Is</a:t>
+            </a:r>
+            <a:r>
+              <a:rPr lang="en-US" sz="2000" smtClean="0">
+                <a:latin typeface="Consolas" panose="020B0609020204030204" pitchFamily="49" charset="0"/>
+              </a:rPr>
+              <a:t>&gt;</a:t>
+            </a:r>
+            <a:r>
+              <a:rPr lang="ru-RU" sz="2000" smtClean="0">
+                <a:latin typeface="Consolas" panose="020B0609020204030204" pitchFamily="49" charset="0"/>
+              </a:rPr>
+              <a:t/>
+            </a:r>
+            <a:br>
+              <a:rPr lang="ru-RU" sz="2000" smtClean="0">
+                <a:latin typeface="Consolas" panose="020B0609020204030204" pitchFamily="49" charset="0"/>
+              </a:rPr>
+            </a:br>
+            <a:r>
+              <a:rPr lang="en-US" sz="2000" smtClean="0">
+                <a:latin typeface="Consolas" panose="020B0609020204030204" pitchFamily="49" charset="0"/>
+              </a:rPr>
+              <a:t>void </a:t>
+            </a:r>
+            <a:r>
+              <a:rPr lang="en-US" sz="2000">
+                <a:latin typeface="Consolas" panose="020B0609020204030204" pitchFamily="49" charset="0"/>
+              </a:rPr>
+              <a:t>print_tuple_impl(ostream&amp; os, Tuple &amp;&amp;t, </a:t>
+            </a:r>
+            <a:r>
+              <a:rPr lang="en-US" sz="2000">
+                <a:latin typeface="Consolas" panose="020B0609020204030204" pitchFamily="49" charset="0"/>
+              </a:rPr>
+              <a:t>index_sequence&lt;Is</a:t>
+            </a:r>
+            <a:r>
+              <a:rPr lang="en-US" sz="2000" smtClean="0">
+                <a:latin typeface="Consolas" panose="020B0609020204030204" pitchFamily="49" charset="0"/>
+              </a:rPr>
+              <a:t>...&gt;)</a:t>
+            </a:r>
+            <a:r>
+              <a:rPr lang="ru-RU" sz="2000" smtClean="0">
+                <a:latin typeface="Consolas" panose="020B0609020204030204" pitchFamily="49" charset="0"/>
+              </a:rPr>
+              <a:t> </a:t>
+            </a:r>
+            <a:r>
+              <a:rPr lang="en-US" sz="2000" smtClean="0">
+                <a:latin typeface="Consolas" panose="020B0609020204030204" pitchFamily="49" charset="0"/>
+              </a:rPr>
+              <a:t>{</a:t>
+            </a:r>
+            <a:r>
+              <a:rPr lang="ru-RU" sz="2000" smtClean="0">
+                <a:latin typeface="Consolas" panose="020B0609020204030204" pitchFamily="49" charset="0"/>
+              </a:rPr>
+              <a:t/>
+            </a:r>
+            <a:br>
+              <a:rPr lang="ru-RU" sz="2000" smtClean="0">
+                <a:latin typeface="Consolas" panose="020B0609020204030204" pitchFamily="49" charset="0"/>
+              </a:rPr>
+            </a:br>
+            <a:r>
+              <a:rPr lang="en-US" sz="2000" smtClean="0">
+                <a:latin typeface="Consolas" panose="020B0609020204030204" pitchFamily="49" charset="0"/>
+              </a:rPr>
+              <a:t>  </a:t>
+            </a:r>
+            <a:r>
+              <a:rPr lang="en-US" sz="2000">
+                <a:latin typeface="Consolas" panose="020B0609020204030204" pitchFamily="49" charset="0"/>
+              </a:rPr>
+              <a:t>(</a:t>
+            </a:r>
+            <a:r>
+              <a:rPr lang="en-US" sz="2000">
+                <a:solidFill>
+                  <a:srgbClr val="0000FF"/>
+                </a:solidFill>
+                <a:latin typeface="Consolas" panose="020B0609020204030204" pitchFamily="49" charset="0"/>
+              </a:rPr>
+              <a:t>(os &lt;&lt; (Is == 0 ? "" : </a:t>
+            </a:r>
+            <a:r>
+              <a:rPr lang="en-US" sz="2000">
+                <a:solidFill>
+                  <a:srgbClr val="0000FF"/>
+                </a:solidFill>
+                <a:latin typeface="Consolas" panose="020B0609020204030204" pitchFamily="49" charset="0"/>
+              </a:rPr>
+              <a:t>", </a:t>
+            </a:r>
+            <a:r>
+              <a:rPr lang="en-US" sz="2000" smtClean="0">
+                <a:solidFill>
+                  <a:srgbClr val="0000FF"/>
+                </a:solidFill>
+                <a:latin typeface="Consolas" panose="020B0609020204030204" pitchFamily="49" charset="0"/>
+              </a:rPr>
+              <a:t>")</a:t>
+            </a:r>
+            <a:r>
+              <a:rPr lang="ru-RU" sz="2000" smtClean="0">
+                <a:solidFill>
+                  <a:srgbClr val="0000FF"/>
+                </a:solidFill>
+                <a:latin typeface="Consolas" panose="020B0609020204030204" pitchFamily="49" charset="0"/>
+              </a:rPr>
+              <a:t> </a:t>
+            </a:r>
+            <a:r>
+              <a:rPr lang="en-US" sz="2000" smtClean="0">
+                <a:solidFill>
+                  <a:srgbClr val="0000FF"/>
+                </a:solidFill>
+                <a:latin typeface="Consolas" panose="020B0609020204030204" pitchFamily="49" charset="0"/>
+              </a:rPr>
+              <a:t>&lt;&lt; </a:t>
+            </a:r>
+            <a:r>
+              <a:rPr lang="en-US" sz="2000">
+                <a:solidFill>
+                  <a:srgbClr val="0000FF"/>
+                </a:solidFill>
+                <a:latin typeface="Consolas" panose="020B0609020204030204" pitchFamily="49" charset="0"/>
+              </a:rPr>
+              <a:t>get&lt;Is&gt;(forward&lt;Tuple&gt;(t</a:t>
+            </a:r>
+            <a:r>
+              <a:rPr lang="en-US" sz="2000">
+                <a:solidFill>
+                  <a:srgbClr val="0000FF"/>
+                </a:solidFill>
+                <a:latin typeface="Consolas" panose="020B0609020204030204" pitchFamily="49" charset="0"/>
+              </a:rPr>
+              <a:t>)))</a:t>
+            </a:r>
+            <a:r>
+              <a:rPr lang="en-US" sz="2000">
+                <a:latin typeface="Consolas" panose="020B0609020204030204" pitchFamily="49" charset="0"/>
+              </a:rPr>
+              <a:t>, </a:t>
+            </a:r>
+            <a:r>
+              <a:rPr lang="en-US" sz="2000" smtClean="0">
+                <a:latin typeface="Consolas" panose="020B0609020204030204" pitchFamily="49" charset="0"/>
+              </a:rPr>
+              <a:t>...);</a:t>
+            </a:r>
+            <a:r>
+              <a:rPr lang="ru-RU" sz="2000" smtClean="0">
+                <a:latin typeface="Consolas" panose="020B0609020204030204" pitchFamily="49" charset="0"/>
+              </a:rPr>
+              <a:t/>
+            </a:r>
+            <a:br>
+              <a:rPr lang="ru-RU" sz="2000" smtClean="0">
+                <a:latin typeface="Consolas" panose="020B0609020204030204" pitchFamily="49" charset="0"/>
+              </a:rPr>
+            </a:br>
+            <a:r>
+              <a:rPr lang="en-US" sz="2000" smtClean="0">
+                <a:latin typeface="Consolas" panose="020B0609020204030204" pitchFamily="49" charset="0"/>
+              </a:rPr>
+              <a:t>}</a:t>
+            </a:r>
+            <a:endParaRPr lang="ru-RU" sz="2000" smtClean="0">
+              <a:latin typeface="Consolas" panose="020B0609020204030204" pitchFamily="49" charset="0"/>
+            </a:endParaRPr>
+          </a:p>
+          <a:p>
+            <a:pPr marL="45720" indent="0">
+              <a:buNone/>
+            </a:pPr>
+            <a:r>
+              <a:rPr lang="en-US" sz="2000" smtClean="0">
+                <a:latin typeface="Consolas" panose="020B0609020204030204" pitchFamily="49" charset="0"/>
+              </a:rPr>
+              <a:t>template&lt;typename Tuple&gt;</a:t>
+            </a:r>
+            <a:r>
+              <a:rPr lang="ru-RU" sz="2000" smtClean="0">
+                <a:latin typeface="Consolas" panose="020B0609020204030204" pitchFamily="49" charset="0"/>
+              </a:rPr>
+              <a:t/>
+            </a:r>
+            <a:br>
+              <a:rPr lang="ru-RU" sz="2000" smtClean="0">
+                <a:latin typeface="Consolas" panose="020B0609020204030204" pitchFamily="49" charset="0"/>
+              </a:rPr>
+            </a:br>
+            <a:r>
+              <a:rPr lang="en-US" sz="2000" smtClean="0">
+                <a:latin typeface="Consolas" panose="020B0609020204030204" pitchFamily="49" charset="0"/>
+              </a:rPr>
+              <a:t>decltype(auto</a:t>
+            </a:r>
+            <a:r>
+              <a:rPr lang="en-US" sz="2000">
+                <a:latin typeface="Consolas" panose="020B0609020204030204" pitchFamily="49" charset="0"/>
+              </a:rPr>
+              <a:t>) operator&lt;&lt;(ostream&amp; os, Tuple &amp;&amp;</a:t>
+            </a:r>
+            <a:r>
+              <a:rPr lang="en-US" sz="2000">
+                <a:latin typeface="Consolas" panose="020B0609020204030204" pitchFamily="49" charset="0"/>
+              </a:rPr>
+              <a:t>t</a:t>
+            </a:r>
+            <a:r>
+              <a:rPr lang="en-US" sz="2000" smtClean="0">
+                <a:latin typeface="Consolas" panose="020B0609020204030204" pitchFamily="49" charset="0"/>
+              </a:rPr>
+              <a:t>){</a:t>
+            </a:r>
+            <a:r>
+              <a:rPr lang="ru-RU" sz="2000" smtClean="0">
+                <a:latin typeface="Consolas" panose="020B0609020204030204" pitchFamily="49" charset="0"/>
+              </a:rPr>
+              <a:t/>
+            </a:r>
+            <a:br>
+              <a:rPr lang="ru-RU" sz="2000" smtClean="0">
+                <a:latin typeface="Consolas" panose="020B0609020204030204" pitchFamily="49" charset="0"/>
+              </a:rPr>
+            </a:br>
+            <a:r>
+              <a:rPr lang="en-US" sz="2000" smtClean="0">
+                <a:latin typeface="Consolas" panose="020B0609020204030204" pitchFamily="49" charset="0"/>
+              </a:rPr>
+              <a:t>  </a:t>
+            </a:r>
+            <a:r>
+              <a:rPr lang="en-US" sz="2000">
+                <a:latin typeface="Consolas" panose="020B0609020204030204" pitchFamily="49" charset="0"/>
+              </a:rPr>
+              <a:t>constexpr size_t sz = tuple_size&lt;decay_t&lt;Tuple&gt;&gt;::</a:t>
+            </a:r>
+            <a:r>
+              <a:rPr lang="en-US" sz="2000">
+                <a:latin typeface="Consolas" panose="020B0609020204030204" pitchFamily="49" charset="0"/>
+              </a:rPr>
+              <a:t>value</a:t>
+            </a:r>
+            <a:r>
+              <a:rPr lang="en-US" sz="2000" smtClean="0">
+                <a:latin typeface="Consolas" panose="020B0609020204030204" pitchFamily="49" charset="0"/>
+              </a:rPr>
+              <a:t>;</a:t>
+            </a:r>
+            <a:r>
+              <a:rPr lang="ru-RU" sz="2000" smtClean="0">
+                <a:latin typeface="Consolas" panose="020B0609020204030204" pitchFamily="49" charset="0"/>
+              </a:rPr>
+              <a:t/>
+            </a:r>
+            <a:br>
+              <a:rPr lang="ru-RU" sz="2000" smtClean="0">
+                <a:latin typeface="Consolas" panose="020B0609020204030204" pitchFamily="49" charset="0"/>
+              </a:rPr>
+            </a:br>
+            <a:r>
+              <a:rPr lang="en-US" sz="2000" smtClean="0">
+                <a:latin typeface="Consolas" panose="020B0609020204030204" pitchFamily="49" charset="0"/>
+              </a:rPr>
+              <a:t>  </a:t>
+            </a:r>
+            <a:r>
+              <a:rPr lang="en-US" sz="2000">
+                <a:latin typeface="Consolas" panose="020B0609020204030204" pitchFamily="49" charset="0"/>
+              </a:rPr>
+              <a:t>os </a:t>
+            </a:r>
+            <a:r>
+              <a:rPr lang="en-US" sz="2000">
+                <a:latin typeface="Consolas" panose="020B0609020204030204" pitchFamily="49" charset="0"/>
+              </a:rPr>
+              <a:t>&lt;&lt; </a:t>
+            </a:r>
+            <a:r>
+              <a:rPr lang="en-US" sz="2000" smtClean="0">
+                <a:latin typeface="Consolas" panose="020B0609020204030204" pitchFamily="49" charset="0"/>
+              </a:rPr>
+              <a:t>"(";</a:t>
+            </a:r>
+            <a:r>
+              <a:rPr lang="ru-RU" sz="2000" smtClean="0">
+                <a:latin typeface="Consolas" panose="020B0609020204030204" pitchFamily="49" charset="0"/>
+              </a:rPr>
+              <a:t/>
+            </a:r>
+            <a:br>
+              <a:rPr lang="ru-RU" sz="2000" smtClean="0">
+                <a:latin typeface="Consolas" panose="020B0609020204030204" pitchFamily="49" charset="0"/>
+              </a:rPr>
+            </a:br>
+            <a:r>
+              <a:rPr lang="en-US" sz="2000" smtClean="0">
+                <a:latin typeface="Consolas" panose="020B0609020204030204" pitchFamily="49" charset="0"/>
+              </a:rPr>
+              <a:t>  </a:t>
+            </a:r>
+            <a:r>
+              <a:rPr lang="en-US" sz="2000">
+                <a:latin typeface="Consolas" panose="020B0609020204030204" pitchFamily="49" charset="0"/>
+              </a:rPr>
+              <a:t>print_tuple_impl(os, forward&lt;Tuple&gt;(t), </a:t>
+            </a:r>
+            <a:r>
+              <a:rPr lang="en-US" sz="2000">
+                <a:solidFill>
+                  <a:srgbClr val="0000FF"/>
+                </a:solidFill>
+                <a:latin typeface="Consolas" panose="020B0609020204030204" pitchFamily="49" charset="0"/>
+              </a:rPr>
+              <a:t>make_index_sequence&lt;sz</a:t>
+            </a:r>
+            <a:r>
+              <a:rPr lang="en-US" sz="2000" smtClean="0">
+                <a:solidFill>
+                  <a:srgbClr val="0000FF"/>
+                </a:solidFill>
+                <a:latin typeface="Consolas" panose="020B0609020204030204" pitchFamily="49" charset="0"/>
+              </a:rPr>
+              <a:t>&gt;{}</a:t>
+            </a:r>
+            <a:r>
+              <a:rPr lang="en-US" sz="2000" smtClean="0">
+                <a:latin typeface="Consolas" panose="020B0609020204030204" pitchFamily="49" charset="0"/>
+              </a:rPr>
+              <a:t>);</a:t>
+            </a:r>
+            <a:r>
+              <a:rPr lang="ru-RU" sz="2000" smtClean="0">
+                <a:latin typeface="Consolas" panose="020B0609020204030204" pitchFamily="49" charset="0"/>
+              </a:rPr>
+              <a:t/>
+            </a:r>
+            <a:br>
+              <a:rPr lang="ru-RU" sz="2000" smtClean="0">
+                <a:latin typeface="Consolas" panose="020B0609020204030204" pitchFamily="49" charset="0"/>
+              </a:rPr>
+            </a:br>
+            <a:r>
+              <a:rPr lang="en-US" sz="2000" smtClean="0">
+                <a:latin typeface="Consolas" panose="020B0609020204030204" pitchFamily="49" charset="0"/>
+              </a:rPr>
+              <a:t>  </a:t>
+            </a:r>
+            <a:r>
+              <a:rPr lang="en-US" sz="2000">
+                <a:latin typeface="Consolas" panose="020B0609020204030204" pitchFamily="49" charset="0"/>
+              </a:rPr>
+              <a:t>return os </a:t>
+            </a:r>
+            <a:r>
+              <a:rPr lang="en-US" sz="2000">
+                <a:latin typeface="Consolas" panose="020B0609020204030204" pitchFamily="49" charset="0"/>
+              </a:rPr>
+              <a:t>&lt;&lt; </a:t>
+            </a:r>
+            <a:r>
+              <a:rPr lang="en-US" sz="2000" smtClean="0">
+                <a:latin typeface="Consolas" panose="020B0609020204030204" pitchFamily="49" charset="0"/>
+              </a:rPr>
+              <a:t>")";</a:t>
+            </a:r>
+            <a:r>
+              <a:rPr lang="ru-RU" sz="2000" smtClean="0">
+                <a:latin typeface="Consolas" panose="020B0609020204030204" pitchFamily="49" charset="0"/>
+              </a:rPr>
+              <a:t/>
+            </a:r>
+            <a:br>
+              <a:rPr lang="ru-RU" sz="2000" smtClean="0">
+                <a:latin typeface="Consolas" panose="020B0609020204030204" pitchFamily="49" charset="0"/>
+              </a:rPr>
+            </a:br>
+            <a:r>
+              <a:rPr lang="en-US" sz="2000" smtClean="0">
+                <a:latin typeface="Consolas" panose="020B0609020204030204" pitchFamily="49" charset="0"/>
+              </a:rPr>
+              <a:t>}</a:t>
+            </a:r>
+            <a:endParaRPr lang="ru-RU" sz="2000" smtClean="0">
+              <a:latin typeface="Consolas" panose="020B0609020204030204" pitchFamily="49" charset="0"/>
+            </a:endParaRPr>
+          </a:p>
+          <a:p>
+            <a:r>
+              <a:rPr lang="ru-RU" smtClean="0"/>
+              <a:t>Все ли видят тут ошибку?</a:t>
+            </a:r>
+            <a:endParaRPr lang="en-US"/>
+          </a:p>
+        </p:txBody>
+      </p:sp>
+    </p:spTree>
+    <p:extLst>
+      <p:ext uri="{BB962C8B-B14F-4D97-AF65-F5344CB8AC3E}">
+        <p14:creationId xmlns:p14="http://schemas.microsoft.com/office/powerpoint/2010/main" val="3125612441"/>
+      </p:ext>
+    </p:extLst>
+  </p:cSld>
+  <p:clrMapOvr>
+    <a:masterClrMapping/>
+  </p:clrMapOvr>
+</p:sld>
+</file>
+
+<file path=ppt/slides/slide77.xml><?xml version="1.0" encoding="utf-8"?>
+<p:sld xmlns:a="http://schemas.openxmlformats.org/drawingml/2006/main" xmlns:r="http://schemas.openxmlformats.org/officeDocument/2006/relationships" xmlns:p="http://schemas.openxmlformats.org/presentationml/2006/main">
+  <p:cSld>
+    <p:spTree>
+      <p:nvGrpSpPr>
+        <p:cNvPr id="1" name=""/>
+        <p:cNvGrpSpPr/>
+        <p:nvPr/>
+      </p:nvGrpSpPr>
+      <p:grpSpPr>
+        <a:xfrm>
+          <a:off x="0" y="0"/>
+          <a:ext cx="0" cy="0"/>
+          <a:chOff x="0" y="0"/>
+          <a:chExt cx="0" cy="0"/>
+        </a:xfrm>
+      </p:grpSpPr>
+      <p:sp>
+        <p:nvSpPr>
+          <p:cNvPr id="2" name="Title 1"/>
+          <p:cNvSpPr>
+            <a:spLocks noGrp="1"/>
+          </p:cNvSpPr>
+          <p:nvPr>
+            <p:ph type="title"/>
+          </p:nvPr>
+        </p:nvSpPr>
+        <p:spPr/>
+        <p:txBody>
+          <a:bodyPr/>
+          <a:lstStyle/>
+          <a:p>
+            <a:r>
+              <a:rPr lang="en-US" smtClean="0"/>
+              <a:t>Warmup: </a:t>
+            </a:r>
+            <a:r>
+              <a:rPr lang="ru-RU" smtClean="0"/>
+              <a:t>распечатать кортеж</a:t>
+            </a:r>
+            <a:endParaRPr lang="en-US"/>
+          </a:p>
+        </p:txBody>
+      </p:sp>
+      <p:sp>
+        <p:nvSpPr>
+          <p:cNvPr id="3" name="Content Placeholder 2"/>
+          <p:cNvSpPr>
+            <a:spLocks noGrp="1"/>
+          </p:cNvSpPr>
+          <p:nvPr>
+            <p:ph idx="1"/>
+          </p:nvPr>
+        </p:nvSpPr>
+        <p:spPr>
+          <a:xfrm>
+            <a:off x="1143000" y="2057400"/>
+            <a:ext cx="10250424" cy="4038600"/>
+          </a:xfrm>
+        </p:spPr>
+        <p:txBody>
+          <a:bodyPr/>
+          <a:lstStyle/>
+          <a:p>
+            <a:pPr marL="45720" indent="0">
+              <a:buNone/>
+            </a:pPr>
+            <a:r>
+              <a:rPr lang="en-US" sz="2000">
+                <a:latin typeface="Consolas" panose="020B0609020204030204" pitchFamily="49" charset="0"/>
+              </a:rPr>
+              <a:t>template&lt;typename Tuple, size_t... </a:t>
+            </a:r>
+            <a:r>
+              <a:rPr lang="en-US" sz="2000">
+                <a:latin typeface="Consolas" panose="020B0609020204030204" pitchFamily="49" charset="0"/>
+              </a:rPr>
+              <a:t>Is</a:t>
+            </a:r>
+            <a:r>
+              <a:rPr lang="en-US" sz="2000" smtClean="0">
+                <a:latin typeface="Consolas" panose="020B0609020204030204" pitchFamily="49" charset="0"/>
+              </a:rPr>
+              <a:t>&gt;</a:t>
+            </a:r>
+            <a:r>
+              <a:rPr lang="ru-RU" sz="2000" smtClean="0">
+                <a:latin typeface="Consolas" panose="020B0609020204030204" pitchFamily="49" charset="0"/>
+              </a:rPr>
+              <a:t/>
+            </a:r>
+            <a:br>
+              <a:rPr lang="ru-RU" sz="2000" smtClean="0">
+                <a:latin typeface="Consolas" panose="020B0609020204030204" pitchFamily="49" charset="0"/>
+              </a:rPr>
+            </a:br>
+            <a:r>
+              <a:rPr lang="en-US" sz="2000" smtClean="0">
+                <a:latin typeface="Consolas" panose="020B0609020204030204" pitchFamily="49" charset="0"/>
+              </a:rPr>
+              <a:t>void </a:t>
+            </a:r>
+            <a:r>
+              <a:rPr lang="en-US" sz="2000">
+                <a:latin typeface="Consolas" panose="020B0609020204030204" pitchFamily="49" charset="0"/>
+              </a:rPr>
+              <a:t>print_tuple_impl(ostream&amp; os, Tuple &amp;&amp;t, </a:t>
+            </a:r>
+            <a:r>
+              <a:rPr lang="en-US" sz="2000">
+                <a:latin typeface="Consolas" panose="020B0609020204030204" pitchFamily="49" charset="0"/>
+              </a:rPr>
+              <a:t>index_sequence&lt;Is</a:t>
+            </a:r>
+            <a:r>
+              <a:rPr lang="en-US" sz="2000" smtClean="0">
+                <a:latin typeface="Consolas" panose="020B0609020204030204" pitchFamily="49" charset="0"/>
+              </a:rPr>
+              <a:t>...&gt;)</a:t>
+            </a:r>
+            <a:r>
+              <a:rPr lang="ru-RU" sz="2000" smtClean="0">
+                <a:latin typeface="Consolas" panose="020B0609020204030204" pitchFamily="49" charset="0"/>
+              </a:rPr>
+              <a:t> </a:t>
+            </a:r>
+            <a:r>
+              <a:rPr lang="en-US" sz="2000" smtClean="0">
+                <a:latin typeface="Consolas" panose="020B0609020204030204" pitchFamily="49" charset="0"/>
+              </a:rPr>
+              <a:t>{</a:t>
+            </a:r>
+            <a:r>
+              <a:rPr lang="ru-RU" sz="2000" smtClean="0">
+                <a:latin typeface="Consolas" panose="020B0609020204030204" pitchFamily="49" charset="0"/>
+              </a:rPr>
+              <a:t/>
+            </a:r>
+            <a:br>
+              <a:rPr lang="ru-RU" sz="2000" smtClean="0">
+                <a:latin typeface="Consolas" panose="020B0609020204030204" pitchFamily="49" charset="0"/>
+              </a:rPr>
+            </a:br>
+            <a:r>
+              <a:rPr lang="en-US" sz="2000" smtClean="0">
+                <a:latin typeface="Consolas" panose="020B0609020204030204" pitchFamily="49" charset="0"/>
+              </a:rPr>
+              <a:t>  </a:t>
+            </a:r>
+            <a:r>
+              <a:rPr lang="en-US" sz="2000">
+                <a:latin typeface="Consolas" panose="020B0609020204030204" pitchFamily="49" charset="0"/>
+              </a:rPr>
+              <a:t>((os &lt;&lt; (Is == 0 ? "" : </a:t>
+            </a:r>
+            <a:r>
+              <a:rPr lang="en-US" sz="2000">
+                <a:latin typeface="Consolas" panose="020B0609020204030204" pitchFamily="49" charset="0"/>
+              </a:rPr>
+              <a:t>", </a:t>
+            </a:r>
+            <a:r>
+              <a:rPr lang="en-US" sz="2000" smtClean="0">
+                <a:latin typeface="Consolas" panose="020B0609020204030204" pitchFamily="49" charset="0"/>
+              </a:rPr>
+              <a:t>")</a:t>
+            </a:r>
+            <a:r>
+              <a:rPr lang="ru-RU" sz="2000" smtClean="0">
+                <a:latin typeface="Consolas" panose="020B0609020204030204" pitchFamily="49" charset="0"/>
+              </a:rPr>
+              <a:t> </a:t>
+            </a:r>
+            <a:r>
+              <a:rPr lang="en-US" sz="2000" smtClean="0">
+                <a:latin typeface="Consolas" panose="020B0609020204030204" pitchFamily="49" charset="0"/>
+              </a:rPr>
+              <a:t>&lt;&lt; </a:t>
+            </a:r>
+            <a:r>
+              <a:rPr lang="en-US" sz="2000">
+                <a:latin typeface="Consolas" panose="020B0609020204030204" pitchFamily="49" charset="0"/>
+              </a:rPr>
+              <a:t>get&lt;Is&gt;(forward&lt;Tuple&gt;(t</a:t>
+            </a:r>
+            <a:r>
+              <a:rPr lang="en-US" sz="2000">
+                <a:latin typeface="Consolas" panose="020B0609020204030204" pitchFamily="49" charset="0"/>
+              </a:rPr>
+              <a:t>))), </a:t>
+            </a:r>
+            <a:r>
+              <a:rPr lang="en-US" sz="2000" smtClean="0">
+                <a:latin typeface="Consolas" panose="020B0609020204030204" pitchFamily="49" charset="0"/>
+              </a:rPr>
+              <a:t>...);</a:t>
+            </a:r>
+            <a:r>
+              <a:rPr lang="ru-RU" sz="2000" smtClean="0">
+                <a:latin typeface="Consolas" panose="020B0609020204030204" pitchFamily="49" charset="0"/>
+              </a:rPr>
+              <a:t/>
+            </a:r>
+            <a:br>
+              <a:rPr lang="ru-RU" sz="2000" smtClean="0">
+                <a:latin typeface="Consolas" panose="020B0609020204030204" pitchFamily="49" charset="0"/>
+              </a:rPr>
+            </a:br>
+            <a:r>
+              <a:rPr lang="en-US" sz="2000" smtClean="0">
+                <a:latin typeface="Consolas" panose="020B0609020204030204" pitchFamily="49" charset="0"/>
+              </a:rPr>
+              <a:t>}</a:t>
+            </a:r>
+            <a:endParaRPr lang="ru-RU" sz="2000" smtClean="0">
+              <a:latin typeface="Consolas" panose="020B0609020204030204" pitchFamily="49" charset="0"/>
+            </a:endParaRPr>
+          </a:p>
+          <a:p>
+            <a:pPr marL="45720" indent="0">
+              <a:buNone/>
+            </a:pPr>
+            <a:r>
+              <a:rPr lang="en-US" sz="2000" smtClean="0">
+                <a:latin typeface="Consolas" panose="020B0609020204030204" pitchFamily="49" charset="0"/>
+              </a:rPr>
+              <a:t>template&lt;typename </a:t>
+            </a:r>
+            <a:r>
+              <a:rPr lang="en-US" sz="2000">
+                <a:latin typeface="Consolas" panose="020B0609020204030204" pitchFamily="49" charset="0"/>
+              </a:rPr>
+              <a:t>Tuple, </a:t>
+            </a:r>
+            <a:r>
+              <a:rPr lang="en-US" sz="2000">
+                <a:solidFill>
+                  <a:srgbClr val="0000FF"/>
+                </a:solidFill>
+                <a:latin typeface="Consolas" panose="020B0609020204030204" pitchFamily="49" charset="0"/>
+              </a:rPr>
+              <a:t>typename = void_t&lt;decltype(get&lt;0&gt;(</a:t>
+            </a:r>
+            <a:r>
+              <a:rPr lang="en-US" sz="2000">
+                <a:solidFill>
+                  <a:srgbClr val="0000FF"/>
+                </a:solidFill>
+                <a:latin typeface="Consolas" panose="020B0609020204030204" pitchFamily="49" charset="0"/>
+              </a:rPr>
+              <a:t>Tuple</a:t>
+            </a:r>
+            <a:r>
+              <a:rPr lang="en-US" sz="2000" smtClean="0">
+                <a:solidFill>
+                  <a:srgbClr val="0000FF"/>
+                </a:solidFill>
+                <a:latin typeface="Consolas" panose="020B0609020204030204" pitchFamily="49" charset="0"/>
+              </a:rPr>
+              <a:t>{}))&gt;</a:t>
+            </a:r>
+            <a:r>
+              <a:rPr lang="en-US" sz="2000" smtClean="0">
+                <a:latin typeface="Consolas" panose="020B0609020204030204" pitchFamily="49" charset="0"/>
+              </a:rPr>
+              <a:t>&gt;</a:t>
+            </a:r>
+            <a:r>
+              <a:rPr lang="ru-RU" sz="2000" smtClean="0">
+                <a:latin typeface="Consolas" panose="020B0609020204030204" pitchFamily="49" charset="0"/>
+              </a:rPr>
+              <a:t/>
+            </a:r>
+            <a:br>
+              <a:rPr lang="ru-RU" sz="2000" smtClean="0">
+                <a:latin typeface="Consolas" panose="020B0609020204030204" pitchFamily="49" charset="0"/>
+              </a:rPr>
+            </a:br>
+            <a:r>
+              <a:rPr lang="en-US" sz="2000" smtClean="0">
+                <a:latin typeface="Consolas" panose="020B0609020204030204" pitchFamily="49" charset="0"/>
+              </a:rPr>
+              <a:t>decltype(auto</a:t>
+            </a:r>
+            <a:r>
+              <a:rPr lang="en-US" sz="2000">
+                <a:latin typeface="Consolas" panose="020B0609020204030204" pitchFamily="49" charset="0"/>
+              </a:rPr>
+              <a:t>) operator&lt;&lt;(ostream&amp; os, Tuple &amp;&amp;</a:t>
+            </a:r>
+            <a:r>
+              <a:rPr lang="en-US" sz="2000">
+                <a:latin typeface="Consolas" panose="020B0609020204030204" pitchFamily="49" charset="0"/>
+              </a:rPr>
+              <a:t>t</a:t>
+            </a:r>
+            <a:r>
+              <a:rPr lang="en-US" sz="2000" smtClean="0">
+                <a:latin typeface="Consolas" panose="020B0609020204030204" pitchFamily="49" charset="0"/>
+              </a:rPr>
+              <a:t>){</a:t>
+            </a:r>
+            <a:r>
+              <a:rPr lang="ru-RU" sz="2000" smtClean="0">
+                <a:latin typeface="Consolas" panose="020B0609020204030204" pitchFamily="49" charset="0"/>
+              </a:rPr>
+              <a:t/>
+            </a:r>
+            <a:br>
+              <a:rPr lang="ru-RU" sz="2000" smtClean="0">
+                <a:latin typeface="Consolas" panose="020B0609020204030204" pitchFamily="49" charset="0"/>
+              </a:rPr>
+            </a:br>
+            <a:r>
+              <a:rPr lang="en-US" sz="2000" smtClean="0">
+                <a:latin typeface="Consolas" panose="020B0609020204030204" pitchFamily="49" charset="0"/>
+              </a:rPr>
+              <a:t>  </a:t>
+            </a:r>
+            <a:r>
+              <a:rPr lang="en-US" sz="2000">
+                <a:latin typeface="Consolas" panose="020B0609020204030204" pitchFamily="49" charset="0"/>
+              </a:rPr>
+              <a:t>constexpr size_t sz = tuple_size&lt;decay_t&lt;Tuple&gt;&gt;::</a:t>
+            </a:r>
+            <a:r>
+              <a:rPr lang="en-US" sz="2000">
+                <a:latin typeface="Consolas" panose="020B0609020204030204" pitchFamily="49" charset="0"/>
+              </a:rPr>
+              <a:t>value</a:t>
+            </a:r>
+            <a:r>
+              <a:rPr lang="en-US" sz="2000" smtClean="0">
+                <a:latin typeface="Consolas" panose="020B0609020204030204" pitchFamily="49" charset="0"/>
+              </a:rPr>
+              <a:t>;</a:t>
+            </a:r>
+            <a:r>
+              <a:rPr lang="ru-RU" sz="2000" smtClean="0">
+                <a:latin typeface="Consolas" panose="020B0609020204030204" pitchFamily="49" charset="0"/>
+              </a:rPr>
+              <a:t/>
+            </a:r>
+            <a:br>
+              <a:rPr lang="ru-RU" sz="2000" smtClean="0">
+                <a:latin typeface="Consolas" panose="020B0609020204030204" pitchFamily="49" charset="0"/>
+              </a:rPr>
+            </a:br>
+            <a:r>
+              <a:rPr lang="en-US" sz="2000" smtClean="0">
+                <a:latin typeface="Consolas" panose="020B0609020204030204" pitchFamily="49" charset="0"/>
+              </a:rPr>
+              <a:t>  </a:t>
+            </a:r>
+            <a:r>
+              <a:rPr lang="en-US" sz="2000">
+                <a:latin typeface="Consolas" panose="020B0609020204030204" pitchFamily="49" charset="0"/>
+              </a:rPr>
+              <a:t>os </a:t>
+            </a:r>
+            <a:r>
+              <a:rPr lang="en-US" sz="2000">
+                <a:latin typeface="Consolas" panose="020B0609020204030204" pitchFamily="49" charset="0"/>
+              </a:rPr>
+              <a:t>&lt;&lt; </a:t>
+            </a:r>
+            <a:r>
+              <a:rPr lang="en-US" sz="2000" smtClean="0">
+                <a:latin typeface="Consolas" panose="020B0609020204030204" pitchFamily="49" charset="0"/>
+              </a:rPr>
+              <a:t>"(";</a:t>
+            </a:r>
+            <a:r>
+              <a:rPr lang="ru-RU" sz="2000" smtClean="0">
+                <a:latin typeface="Consolas" panose="020B0609020204030204" pitchFamily="49" charset="0"/>
+              </a:rPr>
+              <a:t/>
+            </a:r>
+            <a:br>
+              <a:rPr lang="ru-RU" sz="2000" smtClean="0">
+                <a:latin typeface="Consolas" panose="020B0609020204030204" pitchFamily="49" charset="0"/>
+              </a:rPr>
+            </a:br>
+            <a:r>
+              <a:rPr lang="en-US" sz="2000" smtClean="0">
+                <a:latin typeface="Consolas" panose="020B0609020204030204" pitchFamily="49" charset="0"/>
+              </a:rPr>
+              <a:t>  </a:t>
+            </a:r>
+            <a:r>
+              <a:rPr lang="en-US" sz="2000">
+                <a:latin typeface="Consolas" panose="020B0609020204030204" pitchFamily="49" charset="0"/>
+              </a:rPr>
+              <a:t>print_tuple_impl(os, forward&lt;Tuple&gt;(t), </a:t>
+            </a:r>
+            <a:r>
+              <a:rPr lang="en-US" sz="2000">
+                <a:latin typeface="Consolas" panose="020B0609020204030204" pitchFamily="49" charset="0"/>
+              </a:rPr>
+              <a:t>make_index_sequence&lt;sz</a:t>
+            </a:r>
+            <a:r>
+              <a:rPr lang="en-US" sz="2000" smtClean="0">
+                <a:latin typeface="Consolas" panose="020B0609020204030204" pitchFamily="49" charset="0"/>
+              </a:rPr>
+              <a:t>&gt;{});</a:t>
+            </a:r>
+            <a:r>
+              <a:rPr lang="ru-RU" sz="2000" smtClean="0">
+                <a:latin typeface="Consolas" panose="020B0609020204030204" pitchFamily="49" charset="0"/>
+              </a:rPr>
+              <a:t/>
+            </a:r>
+            <a:br>
+              <a:rPr lang="ru-RU" sz="2000" smtClean="0">
+                <a:latin typeface="Consolas" panose="020B0609020204030204" pitchFamily="49" charset="0"/>
+              </a:rPr>
+            </a:br>
+            <a:r>
+              <a:rPr lang="en-US" sz="2000" smtClean="0">
+                <a:latin typeface="Consolas" panose="020B0609020204030204" pitchFamily="49" charset="0"/>
+              </a:rPr>
+              <a:t>  </a:t>
+            </a:r>
+            <a:r>
+              <a:rPr lang="en-US" sz="2000">
+                <a:latin typeface="Consolas" panose="020B0609020204030204" pitchFamily="49" charset="0"/>
+              </a:rPr>
+              <a:t>return os </a:t>
+            </a:r>
+            <a:r>
+              <a:rPr lang="en-US" sz="2000">
+                <a:latin typeface="Consolas" panose="020B0609020204030204" pitchFamily="49" charset="0"/>
+              </a:rPr>
+              <a:t>&lt;&lt; </a:t>
+            </a:r>
+            <a:r>
+              <a:rPr lang="en-US" sz="2000" smtClean="0">
+                <a:latin typeface="Consolas" panose="020B0609020204030204" pitchFamily="49" charset="0"/>
+              </a:rPr>
+              <a:t>")";</a:t>
+            </a:r>
+            <a:r>
+              <a:rPr lang="ru-RU" sz="2000" smtClean="0">
+                <a:latin typeface="Consolas" panose="020B0609020204030204" pitchFamily="49" charset="0"/>
+              </a:rPr>
+              <a:t/>
+            </a:r>
+            <a:br>
+              <a:rPr lang="ru-RU" sz="2000" smtClean="0">
+                <a:latin typeface="Consolas" panose="020B0609020204030204" pitchFamily="49" charset="0"/>
+              </a:rPr>
+            </a:br>
+            <a:r>
+              <a:rPr lang="en-US" sz="2000" smtClean="0">
+                <a:latin typeface="Consolas" panose="020B0609020204030204" pitchFamily="49" charset="0"/>
+              </a:rPr>
+              <a:t>}</a:t>
+            </a:r>
+            <a:endParaRPr lang="ru-RU" sz="2000" smtClean="0">
+              <a:latin typeface="Consolas" panose="020B0609020204030204" pitchFamily="49" charset="0"/>
+            </a:endParaRPr>
+          </a:p>
+          <a:p>
+            <a:r>
+              <a:rPr lang="ru-RU" smtClean="0"/>
+              <a:t>Разумеется без </a:t>
+            </a:r>
+            <a:r>
+              <a:rPr lang="en-US" smtClean="0"/>
+              <a:t>SFINAE </a:t>
+            </a:r>
+            <a:r>
+              <a:rPr lang="ru-RU" smtClean="0"/>
+              <a:t>этот оператор матчил в некотором роде слишком много</a:t>
+            </a:r>
+            <a:endParaRPr lang="en-US"/>
+          </a:p>
+        </p:txBody>
+      </p:sp>
+    </p:spTree>
+    <p:extLst>
+      <p:ext uri="{BB962C8B-B14F-4D97-AF65-F5344CB8AC3E}">
+        <p14:creationId xmlns:p14="http://schemas.microsoft.com/office/powerpoint/2010/main" val="4045734203"/>
+      </p:ext>
+    </p:extLst>
+  </p:cSld>
+  <p:clrMapOvr>
+    <a:masterClrMapping/>
+  </p:clrMapOvr>
+</p:sld>
+</file>
+
+<file path=ppt/slides/slide78.xml><?xml version="1.0" encoding="utf-8"?>
+<p:sld xmlns:a="http://schemas.openxmlformats.org/drawingml/2006/main" xmlns:r="http://schemas.openxmlformats.org/officeDocument/2006/relationships" xmlns:p="http://schemas.openxmlformats.org/presentationml/2006/main">
+  <p:cSld>
+    <p:spTree>
+      <p:nvGrpSpPr>
+        <p:cNvPr id="1" name=""/>
+        <p:cNvGrpSpPr/>
+        <p:nvPr/>
+      </p:nvGrpSpPr>
+      <p:grpSpPr>
+        <a:xfrm>
+          <a:off x="0" y="0"/>
+          <a:ext cx="0" cy="0"/>
+          <a:chOff x="0" y="0"/>
+          <a:chExt cx="0" cy="0"/>
+        </a:xfrm>
+      </p:grpSpPr>
+      <p:sp>
+        <p:nvSpPr>
+          <p:cNvPr id="2" name="Title 1"/>
+          <p:cNvSpPr>
+            <a:spLocks noGrp="1"/>
+          </p:cNvSpPr>
+          <p:nvPr>
+            <p:ph type="title"/>
+          </p:nvPr>
+        </p:nvSpPr>
+        <p:spPr/>
+        <p:txBody>
+          <a:bodyPr/>
+          <a:lstStyle/>
+          <a:p>
+            <a:r>
+              <a:rPr lang="ru-RU" smtClean="0"/>
+              <a:t>План действий</a:t>
+            </a:r>
+            <a:endParaRPr lang="en-US"/>
+          </a:p>
+        </p:txBody>
+      </p:sp>
+      <p:sp>
+        <p:nvSpPr>
+          <p:cNvPr id="3" name="Content Placeholder 2"/>
+          <p:cNvSpPr>
+            <a:spLocks noGrp="1"/>
+          </p:cNvSpPr>
+          <p:nvPr>
+            <p:ph idx="1"/>
+          </p:nvPr>
+        </p:nvSpPr>
+        <p:spPr/>
+        <p:txBody>
+          <a:bodyPr/>
+          <a:lstStyle/>
+          <a:p>
+            <a:pPr>
+              <a:buFont typeface="Wingdings" panose="05000000000000000000" pitchFamily="2" charset="2"/>
+              <a:buChar char="Ø"/>
+            </a:pPr>
+            <a:r>
+              <a:rPr lang="ru-RU" smtClean="0"/>
+              <a:t> Получить произвольную (непрерывную) часть кортежа из целого кортежа</a:t>
+            </a:r>
+          </a:p>
+          <a:p>
+            <a:pPr marL="45720" indent="0">
+              <a:buNone/>
+            </a:pPr>
+            <a:r>
+              <a:rPr lang="en-US" smtClean="0">
+                <a:latin typeface="Consolas" panose="020B0609020204030204" pitchFamily="49" charset="0"/>
+              </a:rPr>
+              <a:t>{ 1, 1.5, 2, 2.5, 3 } </a:t>
+            </a:r>
+            <a:r>
+              <a:rPr lang="ru-RU" smtClean="0">
+                <a:latin typeface="Consolas" panose="020B0609020204030204" pitchFamily="49" charset="0"/>
+                <a:sym typeface="Symbol" panose="05050102010706020507" pitchFamily="18" charset="2"/>
+              </a:rPr>
+              <a:t></a:t>
+            </a:r>
+            <a:r>
+              <a:rPr lang="en-US" smtClean="0">
+                <a:latin typeface="Consolas" panose="020B0609020204030204" pitchFamily="49" charset="0"/>
+                <a:sym typeface="Symbol" panose="05050102010706020507" pitchFamily="18" charset="2"/>
+              </a:rPr>
+              <a:t> { 1.5, 2 }</a:t>
+            </a:r>
+            <a:endParaRPr lang="en-US" smtClean="0">
+              <a:latin typeface="Consolas" panose="020B0609020204030204" pitchFamily="49" charset="0"/>
+            </a:endParaRPr>
+          </a:p>
+          <a:p>
+            <a:pPr>
+              <a:buFont typeface="Wingdings" panose="05000000000000000000" pitchFamily="2" charset="2"/>
+              <a:buChar char="q"/>
+            </a:pPr>
+            <a:r>
+              <a:rPr lang="ru-RU" smtClean="0"/>
+              <a:t> Вращение кортежа: сделать циклическую перестановку</a:t>
+            </a:r>
+            <a:endParaRPr lang="en-US" smtClean="0"/>
+          </a:p>
+          <a:p>
+            <a:pPr marL="45720" indent="0">
+              <a:buNone/>
+            </a:pPr>
+            <a:r>
+              <a:rPr lang="en-US">
+                <a:latin typeface="Consolas" panose="020B0609020204030204" pitchFamily="49" charset="0"/>
+              </a:rPr>
+              <a:t>{ 1, 1.5, 2, 2.5</a:t>
+            </a:r>
+            <a:r>
+              <a:rPr lang="en-US">
+                <a:latin typeface="Consolas" panose="020B0609020204030204" pitchFamily="49" charset="0"/>
+              </a:rPr>
+              <a:t>, </a:t>
+            </a:r>
+            <a:r>
+              <a:rPr lang="en-US" smtClean="0">
+                <a:latin typeface="Consolas" panose="020B0609020204030204" pitchFamily="49" charset="0"/>
+              </a:rPr>
+              <a:t>3 } </a:t>
+            </a:r>
+            <a:r>
+              <a:rPr lang="ru-RU">
+                <a:latin typeface="Consolas" panose="020B0609020204030204" pitchFamily="49" charset="0"/>
+                <a:sym typeface="Symbol" panose="05050102010706020507" pitchFamily="18" charset="2"/>
+              </a:rPr>
+              <a:t></a:t>
+            </a:r>
+            <a:r>
+              <a:rPr lang="en-US">
+                <a:latin typeface="Consolas" panose="020B0609020204030204" pitchFamily="49" charset="0"/>
+                <a:sym typeface="Symbol" panose="05050102010706020507" pitchFamily="18" charset="2"/>
+              </a:rPr>
+              <a:t> </a:t>
+            </a:r>
+            <a:r>
+              <a:rPr lang="en-US">
+                <a:latin typeface="Consolas" panose="020B0609020204030204" pitchFamily="49" charset="0"/>
+                <a:sym typeface="Symbol" panose="05050102010706020507" pitchFamily="18" charset="2"/>
+              </a:rPr>
+              <a:t>{ </a:t>
+            </a:r>
+            <a:r>
+              <a:rPr lang="en-US" smtClean="0">
+                <a:latin typeface="Consolas" panose="020B0609020204030204" pitchFamily="49" charset="0"/>
+                <a:sym typeface="Symbol" panose="05050102010706020507" pitchFamily="18" charset="2"/>
+              </a:rPr>
+              <a:t>2.5</a:t>
+            </a:r>
+            <a:r>
+              <a:rPr lang="en-US">
+                <a:latin typeface="Consolas" panose="020B0609020204030204" pitchFamily="49" charset="0"/>
+                <a:sym typeface="Symbol" panose="05050102010706020507" pitchFamily="18" charset="2"/>
+              </a:rPr>
+              <a:t>, </a:t>
+            </a:r>
+            <a:r>
+              <a:rPr lang="en-US" smtClean="0">
+                <a:latin typeface="Consolas" panose="020B0609020204030204" pitchFamily="49" charset="0"/>
+                <a:sym typeface="Symbol" panose="05050102010706020507" pitchFamily="18" charset="2"/>
+              </a:rPr>
+              <a:t>3, 1, 1.5, 2 }</a:t>
+            </a:r>
+            <a:endParaRPr lang="en-US" smtClean="0"/>
+          </a:p>
+          <a:p>
+            <a:pPr>
+              <a:buFont typeface="Wingdings" panose="05000000000000000000" pitchFamily="2" charset="2"/>
+              <a:buChar char="q"/>
+            </a:pPr>
+            <a:r>
+              <a:rPr lang="ru-RU" smtClean="0"/>
+              <a:t> Из циклической перестановки сделать обмен значениями в кортеже</a:t>
+            </a:r>
+            <a:endParaRPr lang="en-US" smtClean="0"/>
+          </a:p>
+          <a:p>
+            <a:pPr marL="45720" indent="0">
+              <a:buNone/>
+            </a:pPr>
+            <a:r>
+              <a:rPr lang="en-US">
+                <a:latin typeface="Consolas" panose="020B0609020204030204" pitchFamily="49" charset="0"/>
+              </a:rPr>
+              <a:t>{ 1, 1.5, 2, 2.5</a:t>
+            </a:r>
+            <a:r>
+              <a:rPr lang="en-US">
+                <a:latin typeface="Consolas" panose="020B0609020204030204" pitchFamily="49" charset="0"/>
+              </a:rPr>
+              <a:t>, </a:t>
+            </a:r>
+            <a:r>
+              <a:rPr lang="en-US" smtClean="0">
+                <a:latin typeface="Consolas" panose="020B0609020204030204" pitchFamily="49" charset="0"/>
+              </a:rPr>
+              <a:t>3 } </a:t>
+            </a:r>
+            <a:r>
+              <a:rPr lang="ru-RU">
+                <a:latin typeface="Consolas" panose="020B0609020204030204" pitchFamily="49" charset="0"/>
+                <a:sym typeface="Symbol" panose="05050102010706020507" pitchFamily="18" charset="2"/>
+              </a:rPr>
+              <a:t></a:t>
+            </a:r>
+            <a:r>
+              <a:rPr lang="en-US">
+                <a:latin typeface="Consolas" panose="020B0609020204030204" pitchFamily="49" charset="0"/>
+                <a:sym typeface="Symbol" panose="05050102010706020507" pitchFamily="18" charset="2"/>
+              </a:rPr>
+              <a:t> </a:t>
+            </a:r>
+            <a:r>
+              <a:rPr lang="en-US">
+                <a:latin typeface="Consolas" panose="020B0609020204030204" pitchFamily="49" charset="0"/>
+                <a:sym typeface="Symbol" panose="05050102010706020507" pitchFamily="18" charset="2"/>
+              </a:rPr>
+              <a:t>{ </a:t>
+            </a:r>
+            <a:r>
+              <a:rPr lang="en-US" smtClean="0">
+                <a:latin typeface="Consolas" panose="020B0609020204030204" pitchFamily="49" charset="0"/>
+                <a:sym typeface="Symbol" panose="05050102010706020507" pitchFamily="18" charset="2"/>
+              </a:rPr>
+              <a:t>1, 2, </a:t>
+            </a:r>
+            <a:r>
+              <a:rPr lang="en-US">
+                <a:latin typeface="Consolas" panose="020B0609020204030204" pitchFamily="49" charset="0"/>
+                <a:sym typeface="Symbol" panose="05050102010706020507" pitchFamily="18" charset="2"/>
+              </a:rPr>
+              <a:t>1.5</a:t>
+            </a:r>
+            <a:r>
+              <a:rPr lang="en-US" smtClean="0">
+                <a:latin typeface="Consolas" panose="020B0609020204030204" pitchFamily="49" charset="0"/>
+                <a:sym typeface="Symbol" panose="05050102010706020507" pitchFamily="18" charset="2"/>
+              </a:rPr>
+              <a:t>, 2.5, </a:t>
+            </a:r>
+            <a:r>
+              <a:rPr lang="en-US" smtClean="0">
+                <a:latin typeface="Consolas" panose="020B0609020204030204" pitchFamily="49" charset="0"/>
+                <a:sym typeface="Symbol" panose="05050102010706020507" pitchFamily="18" charset="2"/>
+              </a:rPr>
+              <a:t>3</a:t>
+            </a:r>
+            <a:r>
+              <a:rPr lang="en-US" smtClean="0">
+                <a:latin typeface="Consolas" panose="020B0609020204030204" pitchFamily="49" charset="0"/>
+                <a:sym typeface="Symbol" panose="05050102010706020507" pitchFamily="18" charset="2"/>
+              </a:rPr>
+              <a:t> }</a:t>
+            </a:r>
+            <a:endParaRPr lang="en-US" smtClean="0"/>
+          </a:p>
+          <a:p>
+            <a:pPr>
+              <a:buFont typeface="Wingdings" panose="05000000000000000000" pitchFamily="2" charset="2"/>
+              <a:buChar char="q"/>
+            </a:pPr>
+            <a:r>
+              <a:rPr lang="ru-RU" smtClean="0"/>
+              <a:t> Из обмена значениями сделать перестановку</a:t>
+            </a:r>
+            <a:endParaRPr lang="en-US" smtClean="0"/>
+          </a:p>
+          <a:p>
+            <a:pPr marL="45720" indent="0">
+              <a:buNone/>
+            </a:pPr>
+            <a:r>
+              <a:rPr lang="en-US">
+                <a:latin typeface="Consolas" panose="020B0609020204030204" pitchFamily="49" charset="0"/>
+              </a:rPr>
+              <a:t>{ 1, 1.5, 2, 2.5</a:t>
+            </a:r>
+            <a:r>
+              <a:rPr lang="en-US">
+                <a:latin typeface="Consolas" panose="020B0609020204030204" pitchFamily="49" charset="0"/>
+              </a:rPr>
+              <a:t>, </a:t>
+            </a:r>
+            <a:r>
+              <a:rPr lang="en-US" smtClean="0">
+                <a:latin typeface="Consolas" panose="020B0609020204030204" pitchFamily="49" charset="0"/>
+              </a:rPr>
+              <a:t>3 } </a:t>
+            </a:r>
+            <a:r>
+              <a:rPr lang="ru-RU" smtClean="0">
+                <a:latin typeface="Consolas" panose="020B0609020204030204" pitchFamily="49" charset="0"/>
+                <a:sym typeface="Symbol" panose="05050102010706020507" pitchFamily="18" charset="2"/>
+              </a:rPr>
+              <a:t></a:t>
+            </a:r>
+            <a:r>
+              <a:rPr lang="en-US" smtClean="0">
+                <a:latin typeface="Consolas" panose="020B0609020204030204" pitchFamily="49" charset="0"/>
+                <a:sym typeface="Symbol" panose="05050102010706020507" pitchFamily="18" charset="2"/>
+              </a:rPr>
+              <a:t> </a:t>
+            </a:r>
+            <a:r>
+              <a:rPr lang="en-US" smtClean="0">
+                <a:latin typeface="Consolas" panose="020B0609020204030204" pitchFamily="49" charset="0"/>
+              </a:rPr>
+              <a:t>{ </a:t>
+            </a:r>
+            <a:r>
+              <a:rPr lang="ru-RU">
+                <a:latin typeface="Consolas" panose="020B0609020204030204" pitchFamily="49" charset="0"/>
+              </a:rPr>
+              <a:t>3</a:t>
+            </a:r>
+            <a:r>
+              <a:rPr lang="en-US">
+                <a:latin typeface="Consolas" panose="020B0609020204030204" pitchFamily="49" charset="0"/>
+              </a:rPr>
+              <a:t>, 2.5, 1, 2</a:t>
+            </a:r>
+            <a:r>
+              <a:rPr lang="en-US">
+                <a:latin typeface="Consolas" panose="020B0609020204030204" pitchFamily="49" charset="0"/>
+              </a:rPr>
+              <a:t>, </a:t>
+            </a:r>
+            <a:r>
+              <a:rPr lang="en-US" smtClean="0">
+                <a:latin typeface="Consolas" panose="020B0609020204030204" pitchFamily="49" charset="0"/>
+              </a:rPr>
+              <a:t>1.5 </a:t>
+            </a:r>
+            <a:r>
+              <a:rPr lang="en-US">
+                <a:latin typeface="Consolas" panose="020B0609020204030204" pitchFamily="49" charset="0"/>
+              </a:rPr>
+              <a:t>}</a:t>
+            </a:r>
+            <a:endParaRPr lang="en-US"/>
+          </a:p>
+        </p:txBody>
+      </p:sp>
+    </p:spTree>
+    <p:extLst>
+      <p:ext uri="{BB962C8B-B14F-4D97-AF65-F5344CB8AC3E}">
+        <p14:creationId xmlns:p14="http://schemas.microsoft.com/office/powerpoint/2010/main" val="2076714717"/>
+      </p:ext>
+    </p:extLst>
+  </p:cSld>
+  <p:clrMapOvr>
+    <a:masterClrMapping/>
+  </p:clrMapOvr>
+</p:sld>
+</file>
+
+<file path=ppt/slides/slide79.xml><?xml version="1.0" encoding="utf-8"?>
+<p:sld xmlns:a="http://schemas.openxmlformats.org/drawingml/2006/main" xmlns:r="http://schemas.openxmlformats.org/officeDocument/2006/relationships" xmlns:p="http://schemas.openxmlformats.org/presentationml/2006/main">
+  <p:cSld>
+    <p:spTree>
+      <p:nvGrpSpPr>
+        <p:cNvPr id="1" name=""/>
+        <p:cNvGrpSpPr/>
+        <p:nvPr/>
+      </p:nvGrpSpPr>
+      <p:grpSpPr>
+        <a:xfrm>
+          <a:off x="0" y="0"/>
+          <a:ext cx="0" cy="0"/>
+          <a:chOff x="0" y="0"/>
+          <a:chExt cx="0" cy="0"/>
+        </a:xfrm>
+      </p:grpSpPr>
+      <p:sp>
+        <p:nvSpPr>
+          <p:cNvPr id="2" name="Title 1"/>
+          <p:cNvSpPr>
+            <a:spLocks noGrp="1"/>
+          </p:cNvSpPr>
+          <p:nvPr>
+            <p:ph type="title"/>
+          </p:nvPr>
+        </p:nvSpPr>
+        <p:spPr/>
+        <p:txBody>
+          <a:bodyPr/>
+          <a:lstStyle/>
+          <a:p>
+            <a:r>
+              <a:rPr lang="ru-RU" smtClean="0"/>
+              <a:t>Извлечение части кортежа</a:t>
+            </a:r>
+            <a:endParaRPr lang="en-US"/>
+          </a:p>
+        </p:txBody>
+      </p:sp>
+      <p:sp>
+        <p:nvSpPr>
+          <p:cNvPr id="3" name="Content Placeholder 2"/>
+          <p:cNvSpPr>
+            <a:spLocks noGrp="1"/>
+          </p:cNvSpPr>
+          <p:nvPr>
+            <p:ph idx="1"/>
+          </p:nvPr>
+        </p:nvSpPr>
+        <p:spPr>
+          <a:xfrm>
+            <a:off x="1143000" y="2057400"/>
+            <a:ext cx="10094976" cy="4038600"/>
+          </a:xfrm>
+        </p:spPr>
+        <p:txBody>
+          <a:bodyPr/>
+          <a:lstStyle/>
+          <a:p>
+            <a:pPr marL="45720" indent="0">
+              <a:buNone/>
+            </a:pPr>
+            <a:r>
+              <a:rPr lang="en-US" sz="2000">
+                <a:latin typeface="Consolas" panose="020B0609020204030204" pitchFamily="49" charset="0"/>
+              </a:rPr>
+              <a:t>template&lt;size_t start, typename Tuple, size_t... </a:t>
+            </a:r>
+            <a:r>
+              <a:rPr lang="en-US" sz="2000">
+                <a:latin typeface="Consolas" panose="020B0609020204030204" pitchFamily="49" charset="0"/>
+              </a:rPr>
+              <a:t>Is</a:t>
+            </a:r>
+            <a:r>
+              <a:rPr lang="en-US" sz="2000" smtClean="0">
+                <a:latin typeface="Consolas" panose="020B0609020204030204" pitchFamily="49" charset="0"/>
+              </a:rPr>
+              <a:t>&gt;</a:t>
+            </a:r>
+            <a:br>
+              <a:rPr lang="en-US" sz="2000" smtClean="0">
+                <a:latin typeface="Consolas" panose="020B0609020204030204" pitchFamily="49" charset="0"/>
+              </a:rPr>
+            </a:br>
+            <a:r>
+              <a:rPr lang="en-US" sz="2000" smtClean="0">
+                <a:latin typeface="Consolas" panose="020B0609020204030204" pitchFamily="49" charset="0"/>
+              </a:rPr>
+              <a:t>constexpr </a:t>
+            </a:r>
+            <a:r>
+              <a:rPr lang="en-US" sz="2000">
+                <a:latin typeface="Consolas" panose="020B0609020204030204" pitchFamily="49" charset="0"/>
+              </a:rPr>
+              <a:t>auto subtuple_impl(Tuple &amp;&amp;t, index_sequence&lt;Is</a:t>
+            </a:r>
+            <a:r>
+              <a:rPr lang="en-US" sz="2000">
+                <a:latin typeface="Consolas" panose="020B0609020204030204" pitchFamily="49" charset="0"/>
+              </a:rPr>
+              <a:t>...&gt;) </a:t>
+            </a:r>
+            <a:r>
+              <a:rPr lang="en-US" sz="2000" smtClean="0">
+                <a:latin typeface="Consolas" panose="020B0609020204030204" pitchFamily="49" charset="0"/>
+              </a:rPr>
+              <a:t>{</a:t>
+            </a:r>
+            <a:br>
+              <a:rPr lang="en-US" sz="2000" smtClean="0">
+                <a:latin typeface="Consolas" panose="020B0609020204030204" pitchFamily="49" charset="0"/>
+              </a:rPr>
+            </a:br>
+            <a:r>
+              <a:rPr lang="en-US" sz="2000" smtClean="0">
+                <a:latin typeface="Consolas" panose="020B0609020204030204" pitchFamily="49" charset="0"/>
+              </a:rPr>
+              <a:t>  </a:t>
+            </a:r>
+            <a:r>
+              <a:rPr lang="en-US" sz="2000">
+                <a:latin typeface="Consolas" panose="020B0609020204030204" pitchFamily="49" charset="0"/>
+              </a:rPr>
+              <a:t>return make_tuple(</a:t>
+            </a:r>
+            <a:r>
+              <a:rPr lang="en-US" sz="2000">
+                <a:solidFill>
+                  <a:srgbClr val="0000FF"/>
+                </a:solidFill>
+                <a:latin typeface="Consolas" panose="020B0609020204030204" pitchFamily="49" charset="0"/>
+              </a:rPr>
+              <a:t>get&lt;Is + start&gt;(forward&lt;Tuple&gt;(</a:t>
+            </a:r>
+            <a:r>
+              <a:rPr lang="en-US" sz="2000">
+                <a:solidFill>
+                  <a:srgbClr val="0000FF"/>
+                </a:solidFill>
+                <a:latin typeface="Consolas" panose="020B0609020204030204" pitchFamily="49" charset="0"/>
+              </a:rPr>
+              <a:t>t</a:t>
+            </a:r>
+            <a:r>
+              <a:rPr lang="en-US" sz="2000" smtClean="0">
+                <a:solidFill>
+                  <a:srgbClr val="0000FF"/>
+                </a:solidFill>
+                <a:latin typeface="Consolas" panose="020B0609020204030204" pitchFamily="49" charset="0"/>
+              </a:rPr>
+              <a:t>))</a:t>
+            </a:r>
+            <a:r>
+              <a:rPr lang="en-US" sz="2000" smtClean="0">
+                <a:latin typeface="Consolas" panose="020B0609020204030204" pitchFamily="49" charset="0"/>
+              </a:rPr>
+              <a:t>...);</a:t>
+            </a:r>
+            <a:br>
+              <a:rPr lang="en-US" sz="2000" smtClean="0">
+                <a:latin typeface="Consolas" panose="020B0609020204030204" pitchFamily="49" charset="0"/>
+              </a:rPr>
+            </a:br>
+            <a:r>
+              <a:rPr lang="en-US" sz="2000" smtClean="0">
+                <a:latin typeface="Consolas" panose="020B0609020204030204" pitchFamily="49" charset="0"/>
+              </a:rPr>
+              <a:t>}</a:t>
+            </a:r>
+          </a:p>
+          <a:p>
+            <a:pPr marL="45720" indent="0">
+              <a:buNone/>
+            </a:pPr>
+            <a:r>
+              <a:rPr lang="en-US" sz="2000" smtClean="0">
+                <a:latin typeface="Consolas" panose="020B0609020204030204" pitchFamily="49" charset="0"/>
+              </a:rPr>
+              <a:t>template&lt;size_t </a:t>
+            </a:r>
+            <a:r>
+              <a:rPr lang="en-US" sz="2000">
+                <a:latin typeface="Consolas" panose="020B0609020204030204" pitchFamily="49" charset="0"/>
+              </a:rPr>
+              <a:t>start, size_t finish, typename </a:t>
+            </a:r>
+            <a:r>
+              <a:rPr lang="en-US" sz="2000">
+                <a:latin typeface="Consolas" panose="020B0609020204030204" pitchFamily="49" charset="0"/>
+              </a:rPr>
+              <a:t>Tuple</a:t>
+            </a:r>
+            <a:r>
+              <a:rPr lang="en-US" sz="2000" smtClean="0">
+                <a:latin typeface="Consolas" panose="020B0609020204030204" pitchFamily="49" charset="0"/>
+              </a:rPr>
+              <a:t>&gt;</a:t>
+            </a:r>
+            <a:br>
+              <a:rPr lang="en-US" sz="2000" smtClean="0">
+                <a:latin typeface="Consolas" panose="020B0609020204030204" pitchFamily="49" charset="0"/>
+              </a:rPr>
+            </a:br>
+            <a:r>
+              <a:rPr lang="en-US" sz="2000" smtClean="0">
+                <a:latin typeface="Consolas" panose="020B0609020204030204" pitchFamily="49" charset="0"/>
+              </a:rPr>
+              <a:t>constexpr </a:t>
+            </a:r>
+            <a:r>
+              <a:rPr lang="en-US" sz="2000">
+                <a:latin typeface="Consolas" panose="020B0609020204030204" pitchFamily="49" charset="0"/>
+              </a:rPr>
+              <a:t>auto subtuple(Tuple&amp;&amp; t</a:t>
+            </a:r>
+            <a:r>
+              <a:rPr lang="en-US" sz="2000">
+                <a:latin typeface="Consolas" panose="020B0609020204030204" pitchFamily="49" charset="0"/>
+              </a:rPr>
+              <a:t>) </a:t>
+            </a:r>
+            <a:r>
+              <a:rPr lang="en-US" sz="2000" smtClean="0">
+                <a:latin typeface="Consolas" panose="020B0609020204030204" pitchFamily="49" charset="0"/>
+              </a:rPr>
+              <a:t>{</a:t>
+            </a:r>
+            <a:r>
+              <a:rPr lang="ru-RU" sz="2000">
+                <a:latin typeface="Consolas" panose="020B0609020204030204" pitchFamily="49" charset="0"/>
+              </a:rPr>
+              <a:t/>
+            </a:r>
+            <a:br>
+              <a:rPr lang="ru-RU" sz="2000">
+                <a:latin typeface="Consolas" panose="020B0609020204030204" pitchFamily="49" charset="0"/>
+              </a:rPr>
+            </a:br>
+            <a:r>
+              <a:rPr lang="ru-RU" sz="2000" smtClean="0">
+                <a:solidFill>
+                  <a:srgbClr val="0000FF"/>
+                </a:solidFill>
+                <a:latin typeface="Consolas" panose="020B0609020204030204" pitchFamily="49" charset="0"/>
+              </a:rPr>
+              <a:t>  </a:t>
+            </a:r>
+            <a:r>
+              <a:rPr lang="en-US" sz="2000" smtClean="0">
+                <a:solidFill>
+                  <a:srgbClr val="0000FF"/>
+                </a:solidFill>
+                <a:latin typeface="Consolas" panose="020B0609020204030204" pitchFamily="49" charset="0"/>
+              </a:rPr>
+              <a:t>static_assert (start &lt; finish);</a:t>
+            </a:r>
+            <a:br>
+              <a:rPr lang="en-US" sz="2000" smtClean="0">
+                <a:solidFill>
+                  <a:srgbClr val="0000FF"/>
+                </a:solidFill>
+                <a:latin typeface="Consolas" panose="020B0609020204030204" pitchFamily="49" charset="0"/>
+              </a:rPr>
+            </a:br>
+            <a:r>
+              <a:rPr lang="en-US" sz="2000" smtClean="0">
+                <a:latin typeface="Consolas" panose="020B0609020204030204" pitchFamily="49" charset="0"/>
+              </a:rPr>
+              <a:t>  </a:t>
+            </a:r>
+            <a:r>
+              <a:rPr lang="en-US" sz="2000">
+                <a:latin typeface="Consolas" panose="020B0609020204030204" pitchFamily="49" charset="0"/>
+              </a:rPr>
+              <a:t>constexpr size_t sz = finish - </a:t>
+            </a:r>
+            <a:r>
+              <a:rPr lang="en-US" sz="2000">
+                <a:latin typeface="Consolas" panose="020B0609020204030204" pitchFamily="49" charset="0"/>
+              </a:rPr>
+              <a:t>start</a:t>
+            </a:r>
+            <a:r>
+              <a:rPr lang="en-US" sz="2000" smtClean="0">
+                <a:latin typeface="Consolas" panose="020B0609020204030204" pitchFamily="49" charset="0"/>
+              </a:rPr>
+              <a:t>;</a:t>
+            </a:r>
+            <a:br>
+              <a:rPr lang="en-US" sz="2000" smtClean="0">
+                <a:latin typeface="Consolas" panose="020B0609020204030204" pitchFamily="49" charset="0"/>
+              </a:rPr>
+            </a:br>
+            <a:r>
+              <a:rPr lang="en-US" sz="2000" smtClean="0">
+                <a:latin typeface="Consolas" panose="020B0609020204030204" pitchFamily="49" charset="0"/>
+              </a:rPr>
+              <a:t>  </a:t>
+            </a:r>
+            <a:r>
+              <a:rPr lang="en-US" sz="2000">
+                <a:latin typeface="Consolas" panose="020B0609020204030204" pitchFamily="49" charset="0"/>
+              </a:rPr>
+              <a:t>return subtuple_impl&lt;start&gt;(forward&lt;Tuple&gt;(t</a:t>
+            </a:r>
+            <a:r>
+              <a:rPr lang="en-US" sz="2000">
+                <a:latin typeface="Consolas" panose="020B0609020204030204" pitchFamily="49" charset="0"/>
+              </a:rPr>
+              <a:t>), </a:t>
+            </a:r>
+            <a:r>
+              <a:rPr lang="en-US" sz="2000" smtClean="0">
+                <a:latin typeface="Consolas" panose="020B0609020204030204" pitchFamily="49" charset="0"/>
+              </a:rPr>
+              <a:t/>
+            </a:r>
+            <a:br>
+              <a:rPr lang="en-US" sz="2000" smtClean="0">
+                <a:latin typeface="Consolas" panose="020B0609020204030204" pitchFamily="49" charset="0"/>
+              </a:rPr>
+            </a:br>
+            <a:r>
+              <a:rPr lang="en-US" sz="2000" smtClean="0">
+                <a:latin typeface="Consolas" panose="020B0609020204030204" pitchFamily="49" charset="0"/>
+              </a:rPr>
+              <a:t>                              make_index_sequence&lt;sz&gt;{});</a:t>
+            </a:r>
+            <a:br>
+              <a:rPr lang="en-US" sz="2000" smtClean="0">
+                <a:latin typeface="Consolas" panose="020B0609020204030204" pitchFamily="49" charset="0"/>
+              </a:rPr>
+            </a:br>
+            <a:r>
+              <a:rPr lang="en-US" sz="2000" smtClean="0">
+                <a:latin typeface="Consolas" panose="020B0609020204030204" pitchFamily="49" charset="0"/>
+              </a:rPr>
+              <a:t>}</a:t>
+            </a:r>
+            <a:endParaRPr lang="en-US" sz="2000">
+              <a:latin typeface="Consolas" panose="020B0609020204030204" pitchFamily="49" charset="0"/>
+            </a:endParaRPr>
+          </a:p>
+          <a:p>
+            <a:r>
+              <a:rPr lang="ru-RU" smtClean="0"/>
+              <a:t>Особое внимание снова следует обратить на использование </a:t>
+            </a:r>
+            <a:r>
+              <a:rPr lang="en-US" smtClean="0"/>
+              <a:t>index_sequence</a:t>
+            </a:r>
+            <a:endParaRPr lang="en-US"/>
+          </a:p>
+        </p:txBody>
+      </p:sp>
+    </p:spTree>
+    <p:extLst>
+      <p:ext uri="{BB962C8B-B14F-4D97-AF65-F5344CB8AC3E}">
+        <p14:creationId xmlns:p14="http://schemas.microsoft.com/office/powerpoint/2010/main" val="2881102710"/>
+      </p:ext>
+    </p:extLst>
+  </p:cSld>
+  <p:clrMapOvr>
+    <a:masterClrMapping/>
+  </p:clrMapOvr>
+</p:sld>
+</file>
+
 <file path=ppt/slides/slide8.xml><?xml version="1.0" encoding="utf-8"?>
 <p:sld xmlns:a="http://schemas.openxmlformats.org/drawingml/2006/main" xmlns:r="http://schemas.openxmlformats.org/officeDocument/2006/relationships" xmlns:p="http://schemas.openxmlformats.org/presentationml/2006/main">
   <p:cSld>
@@ -18299,6 +20398,3325 @@
     <p:extLst>
       <p:ext uri="{BB962C8B-B14F-4D97-AF65-F5344CB8AC3E}">
         <p14:creationId xmlns:p14="http://schemas.microsoft.com/office/powerpoint/2010/main" val="1391978726"/>
+      </p:ext>
+    </p:extLst>
+  </p:cSld>
+  <p:clrMapOvr>
+    <a:masterClrMapping/>
+  </p:clrMapOvr>
+</p:sld>
+</file>
+
+<file path=ppt/slides/slide80.xml><?xml version="1.0" encoding="utf-8"?>
+<p:sld xmlns:a="http://schemas.openxmlformats.org/drawingml/2006/main" xmlns:r="http://schemas.openxmlformats.org/officeDocument/2006/relationships" xmlns:p="http://schemas.openxmlformats.org/presentationml/2006/main">
+  <p:cSld>
+    <p:spTree>
+      <p:nvGrpSpPr>
+        <p:cNvPr id="1" name=""/>
+        <p:cNvGrpSpPr/>
+        <p:nvPr/>
+      </p:nvGrpSpPr>
+      <p:grpSpPr>
+        <a:xfrm>
+          <a:off x="0" y="0"/>
+          <a:ext cx="0" cy="0"/>
+          <a:chOff x="0" y="0"/>
+          <a:chExt cx="0" cy="0"/>
+        </a:xfrm>
+      </p:grpSpPr>
+      <p:sp>
+        <p:nvSpPr>
+          <p:cNvPr id="2" name="Title 1"/>
+          <p:cNvSpPr>
+            <a:spLocks noGrp="1"/>
+          </p:cNvSpPr>
+          <p:nvPr>
+            <p:ph type="title"/>
+          </p:nvPr>
+        </p:nvSpPr>
+        <p:spPr/>
+        <p:txBody>
+          <a:bodyPr/>
+          <a:lstStyle/>
+          <a:p>
+            <a:r>
+              <a:rPr lang="ru-RU" smtClean="0"/>
+              <a:t>План действий</a:t>
+            </a:r>
+            <a:endParaRPr lang="en-US"/>
+          </a:p>
+        </p:txBody>
+      </p:sp>
+      <p:sp>
+        <p:nvSpPr>
+          <p:cNvPr id="3" name="Content Placeholder 2"/>
+          <p:cNvSpPr>
+            <a:spLocks noGrp="1"/>
+          </p:cNvSpPr>
+          <p:nvPr>
+            <p:ph idx="1"/>
+          </p:nvPr>
+        </p:nvSpPr>
+        <p:spPr/>
+        <p:txBody>
+          <a:bodyPr/>
+          <a:lstStyle/>
+          <a:p>
+            <a:pPr>
+              <a:buFont typeface="Wingdings" panose="05000000000000000000" pitchFamily="2" charset="2"/>
+              <a:buChar char="q"/>
+            </a:pPr>
+            <a:r>
+              <a:rPr lang="ru-RU" smtClean="0"/>
+              <a:t> Получить произвольную (непрерывную) часть кортежа из целого кортежа</a:t>
+            </a:r>
+          </a:p>
+          <a:p>
+            <a:pPr marL="45720" indent="0">
+              <a:buNone/>
+            </a:pPr>
+            <a:r>
+              <a:rPr lang="en-US" smtClean="0">
+                <a:latin typeface="Consolas" panose="020B0609020204030204" pitchFamily="49" charset="0"/>
+              </a:rPr>
+              <a:t>{ 1, 1.5, 2, 2.5, 3 } </a:t>
+            </a:r>
+            <a:r>
+              <a:rPr lang="ru-RU" smtClean="0">
+                <a:latin typeface="Consolas" panose="020B0609020204030204" pitchFamily="49" charset="0"/>
+                <a:sym typeface="Symbol" panose="05050102010706020507" pitchFamily="18" charset="2"/>
+              </a:rPr>
+              <a:t></a:t>
+            </a:r>
+            <a:r>
+              <a:rPr lang="en-US" smtClean="0">
+                <a:latin typeface="Consolas" panose="020B0609020204030204" pitchFamily="49" charset="0"/>
+                <a:sym typeface="Symbol" panose="05050102010706020507" pitchFamily="18" charset="2"/>
+              </a:rPr>
+              <a:t> { 1.5, 2 }</a:t>
+            </a:r>
+            <a:endParaRPr lang="en-US" smtClean="0">
+              <a:latin typeface="Consolas" panose="020B0609020204030204" pitchFamily="49" charset="0"/>
+            </a:endParaRPr>
+          </a:p>
+          <a:p>
+            <a:pPr>
+              <a:buFont typeface="Wingdings" panose="05000000000000000000" pitchFamily="2" charset="2"/>
+              <a:buChar char="Ø"/>
+            </a:pPr>
+            <a:r>
+              <a:rPr lang="ru-RU" smtClean="0"/>
+              <a:t> Вращение кортежа: сделать циклическую перестановку</a:t>
+            </a:r>
+            <a:endParaRPr lang="en-US" smtClean="0"/>
+          </a:p>
+          <a:p>
+            <a:pPr marL="45720" indent="0">
+              <a:buNone/>
+            </a:pPr>
+            <a:r>
+              <a:rPr lang="en-US">
+                <a:latin typeface="Consolas" panose="020B0609020204030204" pitchFamily="49" charset="0"/>
+              </a:rPr>
+              <a:t>{ 1, 1.5, 2, 2.5</a:t>
+            </a:r>
+            <a:r>
+              <a:rPr lang="en-US">
+                <a:latin typeface="Consolas" panose="020B0609020204030204" pitchFamily="49" charset="0"/>
+              </a:rPr>
+              <a:t>, </a:t>
+            </a:r>
+            <a:r>
+              <a:rPr lang="en-US" smtClean="0">
+                <a:latin typeface="Consolas" panose="020B0609020204030204" pitchFamily="49" charset="0"/>
+              </a:rPr>
+              <a:t>3 } </a:t>
+            </a:r>
+            <a:r>
+              <a:rPr lang="ru-RU">
+                <a:latin typeface="Consolas" panose="020B0609020204030204" pitchFamily="49" charset="0"/>
+                <a:sym typeface="Symbol" panose="05050102010706020507" pitchFamily="18" charset="2"/>
+              </a:rPr>
+              <a:t></a:t>
+            </a:r>
+            <a:r>
+              <a:rPr lang="en-US">
+                <a:latin typeface="Consolas" panose="020B0609020204030204" pitchFamily="49" charset="0"/>
+                <a:sym typeface="Symbol" panose="05050102010706020507" pitchFamily="18" charset="2"/>
+              </a:rPr>
+              <a:t> </a:t>
+            </a:r>
+            <a:r>
+              <a:rPr lang="en-US">
+                <a:latin typeface="Consolas" panose="020B0609020204030204" pitchFamily="49" charset="0"/>
+                <a:sym typeface="Symbol" panose="05050102010706020507" pitchFamily="18" charset="2"/>
+              </a:rPr>
+              <a:t>{ </a:t>
+            </a:r>
+            <a:r>
+              <a:rPr lang="en-US" smtClean="0">
+                <a:latin typeface="Consolas" panose="020B0609020204030204" pitchFamily="49" charset="0"/>
+                <a:sym typeface="Symbol" panose="05050102010706020507" pitchFamily="18" charset="2"/>
+              </a:rPr>
+              <a:t>2.5</a:t>
+            </a:r>
+            <a:r>
+              <a:rPr lang="en-US">
+                <a:latin typeface="Consolas" panose="020B0609020204030204" pitchFamily="49" charset="0"/>
+                <a:sym typeface="Symbol" panose="05050102010706020507" pitchFamily="18" charset="2"/>
+              </a:rPr>
+              <a:t>, </a:t>
+            </a:r>
+            <a:r>
+              <a:rPr lang="en-US" smtClean="0">
+                <a:latin typeface="Consolas" panose="020B0609020204030204" pitchFamily="49" charset="0"/>
+                <a:sym typeface="Symbol" panose="05050102010706020507" pitchFamily="18" charset="2"/>
+              </a:rPr>
+              <a:t>3, 1, 1.5, 2 }</a:t>
+            </a:r>
+            <a:endParaRPr lang="en-US" smtClean="0"/>
+          </a:p>
+          <a:p>
+            <a:pPr>
+              <a:buFont typeface="Wingdings" panose="05000000000000000000" pitchFamily="2" charset="2"/>
+              <a:buChar char="q"/>
+            </a:pPr>
+            <a:r>
+              <a:rPr lang="ru-RU" smtClean="0"/>
+              <a:t> Из циклической перестановки сделать обмен значениями в кортеже</a:t>
+            </a:r>
+            <a:endParaRPr lang="en-US" smtClean="0"/>
+          </a:p>
+          <a:p>
+            <a:pPr marL="45720" indent="0">
+              <a:buNone/>
+            </a:pPr>
+            <a:r>
+              <a:rPr lang="en-US">
+                <a:latin typeface="Consolas" panose="020B0609020204030204" pitchFamily="49" charset="0"/>
+              </a:rPr>
+              <a:t>{ 1, 1.5, 2, 2.5</a:t>
+            </a:r>
+            <a:r>
+              <a:rPr lang="en-US">
+                <a:latin typeface="Consolas" panose="020B0609020204030204" pitchFamily="49" charset="0"/>
+              </a:rPr>
+              <a:t>, </a:t>
+            </a:r>
+            <a:r>
+              <a:rPr lang="en-US" smtClean="0">
+                <a:latin typeface="Consolas" panose="020B0609020204030204" pitchFamily="49" charset="0"/>
+              </a:rPr>
+              <a:t>3 } </a:t>
+            </a:r>
+            <a:r>
+              <a:rPr lang="ru-RU">
+                <a:latin typeface="Consolas" panose="020B0609020204030204" pitchFamily="49" charset="0"/>
+                <a:sym typeface="Symbol" panose="05050102010706020507" pitchFamily="18" charset="2"/>
+              </a:rPr>
+              <a:t></a:t>
+            </a:r>
+            <a:r>
+              <a:rPr lang="en-US">
+                <a:latin typeface="Consolas" panose="020B0609020204030204" pitchFamily="49" charset="0"/>
+                <a:sym typeface="Symbol" panose="05050102010706020507" pitchFamily="18" charset="2"/>
+              </a:rPr>
+              <a:t> </a:t>
+            </a:r>
+            <a:r>
+              <a:rPr lang="en-US">
+                <a:latin typeface="Consolas" panose="020B0609020204030204" pitchFamily="49" charset="0"/>
+                <a:sym typeface="Symbol" panose="05050102010706020507" pitchFamily="18" charset="2"/>
+              </a:rPr>
+              <a:t>{ </a:t>
+            </a:r>
+            <a:r>
+              <a:rPr lang="en-US" smtClean="0">
+                <a:latin typeface="Consolas" panose="020B0609020204030204" pitchFamily="49" charset="0"/>
+                <a:sym typeface="Symbol" panose="05050102010706020507" pitchFamily="18" charset="2"/>
+              </a:rPr>
+              <a:t>1, 2, </a:t>
+            </a:r>
+            <a:r>
+              <a:rPr lang="en-US">
+                <a:latin typeface="Consolas" panose="020B0609020204030204" pitchFamily="49" charset="0"/>
+                <a:sym typeface="Symbol" panose="05050102010706020507" pitchFamily="18" charset="2"/>
+              </a:rPr>
+              <a:t>1.5</a:t>
+            </a:r>
+            <a:r>
+              <a:rPr lang="en-US" smtClean="0">
+                <a:latin typeface="Consolas" panose="020B0609020204030204" pitchFamily="49" charset="0"/>
+                <a:sym typeface="Symbol" panose="05050102010706020507" pitchFamily="18" charset="2"/>
+              </a:rPr>
+              <a:t>, 2.5, </a:t>
+            </a:r>
+            <a:r>
+              <a:rPr lang="en-US" smtClean="0">
+                <a:latin typeface="Consolas" panose="020B0609020204030204" pitchFamily="49" charset="0"/>
+                <a:sym typeface="Symbol" panose="05050102010706020507" pitchFamily="18" charset="2"/>
+              </a:rPr>
+              <a:t>3</a:t>
+            </a:r>
+            <a:r>
+              <a:rPr lang="en-US" smtClean="0">
+                <a:latin typeface="Consolas" panose="020B0609020204030204" pitchFamily="49" charset="0"/>
+                <a:sym typeface="Symbol" panose="05050102010706020507" pitchFamily="18" charset="2"/>
+              </a:rPr>
+              <a:t> }</a:t>
+            </a:r>
+            <a:endParaRPr lang="en-US" smtClean="0"/>
+          </a:p>
+          <a:p>
+            <a:pPr>
+              <a:buFont typeface="Wingdings" panose="05000000000000000000" pitchFamily="2" charset="2"/>
+              <a:buChar char="q"/>
+            </a:pPr>
+            <a:r>
+              <a:rPr lang="ru-RU" smtClean="0"/>
+              <a:t> Из обмена значениями сделать перестановку</a:t>
+            </a:r>
+            <a:endParaRPr lang="en-US" smtClean="0"/>
+          </a:p>
+          <a:p>
+            <a:pPr marL="45720" indent="0">
+              <a:buNone/>
+            </a:pPr>
+            <a:r>
+              <a:rPr lang="en-US">
+                <a:latin typeface="Consolas" panose="020B0609020204030204" pitchFamily="49" charset="0"/>
+              </a:rPr>
+              <a:t>{ 1, 1.5, 2, 2.5</a:t>
+            </a:r>
+            <a:r>
+              <a:rPr lang="en-US">
+                <a:latin typeface="Consolas" panose="020B0609020204030204" pitchFamily="49" charset="0"/>
+              </a:rPr>
+              <a:t>, </a:t>
+            </a:r>
+            <a:r>
+              <a:rPr lang="en-US" smtClean="0">
+                <a:latin typeface="Consolas" panose="020B0609020204030204" pitchFamily="49" charset="0"/>
+              </a:rPr>
+              <a:t>3 } </a:t>
+            </a:r>
+            <a:r>
+              <a:rPr lang="ru-RU" smtClean="0">
+                <a:latin typeface="Consolas" panose="020B0609020204030204" pitchFamily="49" charset="0"/>
+                <a:sym typeface="Symbol" panose="05050102010706020507" pitchFamily="18" charset="2"/>
+              </a:rPr>
+              <a:t></a:t>
+            </a:r>
+            <a:r>
+              <a:rPr lang="en-US" smtClean="0">
+                <a:latin typeface="Consolas" panose="020B0609020204030204" pitchFamily="49" charset="0"/>
+                <a:sym typeface="Symbol" panose="05050102010706020507" pitchFamily="18" charset="2"/>
+              </a:rPr>
+              <a:t> </a:t>
+            </a:r>
+            <a:r>
+              <a:rPr lang="en-US" smtClean="0">
+                <a:latin typeface="Consolas" panose="020B0609020204030204" pitchFamily="49" charset="0"/>
+              </a:rPr>
+              <a:t>{ </a:t>
+            </a:r>
+            <a:r>
+              <a:rPr lang="ru-RU">
+                <a:latin typeface="Consolas" panose="020B0609020204030204" pitchFamily="49" charset="0"/>
+              </a:rPr>
+              <a:t>3</a:t>
+            </a:r>
+            <a:r>
+              <a:rPr lang="en-US">
+                <a:latin typeface="Consolas" panose="020B0609020204030204" pitchFamily="49" charset="0"/>
+              </a:rPr>
+              <a:t>, 2.5, 1, 2</a:t>
+            </a:r>
+            <a:r>
+              <a:rPr lang="en-US">
+                <a:latin typeface="Consolas" panose="020B0609020204030204" pitchFamily="49" charset="0"/>
+              </a:rPr>
+              <a:t>, </a:t>
+            </a:r>
+            <a:r>
+              <a:rPr lang="en-US" smtClean="0">
+                <a:latin typeface="Consolas" panose="020B0609020204030204" pitchFamily="49" charset="0"/>
+              </a:rPr>
+              <a:t>1.5 </a:t>
+            </a:r>
+            <a:r>
+              <a:rPr lang="en-US">
+                <a:latin typeface="Consolas" panose="020B0609020204030204" pitchFamily="49" charset="0"/>
+              </a:rPr>
+              <a:t>}</a:t>
+            </a:r>
+            <a:endParaRPr lang="en-US"/>
+          </a:p>
+        </p:txBody>
+      </p:sp>
+    </p:spTree>
+    <p:extLst>
+      <p:ext uri="{BB962C8B-B14F-4D97-AF65-F5344CB8AC3E}">
+        <p14:creationId xmlns:p14="http://schemas.microsoft.com/office/powerpoint/2010/main" val="777967069"/>
+      </p:ext>
+    </p:extLst>
+  </p:cSld>
+  <p:clrMapOvr>
+    <a:masterClrMapping/>
+  </p:clrMapOvr>
+</p:sld>
+</file>
+
+<file path=ppt/slides/slide81.xml><?xml version="1.0" encoding="utf-8"?>
+<p:sld xmlns:a="http://schemas.openxmlformats.org/drawingml/2006/main" xmlns:r="http://schemas.openxmlformats.org/officeDocument/2006/relationships" xmlns:p="http://schemas.openxmlformats.org/presentationml/2006/main">
+  <p:cSld>
+    <p:spTree>
+      <p:nvGrpSpPr>
+        <p:cNvPr id="1" name=""/>
+        <p:cNvGrpSpPr/>
+        <p:nvPr/>
+      </p:nvGrpSpPr>
+      <p:grpSpPr>
+        <a:xfrm>
+          <a:off x="0" y="0"/>
+          <a:ext cx="0" cy="0"/>
+          <a:chOff x="0" y="0"/>
+          <a:chExt cx="0" cy="0"/>
+        </a:xfrm>
+      </p:grpSpPr>
+      <p:sp>
+        <p:nvSpPr>
+          <p:cNvPr id="2" name="Title 1"/>
+          <p:cNvSpPr>
+            <a:spLocks noGrp="1"/>
+          </p:cNvSpPr>
+          <p:nvPr>
+            <p:ph type="title"/>
+          </p:nvPr>
+        </p:nvSpPr>
+        <p:spPr/>
+        <p:txBody>
+          <a:bodyPr/>
+          <a:lstStyle/>
+          <a:p>
+            <a:r>
+              <a:rPr lang="ru-RU" smtClean="0"/>
+              <a:t>Вращение кортежа</a:t>
+            </a:r>
+            <a:endParaRPr lang="en-US"/>
+          </a:p>
+        </p:txBody>
+      </p:sp>
+      <p:sp>
+        <p:nvSpPr>
+          <p:cNvPr id="3" name="Content Placeholder 2"/>
+          <p:cNvSpPr>
+            <a:spLocks noGrp="1"/>
+          </p:cNvSpPr>
+          <p:nvPr>
+            <p:ph idx="1"/>
+          </p:nvPr>
+        </p:nvSpPr>
+        <p:spPr/>
+        <p:txBody>
+          <a:bodyPr/>
+          <a:lstStyle/>
+          <a:p>
+            <a:pPr marL="45720" indent="0">
+              <a:buNone/>
+            </a:pPr>
+            <a:r>
+              <a:rPr lang="en-US">
+                <a:latin typeface="Consolas" panose="020B0609020204030204" pitchFamily="49" charset="0"/>
+              </a:rPr>
+              <a:t>template&lt;size_t rotval, typename </a:t>
+            </a:r>
+            <a:r>
+              <a:rPr lang="en-US">
+                <a:latin typeface="Consolas" panose="020B0609020204030204" pitchFamily="49" charset="0"/>
+              </a:rPr>
+              <a:t>Tuple</a:t>
+            </a:r>
+            <a:r>
+              <a:rPr lang="en-US" smtClean="0">
+                <a:latin typeface="Consolas" panose="020B0609020204030204" pitchFamily="49" charset="0"/>
+              </a:rPr>
+              <a:t>&gt;</a:t>
+            </a:r>
+            <a:r>
+              <a:rPr lang="ru-RU" smtClean="0">
+                <a:latin typeface="Consolas" panose="020B0609020204030204" pitchFamily="49" charset="0"/>
+              </a:rPr>
+              <a:t/>
+            </a:r>
+            <a:br>
+              <a:rPr lang="ru-RU" smtClean="0">
+                <a:latin typeface="Consolas" panose="020B0609020204030204" pitchFamily="49" charset="0"/>
+              </a:rPr>
+            </a:br>
+            <a:r>
+              <a:rPr lang="en-US" smtClean="0">
+                <a:latin typeface="Consolas" panose="020B0609020204030204" pitchFamily="49" charset="0"/>
+              </a:rPr>
+              <a:t>constexpr </a:t>
+            </a:r>
+            <a:r>
+              <a:rPr lang="en-US">
+                <a:latin typeface="Consolas" panose="020B0609020204030204" pitchFamily="49" charset="0"/>
+              </a:rPr>
+              <a:t>auto rotate_r (Tuple &amp;&amp;t</a:t>
+            </a:r>
+            <a:r>
+              <a:rPr lang="en-US">
+                <a:latin typeface="Consolas" panose="020B0609020204030204" pitchFamily="49" charset="0"/>
+              </a:rPr>
+              <a:t>) </a:t>
+            </a:r>
+            <a:r>
+              <a:rPr lang="en-US" smtClean="0">
+                <a:latin typeface="Consolas" panose="020B0609020204030204" pitchFamily="49" charset="0"/>
+              </a:rPr>
+              <a:t>{</a:t>
+            </a:r>
+            <a:r>
+              <a:rPr lang="ru-RU" smtClean="0">
+                <a:latin typeface="Consolas" panose="020B0609020204030204" pitchFamily="49" charset="0"/>
+              </a:rPr>
+              <a:t/>
+            </a:r>
+            <a:br>
+              <a:rPr lang="ru-RU" smtClean="0">
+                <a:latin typeface="Consolas" panose="020B0609020204030204" pitchFamily="49" charset="0"/>
+              </a:rPr>
+            </a:br>
+            <a:r>
+              <a:rPr lang="en-US" smtClean="0">
+                <a:latin typeface="Consolas" panose="020B0609020204030204" pitchFamily="49" charset="0"/>
+              </a:rPr>
+              <a:t>  </a:t>
+            </a:r>
+            <a:r>
+              <a:rPr lang="en-US">
+                <a:latin typeface="Consolas" panose="020B0609020204030204" pitchFamily="49" charset="0"/>
+              </a:rPr>
+              <a:t>constexpr size_t sz = tuple_size&lt;decay_t&lt;Tuple&gt;&gt;::</a:t>
+            </a:r>
+            <a:r>
+              <a:rPr lang="en-US">
+                <a:latin typeface="Consolas" panose="020B0609020204030204" pitchFamily="49" charset="0"/>
+              </a:rPr>
+              <a:t>value</a:t>
+            </a:r>
+            <a:r>
+              <a:rPr lang="en-US" smtClean="0">
+                <a:latin typeface="Consolas" panose="020B0609020204030204" pitchFamily="49" charset="0"/>
+              </a:rPr>
+              <a:t>;</a:t>
+            </a:r>
+            <a:r>
+              <a:rPr lang="ru-RU" smtClean="0">
+                <a:latin typeface="Consolas" panose="020B0609020204030204" pitchFamily="49" charset="0"/>
+              </a:rPr>
+              <a:t/>
+            </a:r>
+            <a:br>
+              <a:rPr lang="ru-RU" smtClean="0">
+                <a:latin typeface="Consolas" panose="020B0609020204030204" pitchFamily="49" charset="0"/>
+              </a:rPr>
+            </a:br>
+            <a:r>
+              <a:rPr lang="en-US" smtClean="0">
+                <a:latin typeface="Consolas" panose="020B0609020204030204" pitchFamily="49" charset="0"/>
+              </a:rPr>
+              <a:t>  </a:t>
+            </a:r>
+            <a:r>
+              <a:rPr lang="en-US">
+                <a:latin typeface="Consolas" panose="020B0609020204030204" pitchFamily="49" charset="0"/>
+              </a:rPr>
+              <a:t>constexpr size_t fh_size = sz - (rotval % </a:t>
+            </a:r>
+            <a:r>
+              <a:rPr lang="en-US">
+                <a:latin typeface="Consolas" panose="020B0609020204030204" pitchFamily="49" charset="0"/>
+              </a:rPr>
+              <a:t>sz</a:t>
+            </a:r>
+            <a:r>
+              <a:rPr lang="en-US" smtClean="0">
+                <a:latin typeface="Consolas" panose="020B0609020204030204" pitchFamily="49" charset="0"/>
+              </a:rPr>
+              <a:t>);</a:t>
+            </a:r>
+            <a:r>
+              <a:rPr lang="ru-RU" smtClean="0">
+                <a:latin typeface="Consolas" panose="020B0609020204030204" pitchFamily="49" charset="0"/>
+              </a:rPr>
+              <a:t/>
+            </a:r>
+            <a:br>
+              <a:rPr lang="ru-RU" smtClean="0">
+                <a:latin typeface="Consolas" panose="020B0609020204030204" pitchFamily="49" charset="0"/>
+              </a:rPr>
+            </a:br>
+            <a:r>
+              <a:rPr lang="en-US" smtClean="0">
+                <a:solidFill>
+                  <a:srgbClr val="0000FF"/>
+                </a:solidFill>
+                <a:latin typeface="Consolas" panose="020B0609020204030204" pitchFamily="49" charset="0"/>
+              </a:rPr>
+              <a:t>  </a:t>
+            </a:r>
+            <a:r>
+              <a:rPr lang="en-US">
+                <a:solidFill>
+                  <a:srgbClr val="0000FF"/>
+                </a:solidFill>
+                <a:latin typeface="Consolas" panose="020B0609020204030204" pitchFamily="49" charset="0"/>
+              </a:rPr>
+              <a:t>auto first_half = subtuple&lt;0, fh_size&gt;(forward&lt;Tuple&gt;(</a:t>
+            </a:r>
+            <a:r>
+              <a:rPr lang="en-US">
+                <a:solidFill>
+                  <a:srgbClr val="0000FF"/>
+                </a:solidFill>
+                <a:latin typeface="Consolas" panose="020B0609020204030204" pitchFamily="49" charset="0"/>
+              </a:rPr>
+              <a:t>t</a:t>
+            </a:r>
+            <a:r>
+              <a:rPr lang="en-US" smtClean="0">
+                <a:solidFill>
+                  <a:srgbClr val="0000FF"/>
+                </a:solidFill>
+                <a:latin typeface="Consolas" panose="020B0609020204030204" pitchFamily="49" charset="0"/>
+              </a:rPr>
+              <a:t>));</a:t>
+            </a:r>
+            <a:r>
+              <a:rPr lang="ru-RU" smtClean="0">
+                <a:solidFill>
+                  <a:srgbClr val="0000FF"/>
+                </a:solidFill>
+                <a:latin typeface="Consolas" panose="020B0609020204030204" pitchFamily="49" charset="0"/>
+              </a:rPr>
+              <a:t/>
+            </a:r>
+            <a:br>
+              <a:rPr lang="ru-RU" smtClean="0">
+                <a:solidFill>
+                  <a:srgbClr val="0000FF"/>
+                </a:solidFill>
+                <a:latin typeface="Consolas" panose="020B0609020204030204" pitchFamily="49" charset="0"/>
+              </a:rPr>
+            </a:br>
+            <a:r>
+              <a:rPr lang="en-US" smtClean="0">
+                <a:solidFill>
+                  <a:srgbClr val="0000FF"/>
+                </a:solidFill>
+                <a:latin typeface="Consolas" panose="020B0609020204030204" pitchFamily="49" charset="0"/>
+              </a:rPr>
+              <a:t>  </a:t>
+            </a:r>
+            <a:r>
+              <a:rPr lang="en-US">
+                <a:solidFill>
+                  <a:srgbClr val="0000FF"/>
+                </a:solidFill>
+                <a:latin typeface="Consolas" panose="020B0609020204030204" pitchFamily="49" charset="0"/>
+              </a:rPr>
+              <a:t>auto second_half = subtuple&lt;fh_size, sz&gt;(forward&lt;Tuple&gt;(</a:t>
+            </a:r>
+            <a:r>
+              <a:rPr lang="en-US">
+                <a:solidFill>
+                  <a:srgbClr val="0000FF"/>
+                </a:solidFill>
+                <a:latin typeface="Consolas" panose="020B0609020204030204" pitchFamily="49" charset="0"/>
+              </a:rPr>
+              <a:t>t</a:t>
+            </a:r>
+            <a:r>
+              <a:rPr lang="en-US" smtClean="0">
+                <a:solidFill>
+                  <a:srgbClr val="0000FF"/>
+                </a:solidFill>
+                <a:latin typeface="Consolas" panose="020B0609020204030204" pitchFamily="49" charset="0"/>
+              </a:rPr>
+              <a:t>));</a:t>
+            </a:r>
+            <a:r>
+              <a:rPr lang="ru-RU" smtClean="0">
+                <a:solidFill>
+                  <a:srgbClr val="0000FF"/>
+                </a:solidFill>
+                <a:latin typeface="Consolas" panose="020B0609020204030204" pitchFamily="49" charset="0"/>
+              </a:rPr>
+              <a:t/>
+            </a:r>
+            <a:br>
+              <a:rPr lang="ru-RU" smtClean="0">
+                <a:solidFill>
+                  <a:srgbClr val="0000FF"/>
+                </a:solidFill>
+                <a:latin typeface="Consolas" panose="020B0609020204030204" pitchFamily="49" charset="0"/>
+              </a:rPr>
+            </a:br>
+            <a:r>
+              <a:rPr lang="en-US" smtClean="0">
+                <a:latin typeface="Consolas" panose="020B0609020204030204" pitchFamily="49" charset="0"/>
+              </a:rPr>
+              <a:t>  </a:t>
+            </a:r>
+            <a:r>
+              <a:rPr lang="en-US">
+                <a:latin typeface="Consolas" panose="020B0609020204030204" pitchFamily="49" charset="0"/>
+              </a:rPr>
+              <a:t>return tuple_cat(second_half, </a:t>
+            </a:r>
+            <a:r>
+              <a:rPr lang="en-US">
+                <a:latin typeface="Consolas" panose="020B0609020204030204" pitchFamily="49" charset="0"/>
+              </a:rPr>
+              <a:t>first_half</a:t>
+            </a:r>
+            <a:r>
+              <a:rPr lang="en-US" smtClean="0">
+                <a:latin typeface="Consolas" panose="020B0609020204030204" pitchFamily="49" charset="0"/>
+              </a:rPr>
+              <a:t>);</a:t>
+            </a:r>
+            <a:r>
+              <a:rPr lang="ru-RU" smtClean="0">
+                <a:latin typeface="Consolas" panose="020B0609020204030204" pitchFamily="49" charset="0"/>
+              </a:rPr>
+              <a:t/>
+            </a:r>
+            <a:br>
+              <a:rPr lang="ru-RU" smtClean="0">
+                <a:latin typeface="Consolas" panose="020B0609020204030204" pitchFamily="49" charset="0"/>
+              </a:rPr>
+            </a:br>
+            <a:r>
+              <a:rPr lang="en-US" smtClean="0">
+                <a:latin typeface="Consolas" panose="020B0609020204030204" pitchFamily="49" charset="0"/>
+              </a:rPr>
+              <a:t>}</a:t>
+            </a:r>
+            <a:endParaRPr lang="en-US">
+              <a:latin typeface="Consolas" panose="020B0609020204030204" pitchFamily="49" charset="0"/>
+            </a:endParaRPr>
+          </a:p>
+          <a:p>
+            <a:r>
+              <a:rPr lang="ru-RU" smtClean="0"/>
+              <a:t>Все ли понимают как реализовать </a:t>
+            </a:r>
+            <a:r>
+              <a:rPr lang="en-US" smtClean="0"/>
+              <a:t>rotate_l </a:t>
+            </a:r>
+            <a:r>
+              <a:rPr lang="ru-RU" smtClean="0"/>
+              <a:t>в терминах </a:t>
+            </a:r>
+            <a:r>
+              <a:rPr lang="en-US" smtClean="0"/>
+              <a:t>rotate_r?</a:t>
+            </a:r>
+            <a:endParaRPr lang="ru-RU" smtClean="0"/>
+          </a:p>
+          <a:p>
+            <a:r>
+              <a:rPr lang="ru-RU" smtClean="0"/>
+              <a:t>Также полезно реализовать в терминах </a:t>
+            </a:r>
+            <a:r>
+              <a:rPr lang="en-US" smtClean="0"/>
+              <a:t>subtuple:</a:t>
+            </a:r>
+            <a:r>
+              <a:rPr lang="ru-RU" smtClean="0"/>
+              <a:t> </a:t>
+            </a:r>
+          </a:p>
+          <a:p>
+            <a:pPr marL="45720" indent="0">
+              <a:buNone/>
+            </a:pPr>
+            <a:r>
+              <a:rPr lang="fr-FR">
+                <a:latin typeface="Consolas" panose="020B0609020204030204" pitchFamily="49" charset="0"/>
+              </a:rPr>
+              <a:t>template&lt;typename </a:t>
+            </a:r>
+            <a:r>
+              <a:rPr lang="fr-FR">
+                <a:latin typeface="Consolas" panose="020B0609020204030204" pitchFamily="49" charset="0"/>
+              </a:rPr>
+              <a:t>Tuple</a:t>
+            </a:r>
+            <a:r>
+              <a:rPr lang="fr-FR" smtClean="0">
+                <a:latin typeface="Consolas" panose="020B0609020204030204" pitchFamily="49" charset="0"/>
+              </a:rPr>
+              <a:t>&gt;</a:t>
+            </a:r>
+            <a:r>
+              <a:rPr lang="ru-RU" smtClean="0">
+                <a:latin typeface="Consolas" panose="020B0609020204030204" pitchFamily="49" charset="0"/>
+              </a:rPr>
+              <a:t> </a:t>
+            </a:r>
+            <a:r>
+              <a:rPr lang="fr-FR" smtClean="0">
+                <a:latin typeface="Consolas" panose="020B0609020204030204" pitchFamily="49" charset="0"/>
+              </a:rPr>
+              <a:t>constexpr </a:t>
+            </a:r>
+            <a:r>
+              <a:rPr lang="fr-FR">
+                <a:latin typeface="Consolas" panose="020B0609020204030204" pitchFamily="49" charset="0"/>
+              </a:rPr>
+              <a:t>auto tuple_tail(Tuple &amp;&amp;</a:t>
+            </a:r>
+            <a:r>
+              <a:rPr lang="fr-FR">
+                <a:latin typeface="Consolas" panose="020B0609020204030204" pitchFamily="49" charset="0"/>
+              </a:rPr>
+              <a:t>t</a:t>
+            </a:r>
+            <a:r>
+              <a:rPr lang="fr-FR" smtClean="0">
+                <a:latin typeface="Consolas" panose="020B0609020204030204" pitchFamily="49" charset="0"/>
+              </a:rPr>
+              <a:t>)</a:t>
+            </a:r>
+            <a:endParaRPr lang="en-US">
+              <a:latin typeface="Consolas" panose="020B0609020204030204" pitchFamily="49" charset="0"/>
+            </a:endParaRPr>
+          </a:p>
+        </p:txBody>
+      </p:sp>
+    </p:spTree>
+    <p:extLst>
+      <p:ext uri="{BB962C8B-B14F-4D97-AF65-F5344CB8AC3E}">
+        <p14:creationId xmlns:p14="http://schemas.microsoft.com/office/powerpoint/2010/main" val="759707821"/>
+      </p:ext>
+    </p:extLst>
+  </p:cSld>
+  <p:clrMapOvr>
+    <a:masterClrMapping/>
+  </p:clrMapOvr>
+</p:sld>
+</file>
+
+<file path=ppt/slides/slide82.xml><?xml version="1.0" encoding="utf-8"?>
+<p:sld xmlns:a="http://schemas.openxmlformats.org/drawingml/2006/main" xmlns:r="http://schemas.openxmlformats.org/officeDocument/2006/relationships" xmlns:p="http://schemas.openxmlformats.org/presentationml/2006/main">
+  <p:cSld>
+    <p:spTree>
+      <p:nvGrpSpPr>
+        <p:cNvPr id="1" name=""/>
+        <p:cNvGrpSpPr/>
+        <p:nvPr/>
+      </p:nvGrpSpPr>
+      <p:grpSpPr>
+        <a:xfrm>
+          <a:off x="0" y="0"/>
+          <a:ext cx="0" cy="0"/>
+          <a:chOff x="0" y="0"/>
+          <a:chExt cx="0" cy="0"/>
+        </a:xfrm>
+      </p:grpSpPr>
+      <p:sp>
+        <p:nvSpPr>
+          <p:cNvPr id="2" name="Title 1"/>
+          <p:cNvSpPr>
+            <a:spLocks noGrp="1"/>
+          </p:cNvSpPr>
+          <p:nvPr>
+            <p:ph type="title"/>
+          </p:nvPr>
+        </p:nvSpPr>
+        <p:spPr/>
+        <p:txBody>
+          <a:bodyPr/>
+          <a:lstStyle/>
+          <a:p>
+            <a:r>
+              <a:rPr lang="ru-RU" smtClean="0"/>
+              <a:t>План действий</a:t>
+            </a:r>
+            <a:endParaRPr lang="en-US"/>
+          </a:p>
+        </p:txBody>
+      </p:sp>
+      <p:sp>
+        <p:nvSpPr>
+          <p:cNvPr id="3" name="Content Placeholder 2"/>
+          <p:cNvSpPr>
+            <a:spLocks noGrp="1"/>
+          </p:cNvSpPr>
+          <p:nvPr>
+            <p:ph idx="1"/>
+          </p:nvPr>
+        </p:nvSpPr>
+        <p:spPr/>
+        <p:txBody>
+          <a:bodyPr/>
+          <a:lstStyle/>
+          <a:p>
+            <a:pPr>
+              <a:buFont typeface="Wingdings" panose="05000000000000000000" pitchFamily="2" charset="2"/>
+              <a:buChar char="q"/>
+            </a:pPr>
+            <a:r>
+              <a:rPr lang="ru-RU" smtClean="0"/>
+              <a:t> Получить произвольную (непрерывную) часть кортежа из целого кортежа</a:t>
+            </a:r>
+          </a:p>
+          <a:p>
+            <a:pPr marL="45720" indent="0">
+              <a:buNone/>
+            </a:pPr>
+            <a:r>
+              <a:rPr lang="en-US" smtClean="0">
+                <a:latin typeface="Consolas" panose="020B0609020204030204" pitchFamily="49" charset="0"/>
+              </a:rPr>
+              <a:t>{ 1, 1.5, 2, 2.5, 3 } </a:t>
+            </a:r>
+            <a:r>
+              <a:rPr lang="ru-RU" smtClean="0">
+                <a:latin typeface="Consolas" panose="020B0609020204030204" pitchFamily="49" charset="0"/>
+                <a:sym typeface="Symbol" panose="05050102010706020507" pitchFamily="18" charset="2"/>
+              </a:rPr>
+              <a:t></a:t>
+            </a:r>
+            <a:r>
+              <a:rPr lang="en-US" smtClean="0">
+                <a:latin typeface="Consolas" panose="020B0609020204030204" pitchFamily="49" charset="0"/>
+                <a:sym typeface="Symbol" panose="05050102010706020507" pitchFamily="18" charset="2"/>
+              </a:rPr>
+              <a:t> { 1.5, 2 }</a:t>
+            </a:r>
+            <a:endParaRPr lang="en-US" smtClean="0">
+              <a:latin typeface="Consolas" panose="020B0609020204030204" pitchFamily="49" charset="0"/>
+            </a:endParaRPr>
+          </a:p>
+          <a:p>
+            <a:pPr>
+              <a:buFont typeface="Wingdings" panose="05000000000000000000" pitchFamily="2" charset="2"/>
+              <a:buChar char="q"/>
+            </a:pPr>
+            <a:r>
+              <a:rPr lang="ru-RU" smtClean="0"/>
+              <a:t> Вращение кортежа: сделать циклическую перестановку</a:t>
+            </a:r>
+            <a:endParaRPr lang="en-US" smtClean="0"/>
+          </a:p>
+          <a:p>
+            <a:pPr marL="45720" indent="0">
+              <a:buNone/>
+            </a:pPr>
+            <a:r>
+              <a:rPr lang="en-US">
+                <a:latin typeface="Consolas" panose="020B0609020204030204" pitchFamily="49" charset="0"/>
+              </a:rPr>
+              <a:t>{ 1, 1.5, 2, 2.5</a:t>
+            </a:r>
+            <a:r>
+              <a:rPr lang="en-US">
+                <a:latin typeface="Consolas" panose="020B0609020204030204" pitchFamily="49" charset="0"/>
+              </a:rPr>
+              <a:t>, </a:t>
+            </a:r>
+            <a:r>
+              <a:rPr lang="en-US" smtClean="0">
+                <a:latin typeface="Consolas" panose="020B0609020204030204" pitchFamily="49" charset="0"/>
+              </a:rPr>
+              <a:t>3 } </a:t>
+            </a:r>
+            <a:r>
+              <a:rPr lang="ru-RU">
+                <a:latin typeface="Consolas" panose="020B0609020204030204" pitchFamily="49" charset="0"/>
+                <a:sym typeface="Symbol" panose="05050102010706020507" pitchFamily="18" charset="2"/>
+              </a:rPr>
+              <a:t></a:t>
+            </a:r>
+            <a:r>
+              <a:rPr lang="en-US">
+                <a:latin typeface="Consolas" panose="020B0609020204030204" pitchFamily="49" charset="0"/>
+                <a:sym typeface="Symbol" panose="05050102010706020507" pitchFamily="18" charset="2"/>
+              </a:rPr>
+              <a:t> </a:t>
+            </a:r>
+            <a:r>
+              <a:rPr lang="en-US">
+                <a:latin typeface="Consolas" panose="020B0609020204030204" pitchFamily="49" charset="0"/>
+                <a:sym typeface="Symbol" panose="05050102010706020507" pitchFamily="18" charset="2"/>
+              </a:rPr>
+              <a:t>{ </a:t>
+            </a:r>
+            <a:r>
+              <a:rPr lang="en-US" smtClean="0">
+                <a:latin typeface="Consolas" panose="020B0609020204030204" pitchFamily="49" charset="0"/>
+                <a:sym typeface="Symbol" panose="05050102010706020507" pitchFamily="18" charset="2"/>
+              </a:rPr>
+              <a:t>2.5</a:t>
+            </a:r>
+            <a:r>
+              <a:rPr lang="en-US">
+                <a:latin typeface="Consolas" panose="020B0609020204030204" pitchFamily="49" charset="0"/>
+                <a:sym typeface="Symbol" panose="05050102010706020507" pitchFamily="18" charset="2"/>
+              </a:rPr>
+              <a:t>, </a:t>
+            </a:r>
+            <a:r>
+              <a:rPr lang="en-US" smtClean="0">
+                <a:latin typeface="Consolas" panose="020B0609020204030204" pitchFamily="49" charset="0"/>
+                <a:sym typeface="Symbol" panose="05050102010706020507" pitchFamily="18" charset="2"/>
+              </a:rPr>
+              <a:t>3, 1, 1.5, 2 }</a:t>
+            </a:r>
+            <a:endParaRPr lang="en-US" smtClean="0"/>
+          </a:p>
+          <a:p>
+            <a:pPr>
+              <a:buFont typeface="Wingdings" panose="05000000000000000000" pitchFamily="2" charset="2"/>
+              <a:buChar char="Ø"/>
+            </a:pPr>
+            <a:r>
+              <a:rPr lang="ru-RU" smtClean="0"/>
+              <a:t> Из циклической перестановки сделать обмен значениями в кортеже</a:t>
+            </a:r>
+            <a:endParaRPr lang="en-US" smtClean="0"/>
+          </a:p>
+          <a:p>
+            <a:pPr marL="45720" indent="0">
+              <a:buNone/>
+            </a:pPr>
+            <a:r>
+              <a:rPr lang="en-US">
+                <a:latin typeface="Consolas" panose="020B0609020204030204" pitchFamily="49" charset="0"/>
+              </a:rPr>
+              <a:t>{ 1, 1.5, 2, 2.5</a:t>
+            </a:r>
+            <a:r>
+              <a:rPr lang="en-US">
+                <a:latin typeface="Consolas" panose="020B0609020204030204" pitchFamily="49" charset="0"/>
+              </a:rPr>
+              <a:t>, </a:t>
+            </a:r>
+            <a:r>
+              <a:rPr lang="en-US" smtClean="0">
+                <a:latin typeface="Consolas" panose="020B0609020204030204" pitchFamily="49" charset="0"/>
+              </a:rPr>
+              <a:t>3 } </a:t>
+            </a:r>
+            <a:r>
+              <a:rPr lang="ru-RU">
+                <a:latin typeface="Consolas" panose="020B0609020204030204" pitchFamily="49" charset="0"/>
+                <a:sym typeface="Symbol" panose="05050102010706020507" pitchFamily="18" charset="2"/>
+              </a:rPr>
+              <a:t></a:t>
+            </a:r>
+            <a:r>
+              <a:rPr lang="en-US">
+                <a:latin typeface="Consolas" panose="020B0609020204030204" pitchFamily="49" charset="0"/>
+                <a:sym typeface="Symbol" panose="05050102010706020507" pitchFamily="18" charset="2"/>
+              </a:rPr>
+              <a:t> </a:t>
+            </a:r>
+            <a:r>
+              <a:rPr lang="en-US">
+                <a:latin typeface="Consolas" panose="020B0609020204030204" pitchFamily="49" charset="0"/>
+                <a:sym typeface="Symbol" panose="05050102010706020507" pitchFamily="18" charset="2"/>
+              </a:rPr>
+              <a:t>{ </a:t>
+            </a:r>
+            <a:r>
+              <a:rPr lang="en-US" smtClean="0">
+                <a:latin typeface="Consolas" panose="020B0609020204030204" pitchFamily="49" charset="0"/>
+                <a:sym typeface="Symbol" panose="05050102010706020507" pitchFamily="18" charset="2"/>
+              </a:rPr>
+              <a:t>1, 2, </a:t>
+            </a:r>
+            <a:r>
+              <a:rPr lang="en-US">
+                <a:latin typeface="Consolas" panose="020B0609020204030204" pitchFamily="49" charset="0"/>
+                <a:sym typeface="Symbol" panose="05050102010706020507" pitchFamily="18" charset="2"/>
+              </a:rPr>
+              <a:t>1.5</a:t>
+            </a:r>
+            <a:r>
+              <a:rPr lang="en-US" smtClean="0">
+                <a:latin typeface="Consolas" panose="020B0609020204030204" pitchFamily="49" charset="0"/>
+                <a:sym typeface="Symbol" panose="05050102010706020507" pitchFamily="18" charset="2"/>
+              </a:rPr>
+              <a:t>, 2.5, </a:t>
+            </a:r>
+            <a:r>
+              <a:rPr lang="en-US" smtClean="0">
+                <a:latin typeface="Consolas" panose="020B0609020204030204" pitchFamily="49" charset="0"/>
+                <a:sym typeface="Symbol" panose="05050102010706020507" pitchFamily="18" charset="2"/>
+              </a:rPr>
+              <a:t>3</a:t>
+            </a:r>
+            <a:r>
+              <a:rPr lang="en-US" smtClean="0">
+                <a:latin typeface="Consolas" panose="020B0609020204030204" pitchFamily="49" charset="0"/>
+                <a:sym typeface="Symbol" panose="05050102010706020507" pitchFamily="18" charset="2"/>
+              </a:rPr>
+              <a:t> }</a:t>
+            </a:r>
+            <a:endParaRPr lang="en-US" smtClean="0"/>
+          </a:p>
+          <a:p>
+            <a:pPr>
+              <a:buFont typeface="Wingdings" panose="05000000000000000000" pitchFamily="2" charset="2"/>
+              <a:buChar char="q"/>
+            </a:pPr>
+            <a:r>
+              <a:rPr lang="ru-RU" smtClean="0"/>
+              <a:t> Из обмена значениями сделать перестановку</a:t>
+            </a:r>
+            <a:endParaRPr lang="en-US" smtClean="0"/>
+          </a:p>
+          <a:p>
+            <a:pPr marL="45720" indent="0">
+              <a:buNone/>
+            </a:pPr>
+            <a:r>
+              <a:rPr lang="en-US">
+                <a:latin typeface="Consolas" panose="020B0609020204030204" pitchFamily="49" charset="0"/>
+              </a:rPr>
+              <a:t>{ 1, 1.5, 2, 2.5</a:t>
+            </a:r>
+            <a:r>
+              <a:rPr lang="en-US">
+                <a:latin typeface="Consolas" panose="020B0609020204030204" pitchFamily="49" charset="0"/>
+              </a:rPr>
+              <a:t>, </a:t>
+            </a:r>
+            <a:r>
+              <a:rPr lang="en-US" smtClean="0">
+                <a:latin typeface="Consolas" panose="020B0609020204030204" pitchFamily="49" charset="0"/>
+              </a:rPr>
+              <a:t>3 } </a:t>
+            </a:r>
+            <a:r>
+              <a:rPr lang="ru-RU" smtClean="0">
+                <a:latin typeface="Consolas" panose="020B0609020204030204" pitchFamily="49" charset="0"/>
+                <a:sym typeface="Symbol" panose="05050102010706020507" pitchFamily="18" charset="2"/>
+              </a:rPr>
+              <a:t></a:t>
+            </a:r>
+            <a:r>
+              <a:rPr lang="en-US" smtClean="0">
+                <a:latin typeface="Consolas" panose="020B0609020204030204" pitchFamily="49" charset="0"/>
+                <a:sym typeface="Symbol" panose="05050102010706020507" pitchFamily="18" charset="2"/>
+              </a:rPr>
+              <a:t> </a:t>
+            </a:r>
+            <a:r>
+              <a:rPr lang="en-US" smtClean="0">
+                <a:latin typeface="Consolas" panose="020B0609020204030204" pitchFamily="49" charset="0"/>
+              </a:rPr>
+              <a:t>{ </a:t>
+            </a:r>
+            <a:r>
+              <a:rPr lang="ru-RU">
+                <a:latin typeface="Consolas" panose="020B0609020204030204" pitchFamily="49" charset="0"/>
+              </a:rPr>
+              <a:t>3</a:t>
+            </a:r>
+            <a:r>
+              <a:rPr lang="en-US">
+                <a:latin typeface="Consolas" panose="020B0609020204030204" pitchFamily="49" charset="0"/>
+              </a:rPr>
+              <a:t>, 2.5, 1, 2</a:t>
+            </a:r>
+            <a:r>
+              <a:rPr lang="en-US">
+                <a:latin typeface="Consolas" panose="020B0609020204030204" pitchFamily="49" charset="0"/>
+              </a:rPr>
+              <a:t>, </a:t>
+            </a:r>
+            <a:r>
+              <a:rPr lang="en-US" smtClean="0">
+                <a:latin typeface="Consolas" panose="020B0609020204030204" pitchFamily="49" charset="0"/>
+              </a:rPr>
+              <a:t>1.5 </a:t>
+            </a:r>
+            <a:r>
+              <a:rPr lang="en-US">
+                <a:latin typeface="Consolas" panose="020B0609020204030204" pitchFamily="49" charset="0"/>
+              </a:rPr>
+              <a:t>}</a:t>
+            </a:r>
+            <a:endParaRPr lang="en-US"/>
+          </a:p>
+        </p:txBody>
+      </p:sp>
+    </p:spTree>
+    <p:extLst>
+      <p:ext uri="{BB962C8B-B14F-4D97-AF65-F5344CB8AC3E}">
+        <p14:creationId xmlns:p14="http://schemas.microsoft.com/office/powerpoint/2010/main" val="220809770"/>
+      </p:ext>
+    </p:extLst>
+  </p:cSld>
+  <p:clrMapOvr>
+    <a:masterClrMapping/>
+  </p:clrMapOvr>
+</p:sld>
+</file>
+
+<file path=ppt/slides/slide83.xml><?xml version="1.0" encoding="utf-8"?>
+<p:sld xmlns:a="http://schemas.openxmlformats.org/drawingml/2006/main" xmlns:r="http://schemas.openxmlformats.org/officeDocument/2006/relationships" xmlns:p="http://schemas.openxmlformats.org/presentationml/2006/main">
+  <p:cSld>
+    <p:spTree>
+      <p:nvGrpSpPr>
+        <p:cNvPr id="1" name=""/>
+        <p:cNvGrpSpPr/>
+        <p:nvPr/>
+      </p:nvGrpSpPr>
+      <p:grpSpPr>
+        <a:xfrm>
+          <a:off x="0" y="0"/>
+          <a:ext cx="0" cy="0"/>
+          <a:chOff x="0" y="0"/>
+          <a:chExt cx="0" cy="0"/>
+        </a:xfrm>
+      </p:grpSpPr>
+      <p:sp>
+        <p:nvSpPr>
+          <p:cNvPr id="2" name="Title 1"/>
+          <p:cNvSpPr>
+            <a:spLocks noGrp="1"/>
+          </p:cNvSpPr>
+          <p:nvPr>
+            <p:ph type="title"/>
+          </p:nvPr>
+        </p:nvSpPr>
+        <p:spPr/>
+        <p:txBody>
+          <a:bodyPr/>
+          <a:lstStyle/>
+          <a:p>
+            <a:r>
+              <a:rPr lang="ru-RU" smtClean="0"/>
+              <a:t>Обмен значениями</a:t>
+            </a:r>
+            <a:endParaRPr lang="en-US"/>
+          </a:p>
+        </p:txBody>
+      </p:sp>
+      <p:sp>
+        <p:nvSpPr>
+          <p:cNvPr id="3" name="Content Placeholder 2"/>
+          <p:cNvSpPr>
+            <a:spLocks noGrp="1"/>
+          </p:cNvSpPr>
+          <p:nvPr>
+            <p:ph idx="1"/>
+          </p:nvPr>
+        </p:nvSpPr>
+        <p:spPr>
+          <a:xfrm>
+            <a:off x="1143000" y="2057400"/>
+            <a:ext cx="10442448" cy="4038600"/>
+          </a:xfrm>
+        </p:spPr>
+        <p:txBody>
+          <a:bodyPr/>
+          <a:lstStyle/>
+          <a:p>
+            <a:r>
+              <a:rPr lang="ru-RU" smtClean="0"/>
+              <a:t>Основной алгоритм довольно элегантен</a:t>
+            </a:r>
+          </a:p>
+          <a:p>
+            <a:pPr marL="45720" indent="0">
+              <a:buNone/>
+            </a:pPr>
+            <a:r>
+              <a:rPr lang="en-US" sz="2000">
+                <a:latin typeface="Consolas" panose="020B0609020204030204" pitchFamily="49" charset="0"/>
+              </a:rPr>
+              <a:t>template&lt;size_t </a:t>
+            </a:r>
+            <a:r>
+              <a:rPr lang="en-US" sz="2000" smtClean="0">
+                <a:latin typeface="Consolas" panose="020B0609020204030204" pitchFamily="49" charset="0"/>
+              </a:rPr>
+              <a:t>N, </a:t>
+            </a:r>
+            <a:r>
+              <a:rPr lang="en-US" sz="2000">
+                <a:latin typeface="Consolas" panose="020B0609020204030204" pitchFamily="49" charset="0"/>
+              </a:rPr>
+              <a:t>size_t </a:t>
+            </a:r>
+            <a:r>
+              <a:rPr lang="en-US" sz="2000" smtClean="0">
+                <a:latin typeface="Consolas" panose="020B0609020204030204" pitchFamily="49" charset="0"/>
+              </a:rPr>
+              <a:t>M, </a:t>
+            </a:r>
+            <a:r>
+              <a:rPr lang="en-US" sz="2000">
+                <a:latin typeface="Consolas" panose="020B0609020204030204" pitchFamily="49" charset="0"/>
+              </a:rPr>
+              <a:t>typename </a:t>
+            </a:r>
+            <a:r>
+              <a:rPr lang="en-US" sz="2000">
+                <a:latin typeface="Consolas" panose="020B0609020204030204" pitchFamily="49" charset="0"/>
+              </a:rPr>
+              <a:t>Tuple</a:t>
+            </a:r>
+            <a:r>
+              <a:rPr lang="en-US" sz="2000" smtClean="0">
+                <a:latin typeface="Consolas" panose="020B0609020204030204" pitchFamily="49" charset="0"/>
+              </a:rPr>
+              <a:t>&gt;</a:t>
+            </a:r>
+            <a:br>
+              <a:rPr lang="en-US" sz="2000" smtClean="0">
+                <a:latin typeface="Consolas" panose="020B0609020204030204" pitchFamily="49" charset="0"/>
+              </a:rPr>
+            </a:br>
+            <a:r>
+              <a:rPr lang="en-US" sz="2000" smtClean="0">
+                <a:latin typeface="Consolas" panose="020B0609020204030204" pitchFamily="49" charset="0"/>
+              </a:rPr>
+              <a:t>constexpr </a:t>
+            </a:r>
+            <a:r>
+              <a:rPr lang="en-US" sz="2000">
+                <a:latin typeface="Consolas" panose="020B0609020204030204" pitchFamily="49" charset="0"/>
+              </a:rPr>
+              <a:t>auto swap_elts (Tuple &amp;&amp;t</a:t>
+            </a:r>
+            <a:r>
+              <a:rPr lang="en-US" sz="2000">
+                <a:latin typeface="Consolas" panose="020B0609020204030204" pitchFamily="49" charset="0"/>
+              </a:rPr>
+              <a:t>) </a:t>
+            </a:r>
+            <a:r>
+              <a:rPr lang="en-US" sz="2000" smtClean="0">
+                <a:latin typeface="Consolas" panose="020B0609020204030204" pitchFamily="49" charset="0"/>
+              </a:rPr>
+              <a:t>{</a:t>
+            </a:r>
+            <a:br>
+              <a:rPr lang="en-US" sz="2000" smtClean="0">
+                <a:latin typeface="Consolas" panose="020B0609020204030204" pitchFamily="49" charset="0"/>
+              </a:rPr>
+            </a:br>
+            <a:r>
+              <a:rPr lang="en-US" sz="2000" smtClean="0">
+                <a:latin typeface="Consolas" panose="020B0609020204030204" pitchFamily="49" charset="0"/>
+              </a:rPr>
+              <a:t>  </a:t>
+            </a:r>
+            <a:r>
+              <a:rPr lang="en-US" sz="2000">
+                <a:latin typeface="Consolas" panose="020B0609020204030204" pitchFamily="49" charset="0"/>
+              </a:rPr>
+              <a:t>constexpr size_t sz = tuple_size&lt;decay_t&lt;Tuple&gt;&gt;::</a:t>
+            </a:r>
+            <a:r>
+              <a:rPr lang="en-US" sz="2000">
+                <a:latin typeface="Consolas" panose="020B0609020204030204" pitchFamily="49" charset="0"/>
+              </a:rPr>
+              <a:t>value</a:t>
+            </a:r>
+            <a:r>
+              <a:rPr lang="en-US" sz="2000" smtClean="0">
+                <a:latin typeface="Consolas" panose="020B0609020204030204" pitchFamily="49" charset="0"/>
+              </a:rPr>
+              <a:t>;</a:t>
+            </a:r>
+            <a:br>
+              <a:rPr lang="en-US" sz="2000" smtClean="0">
+                <a:latin typeface="Consolas" panose="020B0609020204030204" pitchFamily="49" charset="0"/>
+              </a:rPr>
+            </a:br>
+            <a:r>
+              <a:rPr lang="en-US" sz="2000" smtClean="0">
+                <a:latin typeface="Consolas" panose="020B0609020204030204" pitchFamily="49" charset="0"/>
+              </a:rPr>
+              <a:t>  </a:t>
+            </a:r>
+            <a:r>
+              <a:rPr lang="en-US" sz="2000" smtClean="0">
+                <a:solidFill>
+                  <a:srgbClr val="0000FF"/>
+                </a:solidFill>
+                <a:latin typeface="Consolas" panose="020B0609020204030204" pitchFamily="49" charset="0"/>
+              </a:rPr>
+              <a:t>static_assert((N </a:t>
+            </a:r>
+            <a:r>
+              <a:rPr lang="en-US" sz="2000">
+                <a:solidFill>
+                  <a:srgbClr val="0000FF"/>
+                </a:solidFill>
+                <a:latin typeface="Consolas" panose="020B0609020204030204" pitchFamily="49" charset="0"/>
+              </a:rPr>
+              <a:t>&lt; </a:t>
+            </a:r>
+            <a:r>
+              <a:rPr lang="en-US" sz="2000" smtClean="0">
+                <a:solidFill>
+                  <a:srgbClr val="0000FF"/>
+                </a:solidFill>
+                <a:latin typeface="Consolas" panose="020B0609020204030204" pitchFamily="49" charset="0"/>
+              </a:rPr>
+              <a:t>M) &amp;&amp; (N </a:t>
+            </a:r>
+            <a:r>
+              <a:rPr lang="en-US" sz="2000">
+                <a:solidFill>
+                  <a:srgbClr val="0000FF"/>
+                </a:solidFill>
+                <a:latin typeface="Consolas" panose="020B0609020204030204" pitchFamily="49" charset="0"/>
+              </a:rPr>
+              <a:t>&lt; </a:t>
+            </a:r>
+            <a:r>
+              <a:rPr lang="en-US" sz="2000" smtClean="0">
+                <a:solidFill>
+                  <a:srgbClr val="0000FF"/>
+                </a:solidFill>
+                <a:latin typeface="Consolas" panose="020B0609020204030204" pitchFamily="49" charset="0"/>
+              </a:rPr>
+              <a:t>sz) &amp;&amp; (M </a:t>
+            </a:r>
+            <a:r>
+              <a:rPr lang="en-US" sz="2000">
+                <a:solidFill>
+                  <a:srgbClr val="0000FF"/>
+                </a:solidFill>
+                <a:latin typeface="Consolas" panose="020B0609020204030204" pitchFamily="49" charset="0"/>
+              </a:rPr>
+              <a:t>&lt; </a:t>
+            </a:r>
+            <a:r>
+              <a:rPr lang="en-US" sz="2000" smtClean="0">
+                <a:solidFill>
+                  <a:srgbClr val="0000FF"/>
+                </a:solidFill>
+                <a:latin typeface="Consolas" panose="020B0609020204030204" pitchFamily="49" charset="0"/>
+              </a:rPr>
+              <a:t>sz));</a:t>
+            </a:r>
+            <a:br>
+              <a:rPr lang="en-US" sz="2000" smtClean="0">
+                <a:solidFill>
+                  <a:srgbClr val="0000FF"/>
+                </a:solidFill>
+                <a:latin typeface="Consolas" panose="020B0609020204030204" pitchFamily="49" charset="0"/>
+              </a:rPr>
+            </a:br>
+            <a:r>
+              <a:rPr lang="en-US" sz="2000" smtClean="0">
+                <a:latin typeface="Consolas" panose="020B0609020204030204" pitchFamily="49" charset="0"/>
+              </a:rPr>
+              <a:t>  </a:t>
+            </a:r>
+            <a:r>
+              <a:rPr lang="en-US" sz="2000">
+                <a:latin typeface="Consolas" panose="020B0609020204030204" pitchFamily="49" charset="0"/>
+              </a:rPr>
+              <a:t>auto&amp;&amp; nth = make_tuple(get&lt;N&gt;(forward&lt;Tuple&gt;(</a:t>
+            </a:r>
+            <a:r>
+              <a:rPr lang="en-US" sz="2000">
+                <a:latin typeface="Consolas" panose="020B0609020204030204" pitchFamily="49" charset="0"/>
+              </a:rPr>
+              <a:t>t</a:t>
+            </a:r>
+            <a:r>
+              <a:rPr lang="en-US" sz="2000" smtClean="0">
+                <a:latin typeface="Consolas" panose="020B0609020204030204" pitchFamily="49" charset="0"/>
+              </a:rPr>
+              <a:t>)));</a:t>
+            </a:r>
+            <a:br>
+              <a:rPr lang="en-US" sz="2000" smtClean="0">
+                <a:latin typeface="Consolas" panose="020B0609020204030204" pitchFamily="49" charset="0"/>
+              </a:rPr>
+            </a:br>
+            <a:r>
+              <a:rPr lang="en-US" sz="2000" smtClean="0">
+                <a:latin typeface="Consolas" panose="020B0609020204030204" pitchFamily="49" charset="0"/>
+              </a:rPr>
+              <a:t>  </a:t>
+            </a:r>
+            <a:r>
+              <a:rPr lang="en-US" sz="2000">
+                <a:latin typeface="Consolas" panose="020B0609020204030204" pitchFamily="49" charset="0"/>
+              </a:rPr>
+              <a:t>auto&amp;&amp; mth = make_tuple(get&lt;M&gt;(forward&lt;Tuple&gt;(</a:t>
+            </a:r>
+            <a:r>
+              <a:rPr lang="en-US" sz="2000">
+                <a:latin typeface="Consolas" panose="020B0609020204030204" pitchFamily="49" charset="0"/>
+              </a:rPr>
+              <a:t>t</a:t>
+            </a:r>
+            <a:r>
+              <a:rPr lang="en-US" sz="2000" smtClean="0">
+                <a:latin typeface="Consolas" panose="020B0609020204030204" pitchFamily="49" charset="0"/>
+              </a:rPr>
+              <a:t>)));</a:t>
+            </a:r>
+            <a:br>
+              <a:rPr lang="en-US" sz="2000" smtClean="0">
+                <a:latin typeface="Consolas" panose="020B0609020204030204" pitchFamily="49" charset="0"/>
+              </a:rPr>
+            </a:br>
+            <a:r>
+              <a:rPr lang="en-US" sz="2000" smtClean="0">
+                <a:latin typeface="Consolas" panose="020B0609020204030204" pitchFamily="49" charset="0"/>
+              </a:rPr>
+              <a:t>  </a:t>
+            </a:r>
+            <a:r>
+              <a:rPr lang="en-US" sz="2000">
+                <a:latin typeface="Consolas" panose="020B0609020204030204" pitchFamily="49" charset="0"/>
+              </a:rPr>
+              <a:t>auto&amp;&amp; tmp1 = </a:t>
+            </a:r>
+            <a:r>
+              <a:rPr lang="en-US" sz="2000">
+                <a:latin typeface="Consolas" panose="020B0609020204030204" pitchFamily="49" charset="0"/>
+              </a:rPr>
+              <a:t>tuple_cat(mth</a:t>
+            </a:r>
+            <a:r>
+              <a:rPr lang="en-US" sz="2000" smtClean="0">
+                <a:latin typeface="Consolas" panose="020B0609020204030204" pitchFamily="49" charset="0"/>
+              </a:rPr>
+              <a:t>,</a:t>
+            </a:r>
+            <a:br>
+              <a:rPr lang="en-US" sz="2000" smtClean="0">
+                <a:latin typeface="Consolas" panose="020B0609020204030204" pitchFamily="49" charset="0"/>
+              </a:rPr>
+            </a:br>
+            <a:r>
+              <a:rPr lang="en-US" sz="2000" smtClean="0">
+                <a:latin typeface="Consolas" panose="020B0609020204030204" pitchFamily="49" charset="0"/>
+              </a:rPr>
+              <a:t>                          tuple_tail(</a:t>
+            </a:r>
+            <a:r>
+              <a:rPr lang="en-US" sz="2000" smtClean="0">
+                <a:solidFill>
+                  <a:srgbClr val="0000FF"/>
+                </a:solidFill>
+                <a:latin typeface="Consolas" panose="020B0609020204030204" pitchFamily="49" charset="0"/>
+              </a:rPr>
+              <a:t>rotate_l&lt;N</a:t>
+            </a:r>
+            <a:r>
+              <a:rPr lang="en-US" sz="2000">
+                <a:solidFill>
+                  <a:srgbClr val="0000FF"/>
+                </a:solidFill>
+                <a:latin typeface="Consolas" panose="020B0609020204030204" pitchFamily="49" charset="0"/>
+              </a:rPr>
+              <a:t>&gt;(forward&lt;Tuple&gt;(</a:t>
+            </a:r>
+            <a:r>
+              <a:rPr lang="en-US" sz="2000">
+                <a:solidFill>
+                  <a:srgbClr val="0000FF"/>
+                </a:solidFill>
+                <a:latin typeface="Consolas" panose="020B0609020204030204" pitchFamily="49" charset="0"/>
+              </a:rPr>
+              <a:t>t</a:t>
+            </a:r>
+            <a:r>
+              <a:rPr lang="en-US" sz="2000" smtClean="0">
+                <a:solidFill>
+                  <a:srgbClr val="0000FF"/>
+                </a:solidFill>
+                <a:latin typeface="Consolas" panose="020B0609020204030204" pitchFamily="49" charset="0"/>
+              </a:rPr>
+              <a:t>)))</a:t>
+            </a:r>
+            <a:r>
+              <a:rPr lang="en-US" sz="2000" smtClean="0">
+                <a:latin typeface="Consolas" panose="020B0609020204030204" pitchFamily="49" charset="0"/>
+              </a:rPr>
+              <a:t>);</a:t>
+            </a:r>
+            <a:br>
+              <a:rPr lang="en-US" sz="2000" smtClean="0">
+                <a:latin typeface="Consolas" panose="020B0609020204030204" pitchFamily="49" charset="0"/>
+              </a:rPr>
+            </a:br>
+            <a:r>
+              <a:rPr lang="en-US" sz="2000" smtClean="0">
+                <a:latin typeface="Consolas" panose="020B0609020204030204" pitchFamily="49" charset="0"/>
+              </a:rPr>
+              <a:t>  </a:t>
+            </a:r>
+            <a:r>
+              <a:rPr lang="en-US" sz="2000">
+                <a:latin typeface="Consolas" panose="020B0609020204030204" pitchFamily="49" charset="0"/>
+              </a:rPr>
+              <a:t>auto&amp;&amp; tmp2 = tuple_cat(nth, tuple_tail(</a:t>
+            </a:r>
+            <a:r>
+              <a:rPr lang="en-US" sz="2000">
+                <a:solidFill>
+                  <a:srgbClr val="0000FF"/>
+                </a:solidFill>
+                <a:latin typeface="Consolas" panose="020B0609020204030204" pitchFamily="49" charset="0"/>
+              </a:rPr>
+              <a:t>rotate_l&lt;M-N&gt;(</a:t>
+            </a:r>
+            <a:r>
+              <a:rPr lang="en-US" sz="2000">
+                <a:solidFill>
+                  <a:srgbClr val="0000FF"/>
+                </a:solidFill>
+                <a:latin typeface="Consolas" panose="020B0609020204030204" pitchFamily="49" charset="0"/>
+              </a:rPr>
+              <a:t>tmp1</a:t>
+            </a:r>
+            <a:r>
+              <a:rPr lang="en-US" sz="2000" smtClean="0">
+                <a:solidFill>
+                  <a:srgbClr val="0000FF"/>
+                </a:solidFill>
+                <a:latin typeface="Consolas" panose="020B0609020204030204" pitchFamily="49" charset="0"/>
+              </a:rPr>
+              <a:t>))</a:t>
+            </a:r>
+            <a:r>
+              <a:rPr lang="en-US" sz="2000" smtClean="0">
+                <a:latin typeface="Consolas" panose="020B0609020204030204" pitchFamily="49" charset="0"/>
+              </a:rPr>
+              <a:t>);</a:t>
+            </a:r>
+            <a:br>
+              <a:rPr lang="en-US" sz="2000" smtClean="0">
+                <a:latin typeface="Consolas" panose="020B0609020204030204" pitchFamily="49" charset="0"/>
+              </a:rPr>
+            </a:br>
+            <a:r>
+              <a:rPr lang="en-US" sz="2000" smtClean="0">
+                <a:latin typeface="Consolas" panose="020B0609020204030204" pitchFamily="49" charset="0"/>
+              </a:rPr>
+              <a:t>  </a:t>
+            </a:r>
+            <a:r>
+              <a:rPr lang="en-US" sz="2000">
+                <a:latin typeface="Consolas" panose="020B0609020204030204" pitchFamily="49" charset="0"/>
+              </a:rPr>
+              <a:t>return </a:t>
+            </a:r>
+            <a:r>
+              <a:rPr lang="en-US" sz="2000">
+                <a:solidFill>
+                  <a:srgbClr val="0000FF"/>
+                </a:solidFill>
+                <a:latin typeface="Consolas" panose="020B0609020204030204" pitchFamily="49" charset="0"/>
+              </a:rPr>
+              <a:t>rotate_r&lt;M&gt;(</a:t>
+            </a:r>
+            <a:r>
+              <a:rPr lang="en-US" sz="2000">
+                <a:solidFill>
+                  <a:srgbClr val="0000FF"/>
+                </a:solidFill>
+                <a:latin typeface="Consolas" panose="020B0609020204030204" pitchFamily="49" charset="0"/>
+              </a:rPr>
+              <a:t>tmp2</a:t>
+            </a:r>
+            <a:r>
+              <a:rPr lang="en-US" sz="2000" smtClean="0">
+                <a:solidFill>
+                  <a:srgbClr val="0000FF"/>
+                </a:solidFill>
+                <a:latin typeface="Consolas" panose="020B0609020204030204" pitchFamily="49" charset="0"/>
+              </a:rPr>
+              <a:t>)</a:t>
+            </a:r>
+            <a:r>
+              <a:rPr lang="en-US" sz="2000" smtClean="0">
+                <a:latin typeface="Consolas" panose="020B0609020204030204" pitchFamily="49" charset="0"/>
+              </a:rPr>
+              <a:t>;</a:t>
+            </a:r>
+            <a:br>
+              <a:rPr lang="en-US" sz="2000" smtClean="0">
+                <a:latin typeface="Consolas" panose="020B0609020204030204" pitchFamily="49" charset="0"/>
+              </a:rPr>
+            </a:br>
+            <a:r>
+              <a:rPr lang="en-US" sz="2000" smtClean="0">
+                <a:latin typeface="Consolas" panose="020B0609020204030204" pitchFamily="49" charset="0"/>
+              </a:rPr>
+              <a:t>}</a:t>
+            </a:r>
+            <a:endParaRPr lang="ru-RU" sz="2000" smtClean="0">
+              <a:latin typeface="Consolas" panose="020B0609020204030204" pitchFamily="49" charset="0"/>
+            </a:endParaRPr>
+          </a:p>
+          <a:p>
+            <a:r>
+              <a:rPr lang="ru-RU" smtClean="0"/>
+              <a:t>Здесь используется и </a:t>
+            </a:r>
+            <a:r>
+              <a:rPr lang="en-US" smtClean="0"/>
+              <a:t>rotate </a:t>
+            </a:r>
+            <a:r>
+              <a:rPr lang="ru-RU" smtClean="0"/>
+              <a:t>и </a:t>
+            </a:r>
+            <a:r>
+              <a:rPr lang="en-US" smtClean="0"/>
+              <a:t>subtuple (</a:t>
+            </a:r>
+            <a:r>
+              <a:rPr lang="ru-RU" smtClean="0"/>
+              <a:t>под маской </a:t>
+            </a:r>
+            <a:r>
+              <a:rPr lang="en-US" smtClean="0"/>
+              <a:t>tuple_tail)</a:t>
+            </a:r>
+            <a:endParaRPr lang="en-US"/>
+          </a:p>
+        </p:txBody>
+      </p:sp>
+    </p:spTree>
+    <p:extLst>
+      <p:ext uri="{BB962C8B-B14F-4D97-AF65-F5344CB8AC3E}">
+        <p14:creationId xmlns:p14="http://schemas.microsoft.com/office/powerpoint/2010/main" val="786293213"/>
+      </p:ext>
+    </p:extLst>
+  </p:cSld>
+  <p:clrMapOvr>
+    <a:masterClrMapping/>
+  </p:clrMapOvr>
+</p:sld>
+</file>
+
+<file path=ppt/slides/slide84.xml><?xml version="1.0" encoding="utf-8"?>
+<p:sld xmlns:a="http://schemas.openxmlformats.org/drawingml/2006/main" xmlns:r="http://schemas.openxmlformats.org/officeDocument/2006/relationships" xmlns:p="http://schemas.openxmlformats.org/presentationml/2006/main">
+  <p:cSld>
+    <p:spTree>
+      <p:nvGrpSpPr>
+        <p:cNvPr id="1" name=""/>
+        <p:cNvGrpSpPr/>
+        <p:nvPr/>
+      </p:nvGrpSpPr>
+      <p:grpSpPr>
+        <a:xfrm>
+          <a:off x="0" y="0"/>
+          <a:ext cx="0" cy="0"/>
+          <a:chOff x="0" y="0"/>
+          <a:chExt cx="0" cy="0"/>
+        </a:xfrm>
+      </p:grpSpPr>
+      <p:sp>
+        <p:nvSpPr>
+          <p:cNvPr id="2" name="Title 1"/>
+          <p:cNvSpPr>
+            <a:spLocks noGrp="1"/>
+          </p:cNvSpPr>
+          <p:nvPr>
+            <p:ph type="title"/>
+          </p:nvPr>
+        </p:nvSpPr>
+        <p:spPr/>
+        <p:txBody>
+          <a:bodyPr/>
+          <a:lstStyle/>
+          <a:p>
+            <a:r>
+              <a:rPr lang="ru-RU" smtClean="0"/>
+              <a:t>План действий</a:t>
+            </a:r>
+            <a:endParaRPr lang="en-US"/>
+          </a:p>
+        </p:txBody>
+      </p:sp>
+      <p:sp>
+        <p:nvSpPr>
+          <p:cNvPr id="3" name="Content Placeholder 2"/>
+          <p:cNvSpPr>
+            <a:spLocks noGrp="1"/>
+          </p:cNvSpPr>
+          <p:nvPr>
+            <p:ph idx="1"/>
+          </p:nvPr>
+        </p:nvSpPr>
+        <p:spPr/>
+        <p:txBody>
+          <a:bodyPr/>
+          <a:lstStyle/>
+          <a:p>
+            <a:pPr>
+              <a:buFont typeface="Wingdings" panose="05000000000000000000" pitchFamily="2" charset="2"/>
+              <a:buChar char="q"/>
+            </a:pPr>
+            <a:r>
+              <a:rPr lang="ru-RU" smtClean="0"/>
+              <a:t> Получить произвольную (непрерывную) часть кортежа из целого кортежа</a:t>
+            </a:r>
+          </a:p>
+          <a:p>
+            <a:pPr marL="45720" indent="0">
+              <a:buNone/>
+            </a:pPr>
+            <a:r>
+              <a:rPr lang="en-US" smtClean="0">
+                <a:latin typeface="Consolas" panose="020B0609020204030204" pitchFamily="49" charset="0"/>
+              </a:rPr>
+              <a:t>{ 1, 1.5, 2, 2.5, 3 } </a:t>
+            </a:r>
+            <a:r>
+              <a:rPr lang="ru-RU" smtClean="0">
+                <a:latin typeface="Consolas" panose="020B0609020204030204" pitchFamily="49" charset="0"/>
+                <a:sym typeface="Symbol" panose="05050102010706020507" pitchFamily="18" charset="2"/>
+              </a:rPr>
+              <a:t></a:t>
+            </a:r>
+            <a:r>
+              <a:rPr lang="en-US" smtClean="0">
+                <a:latin typeface="Consolas" panose="020B0609020204030204" pitchFamily="49" charset="0"/>
+                <a:sym typeface="Symbol" panose="05050102010706020507" pitchFamily="18" charset="2"/>
+              </a:rPr>
+              <a:t> { 1.5, 2 }</a:t>
+            </a:r>
+            <a:endParaRPr lang="en-US" smtClean="0">
+              <a:latin typeface="Consolas" panose="020B0609020204030204" pitchFamily="49" charset="0"/>
+            </a:endParaRPr>
+          </a:p>
+          <a:p>
+            <a:pPr>
+              <a:buFont typeface="Wingdings" panose="05000000000000000000" pitchFamily="2" charset="2"/>
+              <a:buChar char="q"/>
+            </a:pPr>
+            <a:r>
+              <a:rPr lang="ru-RU" smtClean="0"/>
+              <a:t> Вращение кортежа: сделать циклическую перестановку</a:t>
+            </a:r>
+            <a:endParaRPr lang="en-US" smtClean="0"/>
+          </a:p>
+          <a:p>
+            <a:pPr marL="45720" indent="0">
+              <a:buNone/>
+            </a:pPr>
+            <a:r>
+              <a:rPr lang="en-US">
+                <a:latin typeface="Consolas" panose="020B0609020204030204" pitchFamily="49" charset="0"/>
+              </a:rPr>
+              <a:t>{ 1, 1.5, 2, 2.5</a:t>
+            </a:r>
+            <a:r>
+              <a:rPr lang="en-US">
+                <a:latin typeface="Consolas" panose="020B0609020204030204" pitchFamily="49" charset="0"/>
+              </a:rPr>
+              <a:t>, </a:t>
+            </a:r>
+            <a:r>
+              <a:rPr lang="en-US" smtClean="0">
+                <a:latin typeface="Consolas" panose="020B0609020204030204" pitchFamily="49" charset="0"/>
+              </a:rPr>
+              <a:t>3 } </a:t>
+            </a:r>
+            <a:r>
+              <a:rPr lang="ru-RU">
+                <a:latin typeface="Consolas" panose="020B0609020204030204" pitchFamily="49" charset="0"/>
+                <a:sym typeface="Symbol" panose="05050102010706020507" pitchFamily="18" charset="2"/>
+              </a:rPr>
+              <a:t></a:t>
+            </a:r>
+            <a:r>
+              <a:rPr lang="en-US">
+                <a:latin typeface="Consolas" panose="020B0609020204030204" pitchFamily="49" charset="0"/>
+                <a:sym typeface="Symbol" panose="05050102010706020507" pitchFamily="18" charset="2"/>
+              </a:rPr>
+              <a:t> </a:t>
+            </a:r>
+            <a:r>
+              <a:rPr lang="en-US">
+                <a:latin typeface="Consolas" panose="020B0609020204030204" pitchFamily="49" charset="0"/>
+                <a:sym typeface="Symbol" panose="05050102010706020507" pitchFamily="18" charset="2"/>
+              </a:rPr>
+              <a:t>{ </a:t>
+            </a:r>
+            <a:r>
+              <a:rPr lang="en-US" smtClean="0">
+                <a:latin typeface="Consolas" panose="020B0609020204030204" pitchFamily="49" charset="0"/>
+                <a:sym typeface="Symbol" panose="05050102010706020507" pitchFamily="18" charset="2"/>
+              </a:rPr>
+              <a:t>2.5</a:t>
+            </a:r>
+            <a:r>
+              <a:rPr lang="en-US">
+                <a:latin typeface="Consolas" panose="020B0609020204030204" pitchFamily="49" charset="0"/>
+                <a:sym typeface="Symbol" panose="05050102010706020507" pitchFamily="18" charset="2"/>
+              </a:rPr>
+              <a:t>, </a:t>
+            </a:r>
+            <a:r>
+              <a:rPr lang="en-US" smtClean="0">
+                <a:latin typeface="Consolas" panose="020B0609020204030204" pitchFamily="49" charset="0"/>
+                <a:sym typeface="Symbol" panose="05050102010706020507" pitchFamily="18" charset="2"/>
+              </a:rPr>
+              <a:t>3, 1, 1.5, 2 }</a:t>
+            </a:r>
+            <a:endParaRPr lang="en-US" smtClean="0"/>
+          </a:p>
+          <a:p>
+            <a:pPr>
+              <a:buFont typeface="Wingdings" panose="05000000000000000000" pitchFamily="2" charset="2"/>
+              <a:buChar char="q"/>
+            </a:pPr>
+            <a:r>
+              <a:rPr lang="ru-RU" smtClean="0"/>
+              <a:t> Из циклической перестановки сделать обмен значениями в кортеже</a:t>
+            </a:r>
+            <a:endParaRPr lang="en-US" smtClean="0"/>
+          </a:p>
+          <a:p>
+            <a:pPr marL="45720" indent="0">
+              <a:buNone/>
+            </a:pPr>
+            <a:r>
+              <a:rPr lang="en-US">
+                <a:latin typeface="Consolas" panose="020B0609020204030204" pitchFamily="49" charset="0"/>
+              </a:rPr>
+              <a:t>{ 1, 1.5, 2, 2.5</a:t>
+            </a:r>
+            <a:r>
+              <a:rPr lang="en-US">
+                <a:latin typeface="Consolas" panose="020B0609020204030204" pitchFamily="49" charset="0"/>
+              </a:rPr>
+              <a:t>, </a:t>
+            </a:r>
+            <a:r>
+              <a:rPr lang="en-US" smtClean="0">
+                <a:latin typeface="Consolas" panose="020B0609020204030204" pitchFamily="49" charset="0"/>
+              </a:rPr>
+              <a:t>3 } </a:t>
+            </a:r>
+            <a:r>
+              <a:rPr lang="ru-RU">
+                <a:latin typeface="Consolas" panose="020B0609020204030204" pitchFamily="49" charset="0"/>
+                <a:sym typeface="Symbol" panose="05050102010706020507" pitchFamily="18" charset="2"/>
+              </a:rPr>
+              <a:t></a:t>
+            </a:r>
+            <a:r>
+              <a:rPr lang="en-US">
+                <a:latin typeface="Consolas" panose="020B0609020204030204" pitchFamily="49" charset="0"/>
+                <a:sym typeface="Symbol" panose="05050102010706020507" pitchFamily="18" charset="2"/>
+              </a:rPr>
+              <a:t> </a:t>
+            </a:r>
+            <a:r>
+              <a:rPr lang="en-US">
+                <a:latin typeface="Consolas" panose="020B0609020204030204" pitchFamily="49" charset="0"/>
+                <a:sym typeface="Symbol" panose="05050102010706020507" pitchFamily="18" charset="2"/>
+              </a:rPr>
+              <a:t>{ </a:t>
+            </a:r>
+            <a:r>
+              <a:rPr lang="en-US" smtClean="0">
+                <a:latin typeface="Consolas" panose="020B0609020204030204" pitchFamily="49" charset="0"/>
+                <a:sym typeface="Symbol" panose="05050102010706020507" pitchFamily="18" charset="2"/>
+              </a:rPr>
+              <a:t>1, 2, </a:t>
+            </a:r>
+            <a:r>
+              <a:rPr lang="en-US">
+                <a:latin typeface="Consolas" panose="020B0609020204030204" pitchFamily="49" charset="0"/>
+                <a:sym typeface="Symbol" panose="05050102010706020507" pitchFamily="18" charset="2"/>
+              </a:rPr>
+              <a:t>1.5</a:t>
+            </a:r>
+            <a:r>
+              <a:rPr lang="en-US" smtClean="0">
+                <a:latin typeface="Consolas" panose="020B0609020204030204" pitchFamily="49" charset="0"/>
+                <a:sym typeface="Symbol" panose="05050102010706020507" pitchFamily="18" charset="2"/>
+              </a:rPr>
+              <a:t>, 2.5, </a:t>
+            </a:r>
+            <a:r>
+              <a:rPr lang="en-US" smtClean="0">
+                <a:latin typeface="Consolas" panose="020B0609020204030204" pitchFamily="49" charset="0"/>
+                <a:sym typeface="Symbol" panose="05050102010706020507" pitchFamily="18" charset="2"/>
+              </a:rPr>
+              <a:t>3</a:t>
+            </a:r>
+            <a:r>
+              <a:rPr lang="en-US" smtClean="0">
+                <a:latin typeface="Consolas" panose="020B0609020204030204" pitchFamily="49" charset="0"/>
+                <a:sym typeface="Symbol" panose="05050102010706020507" pitchFamily="18" charset="2"/>
+              </a:rPr>
+              <a:t> }</a:t>
+            </a:r>
+            <a:endParaRPr lang="en-US" smtClean="0"/>
+          </a:p>
+          <a:p>
+            <a:pPr>
+              <a:buFont typeface="Wingdings" panose="05000000000000000000" pitchFamily="2" charset="2"/>
+              <a:buChar char="Ø"/>
+            </a:pPr>
+            <a:r>
+              <a:rPr lang="ru-RU" smtClean="0"/>
+              <a:t> Из обмена значениями сделать перестановку</a:t>
+            </a:r>
+            <a:endParaRPr lang="en-US" smtClean="0"/>
+          </a:p>
+          <a:p>
+            <a:pPr marL="45720" indent="0">
+              <a:buNone/>
+            </a:pPr>
+            <a:r>
+              <a:rPr lang="en-US">
+                <a:latin typeface="Consolas" panose="020B0609020204030204" pitchFamily="49" charset="0"/>
+              </a:rPr>
+              <a:t>{ 1, 1.5, 2, 2.5</a:t>
+            </a:r>
+            <a:r>
+              <a:rPr lang="en-US">
+                <a:latin typeface="Consolas" panose="020B0609020204030204" pitchFamily="49" charset="0"/>
+              </a:rPr>
+              <a:t>, </a:t>
+            </a:r>
+            <a:r>
+              <a:rPr lang="en-US" smtClean="0">
+                <a:latin typeface="Consolas" panose="020B0609020204030204" pitchFamily="49" charset="0"/>
+              </a:rPr>
+              <a:t>3 } </a:t>
+            </a:r>
+            <a:r>
+              <a:rPr lang="ru-RU" smtClean="0">
+                <a:latin typeface="Consolas" panose="020B0609020204030204" pitchFamily="49" charset="0"/>
+                <a:sym typeface="Symbol" panose="05050102010706020507" pitchFamily="18" charset="2"/>
+              </a:rPr>
+              <a:t></a:t>
+            </a:r>
+            <a:r>
+              <a:rPr lang="en-US" smtClean="0">
+                <a:latin typeface="Consolas" panose="020B0609020204030204" pitchFamily="49" charset="0"/>
+                <a:sym typeface="Symbol" panose="05050102010706020507" pitchFamily="18" charset="2"/>
+              </a:rPr>
+              <a:t> </a:t>
+            </a:r>
+            <a:r>
+              <a:rPr lang="en-US" smtClean="0">
+                <a:latin typeface="Consolas" panose="020B0609020204030204" pitchFamily="49" charset="0"/>
+              </a:rPr>
+              <a:t>{ </a:t>
+            </a:r>
+            <a:r>
+              <a:rPr lang="ru-RU">
+                <a:latin typeface="Consolas" panose="020B0609020204030204" pitchFamily="49" charset="0"/>
+              </a:rPr>
+              <a:t>3</a:t>
+            </a:r>
+            <a:r>
+              <a:rPr lang="en-US">
+                <a:latin typeface="Consolas" panose="020B0609020204030204" pitchFamily="49" charset="0"/>
+              </a:rPr>
+              <a:t>, 2.5, 1, 2</a:t>
+            </a:r>
+            <a:r>
+              <a:rPr lang="en-US">
+                <a:latin typeface="Consolas" panose="020B0609020204030204" pitchFamily="49" charset="0"/>
+              </a:rPr>
+              <a:t>, </a:t>
+            </a:r>
+            <a:r>
+              <a:rPr lang="en-US" smtClean="0">
+                <a:latin typeface="Consolas" panose="020B0609020204030204" pitchFamily="49" charset="0"/>
+              </a:rPr>
+              <a:t>1.5 </a:t>
+            </a:r>
+            <a:r>
+              <a:rPr lang="en-US">
+                <a:latin typeface="Consolas" panose="020B0609020204030204" pitchFamily="49" charset="0"/>
+              </a:rPr>
+              <a:t>}</a:t>
+            </a:r>
+            <a:endParaRPr lang="en-US"/>
+          </a:p>
+        </p:txBody>
+      </p:sp>
+    </p:spTree>
+    <p:extLst>
+      <p:ext uri="{BB962C8B-B14F-4D97-AF65-F5344CB8AC3E}">
+        <p14:creationId xmlns:p14="http://schemas.microsoft.com/office/powerpoint/2010/main" val="2614850495"/>
+      </p:ext>
+    </p:extLst>
+  </p:cSld>
+  <p:clrMapOvr>
+    <a:masterClrMapping/>
+  </p:clrMapOvr>
+</p:sld>
+</file>
+
+<file path=ppt/slides/slide85.xml><?xml version="1.0" encoding="utf-8"?>
+<p:sld xmlns:a="http://schemas.openxmlformats.org/drawingml/2006/main" xmlns:r="http://schemas.openxmlformats.org/officeDocument/2006/relationships" xmlns:p="http://schemas.openxmlformats.org/presentationml/2006/main">
+  <p:cSld>
+    <p:spTree>
+      <p:nvGrpSpPr>
+        <p:cNvPr id="1" name=""/>
+        <p:cNvGrpSpPr/>
+        <p:nvPr/>
+      </p:nvGrpSpPr>
+      <p:grpSpPr>
+        <a:xfrm>
+          <a:off x="0" y="0"/>
+          <a:ext cx="0" cy="0"/>
+          <a:chOff x="0" y="0"/>
+          <a:chExt cx="0" cy="0"/>
+        </a:xfrm>
+      </p:grpSpPr>
+      <p:sp>
+        <p:nvSpPr>
+          <p:cNvPr id="2" name="Title 1"/>
+          <p:cNvSpPr>
+            <a:spLocks noGrp="1"/>
+          </p:cNvSpPr>
+          <p:nvPr>
+            <p:ph type="title"/>
+          </p:nvPr>
+        </p:nvSpPr>
+        <p:spPr/>
+        <p:txBody>
+          <a:bodyPr/>
+          <a:lstStyle/>
+          <a:p>
+            <a:r>
+              <a:rPr lang="ru-RU" smtClean="0"/>
+              <a:t>Перестановки</a:t>
+            </a:r>
+            <a:endParaRPr lang="en-US"/>
+          </a:p>
+        </p:txBody>
+      </p:sp>
+      <p:sp>
+        <p:nvSpPr>
+          <p:cNvPr id="3" name="Content Placeholder 2"/>
+          <p:cNvSpPr>
+            <a:spLocks noGrp="1"/>
+          </p:cNvSpPr>
+          <p:nvPr>
+            <p:ph idx="1"/>
+          </p:nvPr>
+        </p:nvSpPr>
+        <p:spPr/>
+        <p:txBody>
+          <a:bodyPr/>
+          <a:lstStyle/>
+          <a:p>
+            <a:r>
+              <a:rPr lang="ru-RU" smtClean="0"/>
+              <a:t>Произведение перестановок это их последовательное применение</a:t>
+            </a:r>
+          </a:p>
+          <a:p>
+            <a:pPr marL="45720" indent="0">
+              <a:buNone/>
+            </a:pPr>
+            <a:r>
+              <a:rPr lang="en-US" smtClean="0">
+                <a:latin typeface="Consolas" panose="020B0609020204030204" pitchFamily="49" charset="0"/>
+              </a:rPr>
+              <a:t>(1, 2) * (2, 3) == ?</a:t>
+            </a:r>
+          </a:p>
+          <a:p>
+            <a:pPr marL="45720" indent="0">
+              <a:buNone/>
+            </a:pPr>
+            <a:r>
+              <a:rPr lang="en-US" smtClean="0">
+                <a:latin typeface="Consolas" panose="020B0609020204030204" pitchFamily="49" charset="0"/>
+              </a:rPr>
+              <a:t>{ a, b, c }</a:t>
+            </a:r>
+            <a:r>
+              <a:rPr lang="ru-RU">
+                <a:latin typeface="Consolas" panose="020B0609020204030204" pitchFamily="49" charset="0"/>
+              </a:rPr>
+              <a:t> </a:t>
+            </a:r>
+            <a:r>
+              <a:rPr lang="ru-RU">
+                <a:latin typeface="Consolas" panose="020B0609020204030204" pitchFamily="49" charset="0"/>
+                <a:sym typeface="Symbol" panose="05050102010706020507" pitchFamily="18" charset="2"/>
+              </a:rPr>
+              <a:t></a:t>
+            </a:r>
+            <a:r>
+              <a:rPr lang="ru-RU" smtClean="0">
+                <a:latin typeface="Consolas" panose="020B0609020204030204" pitchFamily="49" charset="0"/>
+              </a:rPr>
+              <a:t> </a:t>
+            </a:r>
+            <a:r>
+              <a:rPr lang="en-US" smtClean="0">
+                <a:latin typeface="Consolas" panose="020B0609020204030204" pitchFamily="49" charset="0"/>
+              </a:rPr>
+              <a:t>(1, 2)</a:t>
+            </a:r>
+            <a:r>
+              <a:rPr lang="ru-RU" smtClean="0">
+                <a:latin typeface="Consolas" panose="020B0609020204030204" pitchFamily="49" charset="0"/>
+              </a:rPr>
+              <a:t> </a:t>
+            </a:r>
+            <a:r>
+              <a:rPr lang="ru-RU" smtClean="0">
+                <a:latin typeface="Consolas" panose="020B0609020204030204" pitchFamily="49" charset="0"/>
+                <a:sym typeface="Symbol" panose="05050102010706020507" pitchFamily="18" charset="2"/>
+              </a:rPr>
+              <a:t> </a:t>
+            </a:r>
+            <a:r>
+              <a:rPr lang="en-US" smtClean="0">
+                <a:latin typeface="Consolas" panose="020B0609020204030204" pitchFamily="49" charset="0"/>
+                <a:sym typeface="Symbol" panose="05050102010706020507" pitchFamily="18" charset="2"/>
+              </a:rPr>
+              <a:t>{ b, a, c }</a:t>
+            </a:r>
+          </a:p>
+          <a:p>
+            <a:pPr marL="45720" indent="0">
+              <a:buNone/>
+            </a:pPr>
+            <a:r>
+              <a:rPr lang="en-US" smtClean="0">
+                <a:latin typeface="Consolas" panose="020B0609020204030204" pitchFamily="49" charset="0"/>
+                <a:sym typeface="Symbol" panose="05050102010706020507" pitchFamily="18" charset="2"/>
+              </a:rPr>
+              <a:t>{ b, a, c }</a:t>
+            </a:r>
+            <a:r>
+              <a:rPr lang="ru-RU">
+                <a:latin typeface="Consolas" panose="020B0609020204030204" pitchFamily="49" charset="0"/>
+                <a:sym typeface="Symbol" panose="05050102010706020507" pitchFamily="18" charset="2"/>
+              </a:rPr>
+              <a:t> </a:t>
+            </a:r>
+            <a:r>
+              <a:rPr lang="ru-RU">
+                <a:latin typeface="Consolas" panose="020B0609020204030204" pitchFamily="49" charset="0"/>
+                <a:sym typeface="Symbol" panose="05050102010706020507" pitchFamily="18" charset="2"/>
+              </a:rPr>
+              <a:t></a:t>
+            </a:r>
+            <a:r>
+              <a:rPr lang="ru-RU">
+                <a:latin typeface="Consolas" panose="020B0609020204030204" pitchFamily="49" charset="0"/>
+              </a:rPr>
+              <a:t> </a:t>
+            </a:r>
+            <a:r>
+              <a:rPr lang="en-US" smtClean="0">
+                <a:latin typeface="Consolas" panose="020B0609020204030204" pitchFamily="49" charset="0"/>
+              </a:rPr>
+              <a:t>(2, 3)</a:t>
+            </a:r>
+            <a:r>
+              <a:rPr lang="ru-RU" smtClean="0">
+                <a:latin typeface="Consolas" panose="020B0609020204030204" pitchFamily="49" charset="0"/>
+              </a:rPr>
+              <a:t> </a:t>
+            </a:r>
+            <a:r>
+              <a:rPr lang="ru-RU">
+                <a:latin typeface="Consolas" panose="020B0609020204030204" pitchFamily="49" charset="0"/>
+                <a:sym typeface="Symbol" panose="05050102010706020507" pitchFamily="18" charset="2"/>
+              </a:rPr>
+              <a:t> </a:t>
+            </a:r>
+            <a:r>
+              <a:rPr lang="en-US" smtClean="0">
+                <a:latin typeface="Consolas" panose="020B0609020204030204" pitchFamily="49" charset="0"/>
+                <a:sym typeface="Symbol" panose="05050102010706020507" pitchFamily="18" charset="2"/>
+              </a:rPr>
+              <a:t>{ b, c, a }</a:t>
+            </a:r>
+          </a:p>
+          <a:p>
+            <a:pPr marL="45720" indent="0">
+              <a:buNone/>
+            </a:pPr>
+            <a:r>
+              <a:rPr lang="en-US">
+                <a:latin typeface="Consolas" panose="020B0609020204030204" pitchFamily="49" charset="0"/>
+              </a:rPr>
+              <a:t>{ a, b, </a:t>
+            </a:r>
+            <a:r>
+              <a:rPr lang="en-US">
+                <a:latin typeface="Consolas" panose="020B0609020204030204" pitchFamily="49" charset="0"/>
+              </a:rPr>
+              <a:t>c </a:t>
+            </a:r>
+            <a:r>
+              <a:rPr lang="en-US" smtClean="0">
+                <a:latin typeface="Consolas" panose="020B0609020204030204" pitchFamily="49" charset="0"/>
+              </a:rPr>
+              <a:t>} </a:t>
+            </a:r>
+            <a:r>
+              <a:rPr lang="ru-RU">
+                <a:latin typeface="Consolas" panose="020B0609020204030204" pitchFamily="49" charset="0"/>
+                <a:sym typeface="Symbol" panose="05050102010706020507" pitchFamily="18" charset="2"/>
+              </a:rPr>
+              <a:t></a:t>
+            </a:r>
+            <a:r>
+              <a:rPr lang="ru-RU">
+                <a:latin typeface="Consolas" panose="020B0609020204030204" pitchFamily="49" charset="0"/>
+              </a:rPr>
+              <a:t> </a:t>
+            </a:r>
+            <a:r>
+              <a:rPr lang="en-US">
+                <a:latin typeface="Consolas" panose="020B0609020204030204" pitchFamily="49" charset="0"/>
+              </a:rPr>
+              <a:t>(1, </a:t>
+            </a:r>
+            <a:r>
+              <a:rPr lang="en-US">
+                <a:latin typeface="Consolas" panose="020B0609020204030204" pitchFamily="49" charset="0"/>
+              </a:rPr>
+              <a:t>2</a:t>
+            </a:r>
+            <a:r>
+              <a:rPr lang="en-US" smtClean="0">
+                <a:latin typeface="Consolas" panose="020B0609020204030204" pitchFamily="49" charset="0"/>
+              </a:rPr>
+              <a:t>) * (2, 3) </a:t>
+            </a:r>
+            <a:r>
+              <a:rPr lang="ru-RU" smtClean="0">
+                <a:latin typeface="Consolas" panose="020B0609020204030204" pitchFamily="49" charset="0"/>
+                <a:sym typeface="Symbol" panose="05050102010706020507" pitchFamily="18" charset="2"/>
+              </a:rPr>
+              <a:t></a:t>
+            </a:r>
+            <a:r>
+              <a:rPr lang="en-US" smtClean="0">
+                <a:latin typeface="Consolas" panose="020B0609020204030204" pitchFamily="49" charset="0"/>
+                <a:sym typeface="Symbol" panose="05050102010706020507" pitchFamily="18" charset="2"/>
+              </a:rPr>
+              <a:t> </a:t>
+            </a:r>
+            <a:r>
+              <a:rPr lang="en-US">
+                <a:latin typeface="Consolas" panose="020B0609020204030204" pitchFamily="49" charset="0"/>
+                <a:sym typeface="Symbol" panose="05050102010706020507" pitchFamily="18" charset="2"/>
+              </a:rPr>
+              <a:t>{ b, c, </a:t>
+            </a:r>
+            <a:r>
+              <a:rPr lang="en-US">
+                <a:latin typeface="Consolas" panose="020B0609020204030204" pitchFamily="49" charset="0"/>
+                <a:sym typeface="Symbol" panose="05050102010706020507" pitchFamily="18" charset="2"/>
+              </a:rPr>
+              <a:t>a </a:t>
+            </a:r>
+            <a:r>
+              <a:rPr lang="en-US" smtClean="0">
+                <a:latin typeface="Consolas" panose="020B0609020204030204" pitchFamily="49" charset="0"/>
+                <a:sym typeface="Symbol" panose="05050102010706020507" pitchFamily="18" charset="2"/>
+              </a:rPr>
+              <a:t>}</a:t>
+            </a:r>
+          </a:p>
+          <a:p>
+            <a:pPr marL="45720" indent="0">
+              <a:buNone/>
+            </a:pPr>
+            <a:r>
+              <a:rPr lang="en-US" smtClean="0">
+                <a:solidFill>
+                  <a:srgbClr val="0000FF"/>
+                </a:solidFill>
+                <a:latin typeface="Consolas" panose="020B0609020204030204" pitchFamily="49" charset="0"/>
+              </a:rPr>
+              <a:t>(</a:t>
+            </a:r>
+            <a:r>
+              <a:rPr lang="en-US">
+                <a:solidFill>
+                  <a:srgbClr val="0000FF"/>
+                </a:solidFill>
+                <a:latin typeface="Consolas" panose="020B0609020204030204" pitchFamily="49" charset="0"/>
+              </a:rPr>
+              <a:t>1, 2) * (2, 3) </a:t>
+            </a:r>
+            <a:r>
+              <a:rPr lang="en-US">
+                <a:solidFill>
+                  <a:srgbClr val="0000FF"/>
+                </a:solidFill>
+                <a:latin typeface="Consolas" panose="020B0609020204030204" pitchFamily="49" charset="0"/>
+              </a:rPr>
+              <a:t>== </a:t>
+            </a:r>
+            <a:r>
+              <a:rPr lang="ru-RU" smtClean="0">
+                <a:solidFill>
+                  <a:srgbClr val="0000FF"/>
+                </a:solidFill>
+                <a:latin typeface="Consolas" panose="020B0609020204030204" pitchFamily="49" charset="0"/>
+              </a:rPr>
+              <a:t>(1</a:t>
+            </a:r>
+            <a:r>
+              <a:rPr lang="en-US" smtClean="0">
+                <a:solidFill>
+                  <a:srgbClr val="0000FF"/>
+                </a:solidFill>
+                <a:latin typeface="Consolas" panose="020B0609020204030204" pitchFamily="49" charset="0"/>
+              </a:rPr>
+              <a:t>,</a:t>
+            </a:r>
+            <a:r>
+              <a:rPr lang="ru-RU" smtClean="0">
+                <a:solidFill>
+                  <a:srgbClr val="0000FF"/>
+                </a:solidFill>
+                <a:latin typeface="Consolas" panose="020B0609020204030204" pitchFamily="49" charset="0"/>
+              </a:rPr>
+              <a:t> 3</a:t>
+            </a:r>
+            <a:r>
+              <a:rPr lang="en-US" smtClean="0">
+                <a:solidFill>
+                  <a:srgbClr val="0000FF"/>
+                </a:solidFill>
+                <a:latin typeface="Consolas" panose="020B0609020204030204" pitchFamily="49" charset="0"/>
+              </a:rPr>
+              <a:t>,</a:t>
+            </a:r>
+            <a:r>
+              <a:rPr lang="ru-RU" smtClean="0">
+                <a:solidFill>
+                  <a:srgbClr val="0000FF"/>
+                </a:solidFill>
+                <a:latin typeface="Consolas" panose="020B0609020204030204" pitchFamily="49" charset="0"/>
+              </a:rPr>
+              <a:t> 2)</a:t>
+            </a:r>
+            <a:endParaRPr lang="en-US" smtClean="0">
+              <a:solidFill>
+                <a:srgbClr val="0000FF"/>
+              </a:solidFill>
+              <a:latin typeface="Consolas" panose="020B0609020204030204" pitchFamily="49" charset="0"/>
+            </a:endParaRPr>
+          </a:p>
+          <a:p>
+            <a:r>
+              <a:rPr lang="ru-RU" smtClean="0"/>
+              <a:t>Упражнение</a:t>
+            </a:r>
+          </a:p>
+          <a:p>
+            <a:pPr marL="45720" indent="0">
+              <a:buNone/>
+            </a:pPr>
+            <a:r>
+              <a:rPr lang="en-US">
+                <a:latin typeface="Consolas" panose="020B0609020204030204" pitchFamily="49" charset="0"/>
+              </a:rPr>
+              <a:t>(1</a:t>
+            </a:r>
+            <a:r>
+              <a:rPr lang="en-US">
+                <a:latin typeface="Consolas" panose="020B0609020204030204" pitchFamily="49" charset="0"/>
+              </a:rPr>
+              <a:t>, </a:t>
+            </a:r>
+            <a:r>
+              <a:rPr lang="en-US" smtClean="0">
+                <a:latin typeface="Consolas" panose="020B0609020204030204" pitchFamily="49" charset="0"/>
+              </a:rPr>
+              <a:t>3, 2) </a:t>
+            </a:r>
+            <a:r>
+              <a:rPr lang="en-US">
+                <a:latin typeface="Consolas" panose="020B0609020204030204" pitchFamily="49" charset="0"/>
+              </a:rPr>
+              <a:t>* </a:t>
+            </a:r>
+            <a:r>
+              <a:rPr lang="en-US" smtClean="0">
+                <a:latin typeface="Consolas" panose="020B0609020204030204" pitchFamily="49" charset="0"/>
+              </a:rPr>
+              <a:t>(1, 2) </a:t>
+            </a:r>
+            <a:r>
+              <a:rPr lang="en-US">
+                <a:latin typeface="Consolas" panose="020B0609020204030204" pitchFamily="49" charset="0"/>
+              </a:rPr>
+              <a:t>== </a:t>
+            </a:r>
+            <a:r>
+              <a:rPr lang="en-US" smtClean="0">
+                <a:latin typeface="Consolas" panose="020B0609020204030204" pitchFamily="49" charset="0"/>
+              </a:rPr>
+              <a:t>?</a:t>
+            </a:r>
+            <a:endParaRPr lang="en-US">
+              <a:latin typeface="Consolas" panose="020B0609020204030204" pitchFamily="49" charset="0"/>
+            </a:endParaRPr>
+          </a:p>
+        </p:txBody>
+      </p:sp>
+    </p:spTree>
+    <p:extLst>
+      <p:ext uri="{BB962C8B-B14F-4D97-AF65-F5344CB8AC3E}">
+        <p14:creationId xmlns:p14="http://schemas.microsoft.com/office/powerpoint/2010/main" val="293130267"/>
+      </p:ext>
+    </p:extLst>
+  </p:cSld>
+  <p:clrMapOvr>
+    <a:masterClrMapping/>
+  </p:clrMapOvr>
+</p:sld>
+</file>
+
+<file path=ppt/slides/slide86.xml><?xml version="1.0" encoding="utf-8"?>
+<p:sld xmlns:a="http://schemas.openxmlformats.org/drawingml/2006/main" xmlns:r="http://schemas.openxmlformats.org/officeDocument/2006/relationships" xmlns:p="http://schemas.openxmlformats.org/presentationml/2006/main">
+  <p:cSld>
+    <p:spTree>
+      <p:nvGrpSpPr>
+        <p:cNvPr id="1" name=""/>
+        <p:cNvGrpSpPr/>
+        <p:nvPr/>
+      </p:nvGrpSpPr>
+      <p:grpSpPr>
+        <a:xfrm>
+          <a:off x="0" y="0"/>
+          <a:ext cx="0" cy="0"/>
+          <a:chOff x="0" y="0"/>
+          <a:chExt cx="0" cy="0"/>
+        </a:xfrm>
+      </p:grpSpPr>
+      <p:sp>
+        <p:nvSpPr>
+          <p:cNvPr id="2" name="Title 1"/>
+          <p:cNvSpPr>
+            <a:spLocks noGrp="1"/>
+          </p:cNvSpPr>
+          <p:nvPr>
+            <p:ph type="title"/>
+          </p:nvPr>
+        </p:nvSpPr>
+        <p:spPr/>
+        <p:txBody>
+          <a:bodyPr/>
+          <a:lstStyle/>
+          <a:p>
+            <a:r>
+              <a:rPr lang="ru-RU" smtClean="0"/>
+              <a:t>Перестановки</a:t>
+            </a:r>
+            <a:endParaRPr lang="en-US"/>
+          </a:p>
+        </p:txBody>
+      </p:sp>
+      <p:sp>
+        <p:nvSpPr>
+          <p:cNvPr id="3" name="Content Placeholder 2"/>
+          <p:cNvSpPr>
+            <a:spLocks noGrp="1"/>
+          </p:cNvSpPr>
+          <p:nvPr>
+            <p:ph idx="1"/>
+          </p:nvPr>
+        </p:nvSpPr>
+        <p:spPr/>
+        <p:txBody>
+          <a:bodyPr/>
+          <a:lstStyle/>
+          <a:p>
+            <a:r>
+              <a:rPr lang="ru-RU" smtClean="0"/>
+              <a:t>Произведение перестановок это их последовательное применение</a:t>
+            </a:r>
+          </a:p>
+          <a:p>
+            <a:pPr marL="45720" indent="0">
+              <a:buNone/>
+            </a:pPr>
+            <a:r>
+              <a:rPr lang="en-US" smtClean="0">
+                <a:latin typeface="Consolas" panose="020B0609020204030204" pitchFamily="49" charset="0"/>
+              </a:rPr>
+              <a:t>(1, 2) * (2, 3) == ?</a:t>
+            </a:r>
+          </a:p>
+          <a:p>
+            <a:pPr marL="45720" indent="0">
+              <a:buNone/>
+            </a:pPr>
+            <a:r>
+              <a:rPr lang="en-US" smtClean="0">
+                <a:latin typeface="Consolas" panose="020B0609020204030204" pitchFamily="49" charset="0"/>
+              </a:rPr>
+              <a:t>{ a, b, c }</a:t>
+            </a:r>
+            <a:r>
+              <a:rPr lang="ru-RU">
+                <a:latin typeface="Consolas" panose="020B0609020204030204" pitchFamily="49" charset="0"/>
+              </a:rPr>
+              <a:t> </a:t>
+            </a:r>
+            <a:r>
+              <a:rPr lang="ru-RU">
+                <a:latin typeface="Consolas" panose="020B0609020204030204" pitchFamily="49" charset="0"/>
+                <a:sym typeface="Symbol" panose="05050102010706020507" pitchFamily="18" charset="2"/>
+              </a:rPr>
+              <a:t></a:t>
+            </a:r>
+            <a:r>
+              <a:rPr lang="ru-RU" smtClean="0">
+                <a:latin typeface="Consolas" panose="020B0609020204030204" pitchFamily="49" charset="0"/>
+              </a:rPr>
+              <a:t> </a:t>
+            </a:r>
+            <a:r>
+              <a:rPr lang="en-US" smtClean="0">
+                <a:latin typeface="Consolas" panose="020B0609020204030204" pitchFamily="49" charset="0"/>
+              </a:rPr>
+              <a:t>(1, 2)</a:t>
+            </a:r>
+            <a:r>
+              <a:rPr lang="ru-RU" smtClean="0">
+                <a:latin typeface="Consolas" panose="020B0609020204030204" pitchFamily="49" charset="0"/>
+              </a:rPr>
+              <a:t> </a:t>
+            </a:r>
+            <a:r>
+              <a:rPr lang="ru-RU" smtClean="0">
+                <a:latin typeface="Consolas" panose="020B0609020204030204" pitchFamily="49" charset="0"/>
+                <a:sym typeface="Symbol" panose="05050102010706020507" pitchFamily="18" charset="2"/>
+              </a:rPr>
+              <a:t> </a:t>
+            </a:r>
+            <a:r>
+              <a:rPr lang="en-US" smtClean="0">
+                <a:latin typeface="Consolas" panose="020B0609020204030204" pitchFamily="49" charset="0"/>
+                <a:sym typeface="Symbol" panose="05050102010706020507" pitchFamily="18" charset="2"/>
+              </a:rPr>
+              <a:t>{ b, a, c }</a:t>
+            </a:r>
+          </a:p>
+          <a:p>
+            <a:pPr marL="45720" indent="0">
+              <a:buNone/>
+            </a:pPr>
+            <a:r>
+              <a:rPr lang="en-US" smtClean="0">
+                <a:latin typeface="Consolas" panose="020B0609020204030204" pitchFamily="49" charset="0"/>
+                <a:sym typeface="Symbol" panose="05050102010706020507" pitchFamily="18" charset="2"/>
+              </a:rPr>
+              <a:t>{ b, a, c }</a:t>
+            </a:r>
+            <a:r>
+              <a:rPr lang="ru-RU">
+                <a:latin typeface="Consolas" panose="020B0609020204030204" pitchFamily="49" charset="0"/>
+                <a:sym typeface="Symbol" panose="05050102010706020507" pitchFamily="18" charset="2"/>
+              </a:rPr>
+              <a:t> </a:t>
+            </a:r>
+            <a:r>
+              <a:rPr lang="ru-RU">
+                <a:latin typeface="Consolas" panose="020B0609020204030204" pitchFamily="49" charset="0"/>
+                <a:sym typeface="Symbol" panose="05050102010706020507" pitchFamily="18" charset="2"/>
+              </a:rPr>
+              <a:t></a:t>
+            </a:r>
+            <a:r>
+              <a:rPr lang="ru-RU">
+                <a:latin typeface="Consolas" panose="020B0609020204030204" pitchFamily="49" charset="0"/>
+              </a:rPr>
+              <a:t> </a:t>
+            </a:r>
+            <a:r>
+              <a:rPr lang="en-US" smtClean="0">
+                <a:latin typeface="Consolas" panose="020B0609020204030204" pitchFamily="49" charset="0"/>
+              </a:rPr>
+              <a:t>(2, 3)</a:t>
+            </a:r>
+            <a:r>
+              <a:rPr lang="ru-RU" smtClean="0">
+                <a:latin typeface="Consolas" panose="020B0609020204030204" pitchFamily="49" charset="0"/>
+              </a:rPr>
+              <a:t> </a:t>
+            </a:r>
+            <a:r>
+              <a:rPr lang="ru-RU">
+                <a:latin typeface="Consolas" panose="020B0609020204030204" pitchFamily="49" charset="0"/>
+                <a:sym typeface="Symbol" panose="05050102010706020507" pitchFamily="18" charset="2"/>
+              </a:rPr>
+              <a:t> </a:t>
+            </a:r>
+            <a:r>
+              <a:rPr lang="en-US" smtClean="0">
+                <a:latin typeface="Consolas" panose="020B0609020204030204" pitchFamily="49" charset="0"/>
+                <a:sym typeface="Symbol" panose="05050102010706020507" pitchFamily="18" charset="2"/>
+              </a:rPr>
+              <a:t>{ b, c, a }</a:t>
+            </a:r>
+          </a:p>
+          <a:p>
+            <a:pPr marL="45720" indent="0">
+              <a:buNone/>
+            </a:pPr>
+            <a:r>
+              <a:rPr lang="en-US">
+                <a:latin typeface="Consolas" panose="020B0609020204030204" pitchFamily="49" charset="0"/>
+              </a:rPr>
+              <a:t>{ a, b, </a:t>
+            </a:r>
+            <a:r>
+              <a:rPr lang="en-US">
+                <a:latin typeface="Consolas" panose="020B0609020204030204" pitchFamily="49" charset="0"/>
+              </a:rPr>
+              <a:t>c </a:t>
+            </a:r>
+            <a:r>
+              <a:rPr lang="en-US" smtClean="0">
+                <a:latin typeface="Consolas" panose="020B0609020204030204" pitchFamily="49" charset="0"/>
+              </a:rPr>
+              <a:t>} </a:t>
+            </a:r>
+            <a:r>
+              <a:rPr lang="ru-RU">
+                <a:latin typeface="Consolas" panose="020B0609020204030204" pitchFamily="49" charset="0"/>
+                <a:sym typeface="Symbol" panose="05050102010706020507" pitchFamily="18" charset="2"/>
+              </a:rPr>
+              <a:t></a:t>
+            </a:r>
+            <a:r>
+              <a:rPr lang="ru-RU">
+                <a:latin typeface="Consolas" panose="020B0609020204030204" pitchFamily="49" charset="0"/>
+              </a:rPr>
+              <a:t> </a:t>
+            </a:r>
+            <a:r>
+              <a:rPr lang="en-US">
+                <a:latin typeface="Consolas" panose="020B0609020204030204" pitchFamily="49" charset="0"/>
+              </a:rPr>
+              <a:t>(1, </a:t>
+            </a:r>
+            <a:r>
+              <a:rPr lang="en-US">
+                <a:latin typeface="Consolas" panose="020B0609020204030204" pitchFamily="49" charset="0"/>
+              </a:rPr>
+              <a:t>2</a:t>
+            </a:r>
+            <a:r>
+              <a:rPr lang="en-US" smtClean="0">
+                <a:latin typeface="Consolas" panose="020B0609020204030204" pitchFamily="49" charset="0"/>
+              </a:rPr>
+              <a:t>) * (2, 3) </a:t>
+            </a:r>
+            <a:r>
+              <a:rPr lang="ru-RU" smtClean="0">
+                <a:latin typeface="Consolas" panose="020B0609020204030204" pitchFamily="49" charset="0"/>
+                <a:sym typeface="Symbol" panose="05050102010706020507" pitchFamily="18" charset="2"/>
+              </a:rPr>
+              <a:t></a:t>
+            </a:r>
+            <a:r>
+              <a:rPr lang="en-US" smtClean="0">
+                <a:latin typeface="Consolas" panose="020B0609020204030204" pitchFamily="49" charset="0"/>
+                <a:sym typeface="Symbol" panose="05050102010706020507" pitchFamily="18" charset="2"/>
+              </a:rPr>
+              <a:t> </a:t>
+            </a:r>
+            <a:r>
+              <a:rPr lang="en-US">
+                <a:latin typeface="Consolas" panose="020B0609020204030204" pitchFamily="49" charset="0"/>
+                <a:sym typeface="Symbol" panose="05050102010706020507" pitchFamily="18" charset="2"/>
+              </a:rPr>
+              <a:t>{ b, c, </a:t>
+            </a:r>
+            <a:r>
+              <a:rPr lang="en-US">
+                <a:latin typeface="Consolas" panose="020B0609020204030204" pitchFamily="49" charset="0"/>
+                <a:sym typeface="Symbol" panose="05050102010706020507" pitchFamily="18" charset="2"/>
+              </a:rPr>
+              <a:t>a </a:t>
+            </a:r>
+            <a:r>
+              <a:rPr lang="en-US" smtClean="0">
+                <a:latin typeface="Consolas" panose="020B0609020204030204" pitchFamily="49" charset="0"/>
+                <a:sym typeface="Symbol" panose="05050102010706020507" pitchFamily="18" charset="2"/>
+              </a:rPr>
+              <a:t>}</a:t>
+            </a:r>
+          </a:p>
+          <a:p>
+            <a:pPr marL="45720" indent="0">
+              <a:buNone/>
+            </a:pPr>
+            <a:r>
+              <a:rPr lang="en-US" smtClean="0">
+                <a:latin typeface="Consolas" panose="020B0609020204030204" pitchFamily="49" charset="0"/>
+              </a:rPr>
+              <a:t>(</a:t>
+            </a:r>
+            <a:r>
+              <a:rPr lang="en-US">
+                <a:latin typeface="Consolas" panose="020B0609020204030204" pitchFamily="49" charset="0"/>
+              </a:rPr>
+              <a:t>1, 2) * (2, 3) </a:t>
+            </a:r>
+            <a:r>
+              <a:rPr lang="en-US">
+                <a:latin typeface="Consolas" panose="020B0609020204030204" pitchFamily="49" charset="0"/>
+              </a:rPr>
+              <a:t>== </a:t>
+            </a:r>
+            <a:r>
+              <a:rPr lang="ru-RU" smtClean="0">
+                <a:latin typeface="Consolas" panose="020B0609020204030204" pitchFamily="49" charset="0"/>
+              </a:rPr>
+              <a:t>(1</a:t>
+            </a:r>
+            <a:r>
+              <a:rPr lang="en-US" smtClean="0">
+                <a:latin typeface="Consolas" panose="020B0609020204030204" pitchFamily="49" charset="0"/>
+              </a:rPr>
+              <a:t>,</a:t>
+            </a:r>
+            <a:r>
+              <a:rPr lang="ru-RU" smtClean="0">
+                <a:latin typeface="Consolas" panose="020B0609020204030204" pitchFamily="49" charset="0"/>
+              </a:rPr>
+              <a:t> 3</a:t>
+            </a:r>
+            <a:r>
+              <a:rPr lang="en-US" smtClean="0">
+                <a:latin typeface="Consolas" panose="020B0609020204030204" pitchFamily="49" charset="0"/>
+              </a:rPr>
+              <a:t>,</a:t>
+            </a:r>
+            <a:r>
+              <a:rPr lang="ru-RU" smtClean="0">
+                <a:latin typeface="Consolas" panose="020B0609020204030204" pitchFamily="49" charset="0"/>
+              </a:rPr>
+              <a:t> 2)</a:t>
+            </a:r>
+            <a:endParaRPr lang="en-US" smtClean="0">
+              <a:latin typeface="Consolas" panose="020B0609020204030204" pitchFamily="49" charset="0"/>
+            </a:endParaRPr>
+          </a:p>
+          <a:p>
+            <a:r>
+              <a:rPr lang="ru-RU" smtClean="0"/>
+              <a:t>Упражнение</a:t>
+            </a:r>
+          </a:p>
+          <a:p>
+            <a:pPr marL="45720" indent="0">
+              <a:buNone/>
+            </a:pPr>
+            <a:r>
+              <a:rPr lang="en-US">
+                <a:latin typeface="Consolas" panose="020B0609020204030204" pitchFamily="49" charset="0"/>
+              </a:rPr>
+              <a:t>(1</a:t>
+            </a:r>
+            <a:r>
+              <a:rPr lang="en-US">
+                <a:latin typeface="Consolas" panose="020B0609020204030204" pitchFamily="49" charset="0"/>
+              </a:rPr>
+              <a:t>, </a:t>
+            </a:r>
+            <a:r>
+              <a:rPr lang="en-US" smtClean="0">
+                <a:latin typeface="Consolas" panose="020B0609020204030204" pitchFamily="49" charset="0"/>
+              </a:rPr>
+              <a:t>3, 2) </a:t>
+            </a:r>
+            <a:r>
+              <a:rPr lang="en-US">
+                <a:latin typeface="Consolas" panose="020B0609020204030204" pitchFamily="49" charset="0"/>
+              </a:rPr>
+              <a:t>* </a:t>
+            </a:r>
+            <a:r>
+              <a:rPr lang="en-US" smtClean="0">
+                <a:latin typeface="Consolas" panose="020B0609020204030204" pitchFamily="49" charset="0"/>
+              </a:rPr>
+              <a:t>(1, 2) </a:t>
+            </a:r>
+            <a:r>
+              <a:rPr lang="en-US">
+                <a:latin typeface="Consolas" panose="020B0609020204030204" pitchFamily="49" charset="0"/>
+              </a:rPr>
+              <a:t>== </a:t>
+            </a:r>
+            <a:r>
+              <a:rPr lang="en-US" smtClean="0">
+                <a:solidFill>
+                  <a:srgbClr val="0000FF"/>
+                </a:solidFill>
+                <a:latin typeface="Consolas" panose="020B0609020204030204" pitchFamily="49" charset="0"/>
+              </a:rPr>
+              <a:t>(1, 3)</a:t>
+            </a:r>
+            <a:endParaRPr lang="en-US">
+              <a:solidFill>
+                <a:srgbClr val="0000FF"/>
+              </a:solidFill>
+              <a:latin typeface="Consolas" panose="020B0609020204030204" pitchFamily="49" charset="0"/>
+            </a:endParaRPr>
+          </a:p>
+        </p:txBody>
+      </p:sp>
+    </p:spTree>
+    <p:extLst>
+      <p:ext uri="{BB962C8B-B14F-4D97-AF65-F5344CB8AC3E}">
+        <p14:creationId xmlns:p14="http://schemas.microsoft.com/office/powerpoint/2010/main" val="1516254568"/>
+      </p:ext>
+    </p:extLst>
+  </p:cSld>
+  <p:clrMapOvr>
+    <a:masterClrMapping/>
+  </p:clrMapOvr>
+</p:sld>
+</file>
+
+<file path=ppt/slides/slide87.xml><?xml version="1.0" encoding="utf-8"?>
+<p:sld xmlns:a="http://schemas.openxmlformats.org/drawingml/2006/main" xmlns:r="http://schemas.openxmlformats.org/officeDocument/2006/relationships" xmlns:p="http://schemas.openxmlformats.org/presentationml/2006/main">
+  <p:cSld>
+    <p:spTree>
+      <p:nvGrpSpPr>
+        <p:cNvPr id="1" name=""/>
+        <p:cNvGrpSpPr/>
+        <p:nvPr/>
+      </p:nvGrpSpPr>
+      <p:grpSpPr>
+        <a:xfrm>
+          <a:off x="0" y="0"/>
+          <a:ext cx="0" cy="0"/>
+          <a:chOff x="0" y="0"/>
+          <a:chExt cx="0" cy="0"/>
+        </a:xfrm>
+      </p:grpSpPr>
+      <p:sp>
+        <p:nvSpPr>
+          <p:cNvPr id="2" name="Title 1"/>
+          <p:cNvSpPr>
+            <a:spLocks noGrp="1"/>
+          </p:cNvSpPr>
+          <p:nvPr>
+            <p:ph type="title"/>
+          </p:nvPr>
+        </p:nvSpPr>
+        <p:spPr/>
+        <p:txBody>
+          <a:bodyPr/>
+          <a:lstStyle/>
+          <a:p>
+            <a:r>
+              <a:rPr lang="ru-RU" smtClean="0"/>
+              <a:t>Перестановки</a:t>
+            </a:r>
+            <a:endParaRPr lang="en-US"/>
+          </a:p>
+        </p:txBody>
+      </p:sp>
+      <p:sp>
+        <p:nvSpPr>
+          <p:cNvPr id="3" name="Content Placeholder 2"/>
+          <p:cNvSpPr>
+            <a:spLocks noGrp="1"/>
+          </p:cNvSpPr>
+          <p:nvPr>
+            <p:ph idx="1"/>
+          </p:nvPr>
+        </p:nvSpPr>
+        <p:spPr>
+          <a:xfrm>
+            <a:off x="1143000" y="2057400"/>
+            <a:ext cx="10323576" cy="4038600"/>
+          </a:xfrm>
+        </p:spPr>
+        <p:txBody>
+          <a:bodyPr/>
+          <a:lstStyle/>
+          <a:p>
+            <a:r>
+              <a:rPr lang="ru-RU" smtClean="0"/>
+              <a:t>Основное математическое наблюдение:</a:t>
+            </a:r>
+          </a:p>
+          <a:p>
+            <a:pPr marL="45720" indent="0">
+              <a:buNone/>
+            </a:pPr>
+            <a:r>
+              <a:rPr lang="en-US" smtClean="0">
+                <a:latin typeface="Consolas" panose="020B0609020204030204" pitchFamily="49" charset="0"/>
+              </a:rPr>
+              <a:t>(x1, x2, x3, x4, ...) == (x1, x2) * (x1, x3, x4, ...)</a:t>
+            </a:r>
+            <a:endParaRPr lang="ru-RU" smtClean="0">
+              <a:latin typeface="Consolas" panose="020B0609020204030204" pitchFamily="49" charset="0"/>
+            </a:endParaRPr>
+          </a:p>
+          <a:p>
+            <a:r>
+              <a:rPr lang="ru-RU" smtClean="0"/>
+              <a:t>Позволяет написать код</a:t>
+            </a:r>
+            <a:endParaRPr lang="en-US" smtClean="0"/>
+          </a:p>
+          <a:p>
+            <a:pPr marL="45720" indent="0">
+              <a:buNone/>
+            </a:pPr>
+            <a:r>
+              <a:rPr lang="en-US" sz="2000">
+                <a:latin typeface="Consolas" panose="020B0609020204030204" pitchFamily="49" charset="0"/>
+              </a:rPr>
+              <a:t>template&lt;size_t I, size_t J, size_t... Is, typename </a:t>
+            </a:r>
+            <a:r>
+              <a:rPr lang="en-US" sz="2000">
+                <a:latin typeface="Consolas" panose="020B0609020204030204" pitchFamily="49" charset="0"/>
+              </a:rPr>
+              <a:t>Tuple</a:t>
+            </a:r>
+            <a:r>
+              <a:rPr lang="en-US" sz="2000" smtClean="0">
+                <a:latin typeface="Consolas" panose="020B0609020204030204" pitchFamily="49" charset="0"/>
+              </a:rPr>
+              <a:t>&gt;</a:t>
+            </a:r>
+            <a:br>
+              <a:rPr lang="en-US" sz="2000" smtClean="0">
+                <a:latin typeface="Consolas" panose="020B0609020204030204" pitchFamily="49" charset="0"/>
+              </a:rPr>
+            </a:br>
+            <a:r>
+              <a:rPr lang="en-US" sz="2000" smtClean="0">
+                <a:latin typeface="Consolas" panose="020B0609020204030204" pitchFamily="49" charset="0"/>
+              </a:rPr>
+              <a:t>constexpr </a:t>
+            </a:r>
+            <a:r>
+              <a:rPr lang="en-US" sz="2000">
+                <a:latin typeface="Consolas" panose="020B0609020204030204" pitchFamily="49" charset="0"/>
+              </a:rPr>
+              <a:t>auto permute_elts (Tuple &amp;&amp;t</a:t>
+            </a:r>
+            <a:r>
+              <a:rPr lang="en-US" sz="2000">
+                <a:latin typeface="Consolas" panose="020B0609020204030204" pitchFamily="49" charset="0"/>
+              </a:rPr>
+              <a:t>) </a:t>
+            </a:r>
+            <a:r>
+              <a:rPr lang="en-US" sz="2000" smtClean="0">
+                <a:latin typeface="Consolas" panose="020B0609020204030204" pitchFamily="49" charset="0"/>
+              </a:rPr>
+              <a:t>{</a:t>
+            </a:r>
+            <a:br>
+              <a:rPr lang="en-US" sz="2000" smtClean="0">
+                <a:latin typeface="Consolas" panose="020B0609020204030204" pitchFamily="49" charset="0"/>
+              </a:rPr>
+            </a:br>
+            <a:r>
+              <a:rPr lang="en-US" sz="2000" smtClean="0">
+                <a:latin typeface="Consolas" panose="020B0609020204030204" pitchFamily="49" charset="0"/>
+              </a:rPr>
+              <a:t>  </a:t>
+            </a:r>
+            <a:r>
+              <a:rPr lang="en-US" sz="2000">
+                <a:latin typeface="Consolas" panose="020B0609020204030204" pitchFamily="49" charset="0"/>
+              </a:rPr>
+              <a:t>if constexpr(sizeof...(Is) &gt; 0</a:t>
+            </a:r>
+            <a:r>
+              <a:rPr lang="en-US" sz="2000">
+                <a:latin typeface="Consolas" panose="020B0609020204030204" pitchFamily="49" charset="0"/>
+              </a:rPr>
+              <a:t>) </a:t>
+            </a:r>
+            <a:r>
+              <a:rPr lang="en-US" sz="2000" smtClean="0">
+                <a:latin typeface="Consolas" panose="020B0609020204030204" pitchFamily="49" charset="0"/>
+              </a:rPr>
+              <a:t>{</a:t>
+            </a:r>
+            <a:br>
+              <a:rPr lang="en-US" sz="2000" smtClean="0">
+                <a:latin typeface="Consolas" panose="020B0609020204030204" pitchFamily="49" charset="0"/>
+              </a:rPr>
+            </a:br>
+            <a:r>
+              <a:rPr lang="en-US" sz="2000" smtClean="0">
+                <a:latin typeface="Consolas" panose="020B0609020204030204" pitchFamily="49" charset="0"/>
+              </a:rPr>
+              <a:t>    </a:t>
+            </a:r>
+            <a:r>
+              <a:rPr lang="en-US" sz="2000">
+                <a:latin typeface="Consolas" panose="020B0609020204030204" pitchFamily="49" charset="0"/>
+              </a:rPr>
+              <a:t>return permute_elts&lt;I, Is...&gt;(</a:t>
+            </a:r>
+            <a:r>
+              <a:rPr lang="en-US" sz="2000">
+                <a:solidFill>
+                  <a:srgbClr val="0000FF"/>
+                </a:solidFill>
+                <a:latin typeface="Consolas" panose="020B0609020204030204" pitchFamily="49" charset="0"/>
+              </a:rPr>
+              <a:t>swap_elts&lt;I, J&gt;(forward&lt;Tuple&gt;(</a:t>
+            </a:r>
+            <a:r>
+              <a:rPr lang="en-US" sz="2000">
+                <a:solidFill>
+                  <a:srgbClr val="0000FF"/>
+                </a:solidFill>
+                <a:latin typeface="Consolas" panose="020B0609020204030204" pitchFamily="49" charset="0"/>
+              </a:rPr>
+              <a:t>t</a:t>
+            </a:r>
+            <a:r>
+              <a:rPr lang="en-US" sz="2000" smtClean="0">
+                <a:solidFill>
+                  <a:srgbClr val="0000FF"/>
+                </a:solidFill>
+                <a:latin typeface="Consolas" panose="020B0609020204030204" pitchFamily="49" charset="0"/>
+              </a:rPr>
+              <a:t>))</a:t>
+            </a:r>
+            <a:r>
+              <a:rPr lang="en-US" sz="2000" smtClean="0">
+                <a:latin typeface="Consolas" panose="020B0609020204030204" pitchFamily="49" charset="0"/>
+              </a:rPr>
+              <a:t>);</a:t>
+            </a:r>
+            <a:br>
+              <a:rPr lang="en-US" sz="2000" smtClean="0">
+                <a:latin typeface="Consolas" panose="020B0609020204030204" pitchFamily="49" charset="0"/>
+              </a:rPr>
+            </a:br>
+            <a:r>
+              <a:rPr lang="en-US" sz="2000" smtClean="0">
+                <a:latin typeface="Consolas" panose="020B0609020204030204" pitchFamily="49" charset="0"/>
+              </a:rPr>
+              <a:t>  }</a:t>
+            </a:r>
+            <a:br>
+              <a:rPr lang="en-US" sz="2000" smtClean="0">
+                <a:latin typeface="Consolas" panose="020B0609020204030204" pitchFamily="49" charset="0"/>
+              </a:rPr>
+            </a:br>
+            <a:r>
+              <a:rPr lang="en-US" sz="2000" smtClean="0">
+                <a:latin typeface="Consolas" panose="020B0609020204030204" pitchFamily="49" charset="0"/>
+              </a:rPr>
+              <a:t>  else</a:t>
+            </a:r>
+            <a:br>
+              <a:rPr lang="en-US" sz="2000" smtClean="0">
+                <a:latin typeface="Consolas" panose="020B0609020204030204" pitchFamily="49" charset="0"/>
+              </a:rPr>
+            </a:br>
+            <a:r>
+              <a:rPr lang="en-US" sz="2000" smtClean="0">
+                <a:latin typeface="Consolas" panose="020B0609020204030204" pitchFamily="49" charset="0"/>
+              </a:rPr>
+              <a:t>    </a:t>
+            </a:r>
+            <a:r>
+              <a:rPr lang="en-US" sz="2000">
+                <a:latin typeface="Consolas" panose="020B0609020204030204" pitchFamily="49" charset="0"/>
+              </a:rPr>
+              <a:t>return swap_elts&lt;I, J&gt;(forward&lt;Tuple&gt;(</a:t>
+            </a:r>
+            <a:r>
+              <a:rPr lang="en-US" sz="2000">
+                <a:latin typeface="Consolas" panose="020B0609020204030204" pitchFamily="49" charset="0"/>
+              </a:rPr>
+              <a:t>t</a:t>
+            </a:r>
+            <a:r>
+              <a:rPr lang="en-US" sz="2000" smtClean="0">
+                <a:latin typeface="Consolas" panose="020B0609020204030204" pitchFamily="49" charset="0"/>
+              </a:rPr>
+              <a:t>));</a:t>
+            </a:r>
+            <a:br>
+              <a:rPr lang="en-US" sz="2000" smtClean="0">
+                <a:latin typeface="Consolas" panose="020B0609020204030204" pitchFamily="49" charset="0"/>
+              </a:rPr>
+            </a:br>
+            <a:r>
+              <a:rPr lang="en-US" sz="2000" smtClean="0">
+                <a:latin typeface="Consolas" panose="020B0609020204030204" pitchFamily="49" charset="0"/>
+              </a:rPr>
+              <a:t>}</a:t>
+            </a:r>
+            <a:endParaRPr lang="en-US" sz="2000">
+              <a:latin typeface="Consolas" panose="020B0609020204030204" pitchFamily="49" charset="0"/>
+            </a:endParaRPr>
+          </a:p>
+        </p:txBody>
+      </p:sp>
+    </p:spTree>
+    <p:extLst>
+      <p:ext uri="{BB962C8B-B14F-4D97-AF65-F5344CB8AC3E}">
+        <p14:creationId xmlns:p14="http://schemas.microsoft.com/office/powerpoint/2010/main" val="3111116942"/>
+      </p:ext>
+    </p:extLst>
+  </p:cSld>
+  <p:clrMapOvr>
+    <a:masterClrMapping/>
+  </p:clrMapOvr>
+</p:sld>
+</file>
+
+<file path=ppt/slides/slide88.xml><?xml version="1.0" encoding="utf-8"?>
+<p:sld xmlns:a="http://schemas.openxmlformats.org/drawingml/2006/main" xmlns:r="http://schemas.openxmlformats.org/officeDocument/2006/relationships" xmlns:p="http://schemas.openxmlformats.org/presentationml/2006/main">
+  <p:cSld>
+    <p:spTree>
+      <p:nvGrpSpPr>
+        <p:cNvPr id="1" name=""/>
+        <p:cNvGrpSpPr/>
+        <p:nvPr/>
+      </p:nvGrpSpPr>
+      <p:grpSpPr>
+        <a:xfrm>
+          <a:off x="0" y="0"/>
+          <a:ext cx="0" cy="0"/>
+          <a:chOff x="0" y="0"/>
+          <a:chExt cx="0" cy="0"/>
+        </a:xfrm>
+      </p:grpSpPr>
+      <p:sp>
+        <p:nvSpPr>
+          <p:cNvPr id="2" name="Title 1"/>
+          <p:cNvSpPr>
+            <a:spLocks noGrp="1"/>
+          </p:cNvSpPr>
+          <p:nvPr>
+            <p:ph type="title"/>
+          </p:nvPr>
+        </p:nvSpPr>
+        <p:spPr/>
+        <p:txBody>
+          <a:bodyPr/>
+          <a:lstStyle/>
+          <a:p>
+            <a:r>
+              <a:rPr lang="ru-RU" smtClean="0"/>
+              <a:t>Соревнование</a:t>
+            </a:r>
+            <a:endParaRPr lang="en-US"/>
+          </a:p>
+        </p:txBody>
+      </p:sp>
+      <p:sp>
+        <p:nvSpPr>
+          <p:cNvPr id="3" name="Content Placeholder 2"/>
+          <p:cNvSpPr>
+            <a:spLocks noGrp="1"/>
+          </p:cNvSpPr>
+          <p:nvPr>
+            <p:ph idx="1"/>
+          </p:nvPr>
+        </p:nvSpPr>
+        <p:spPr/>
+        <p:txBody>
+          <a:bodyPr/>
+          <a:lstStyle/>
+          <a:p>
+            <a:r>
+              <a:rPr lang="ru-RU" smtClean="0"/>
+              <a:t>Обгоните этот код по скорости компиляции своими собственным метаперестановками</a:t>
+            </a:r>
+          </a:p>
+          <a:p>
+            <a:r>
+              <a:rPr lang="ru-RU" smtClean="0"/>
+              <a:t>Поэкспериментируйте на ОГРОМНЫХ туплах и ГИГАНТСКИХ перестановках</a:t>
+            </a:r>
+          </a:p>
+          <a:p>
+            <a:r>
+              <a:rPr lang="ru-RU" smtClean="0"/>
+              <a:t>Объясните, </a:t>
+            </a:r>
+            <a:r>
+              <a:rPr lang="ru-RU" b="1" smtClean="0"/>
+              <a:t>почему</a:t>
+            </a:r>
+            <a:r>
+              <a:rPr lang="ru-RU" smtClean="0"/>
+              <a:t> ваш код лучше</a:t>
+            </a:r>
+          </a:p>
+          <a:p>
+            <a:r>
+              <a:rPr lang="ru-RU" smtClean="0"/>
+              <a:t>Не забывайте: он должен быть не хуже и во время исполнения</a:t>
+            </a:r>
+          </a:p>
+          <a:p>
+            <a:r>
+              <a:rPr lang="ru-RU" smtClean="0"/>
+              <a:t>Вышлите мне результат</a:t>
+            </a:r>
+          </a:p>
+          <a:p>
+            <a:r>
+              <a:rPr lang="en-US" b="1" smtClean="0"/>
+              <a:t>Have fun</a:t>
+            </a:r>
+            <a:endParaRPr lang="ru-RU" b="1" smtClean="0"/>
+          </a:p>
+          <a:p>
+            <a:endParaRPr lang="en-US"/>
+          </a:p>
+        </p:txBody>
+      </p:sp>
+    </p:spTree>
+    <p:extLst>
+      <p:ext uri="{BB962C8B-B14F-4D97-AF65-F5344CB8AC3E}">
+        <p14:creationId xmlns:p14="http://schemas.microsoft.com/office/powerpoint/2010/main" val="547257479"/>
       </p:ext>
     </p:extLst>
   </p:cSld>

--- a/trunk/slides/sep2017/09-constexpr.pptx
+++ b/trunk/slides/sep2017/09-constexpr.pptx
@@ -396,7 +396,7 @@
             <a:fld id="{96DFF08F-DC6B-4601-B491-B0F83F6DD2DA}" type="datetimeFigureOut">
               <a:rPr lang="en-US" dirty="0"/>
               <a:pPr/>
-              <a:t>12/11/2017</a:t>
+              <a:t>12/15/2017</a:t>
             </a:fld>
             <a:endParaRPr lang="en-US" dirty="0"/>
           </a:p>
@@ -613,7 +613,7 @@
           <a:p>
             <a:fld id="{96DFF08F-DC6B-4601-B491-B0F83F6DD2DA}" type="datetimeFigureOut">
               <a:rPr lang="en-US" dirty="0"/>
-              <a:t>12/11/2017</a:t>
+              <a:t>12/15/2017</a:t>
             </a:fld>
             <a:endParaRPr lang="en-US" dirty="0"/>
           </a:p>
@@ -788,7 +788,7 @@
           <a:p>
             <a:fld id="{96DFF08F-DC6B-4601-B491-B0F83F6DD2DA}" type="datetimeFigureOut">
               <a:rPr lang="en-US" dirty="0"/>
-              <a:t>12/11/2017</a:t>
+              <a:t>12/15/2017</a:t>
             </a:fld>
             <a:endParaRPr lang="en-US" dirty="0"/>
           </a:p>
@@ -953,7 +953,7 @@
           <a:p>
             <a:fld id="{96DFF08F-DC6B-4601-B491-B0F83F6DD2DA}" type="datetimeFigureOut">
               <a:rPr lang="en-US" dirty="0"/>
-              <a:t>12/11/2017</a:t>
+              <a:t>12/15/2017</a:t>
             </a:fld>
             <a:endParaRPr lang="en-US" dirty="0"/>
           </a:p>
@@ -1199,7 +1199,7 @@
           <a:p>
             <a:fld id="{96DFF08F-DC6B-4601-B491-B0F83F6DD2DA}" type="datetimeFigureOut">
               <a:rPr lang="en-US" dirty="0"/>
-              <a:t>12/11/2017</a:t>
+              <a:t>12/15/2017</a:t>
             </a:fld>
             <a:endParaRPr lang="en-US" dirty="0"/>
           </a:p>
@@ -1517,7 +1517,7 @@
           <a:p>
             <a:fld id="{96DFF08F-DC6B-4601-B491-B0F83F6DD2DA}" type="datetimeFigureOut">
               <a:rPr lang="en-US" dirty="0"/>
-              <a:t>12/11/2017</a:t>
+              <a:t>12/15/2017</a:t>
             </a:fld>
             <a:endParaRPr lang="en-US" dirty="0"/>
           </a:p>
@@ -1936,7 +1936,7 @@
           <a:p>
             <a:fld id="{96DFF08F-DC6B-4601-B491-B0F83F6DD2DA}" type="datetimeFigureOut">
               <a:rPr lang="en-US" dirty="0"/>
-              <a:t>12/11/2017</a:t>
+              <a:t>12/15/2017</a:t>
             </a:fld>
             <a:endParaRPr lang="en-US" dirty="0"/>
           </a:p>
@@ -2049,7 +2049,7 @@
           <a:p>
             <a:fld id="{96DFF08F-DC6B-4601-B491-B0F83F6DD2DA}" type="datetimeFigureOut">
               <a:rPr lang="en-US" dirty="0"/>
-              <a:t>12/11/2017</a:t>
+              <a:t>12/15/2017</a:t>
             </a:fld>
             <a:endParaRPr lang="en-US" dirty="0"/>
           </a:p>
@@ -2139,7 +2139,7 @@
           <a:p>
             <a:fld id="{96DFF08F-DC6B-4601-B491-B0F83F6DD2DA}" type="datetimeFigureOut">
               <a:rPr lang="en-US" dirty="0"/>
-              <a:t>12/11/2017</a:t>
+              <a:t>12/15/2017</a:t>
             </a:fld>
             <a:endParaRPr lang="en-US" dirty="0"/>
           </a:p>
@@ -2424,7 +2424,7 @@
           <a:p>
             <a:fld id="{96DFF08F-DC6B-4601-B491-B0F83F6DD2DA}" type="datetimeFigureOut">
               <a:rPr lang="en-US" dirty="0"/>
-              <a:t>12/11/2017</a:t>
+              <a:t>12/15/2017</a:t>
             </a:fld>
             <a:endParaRPr lang="en-US" dirty="0"/>
           </a:p>
@@ -2691,7 +2691,7 @@
           <a:p>
             <a:fld id="{96DFF08F-DC6B-4601-B491-B0F83F6DD2DA}" type="datetimeFigureOut">
               <a:rPr lang="en-US" dirty="0"/>
-              <a:t>12/11/2017</a:t>
+              <a:t>12/15/2017</a:t>
             </a:fld>
             <a:endParaRPr lang="en-US" dirty="0"/>
           </a:p>
@@ -2940,7 +2940,7 @@
             <a:fld id="{96DFF08F-DC6B-4601-B491-B0F83F6DD2DA}" type="datetimeFigureOut">
               <a:rPr lang="en-US" dirty="0"/>
               <a:pPr/>
-              <a:t>12/11/2017</a:t>
+              <a:t>12/15/2017</a:t>
             </a:fld>
             <a:endParaRPr lang="en-US" dirty="0"/>
           </a:p>
@@ -11224,24 +11224,24 @@
               <a:rPr lang="en-US" smtClean="0">
                 <a:latin typeface="Consolas" panose="020B0609020204030204" pitchFamily="49" charset="0"/>
               </a:rPr>
-              <a:t>seven </a:t>
-            </a:r>
-            <a:r>
-              <a:rPr lang="en-US">
-                <a:latin typeface="Consolas" panose="020B0609020204030204" pitchFamily="49" charset="0"/>
-              </a:rPr>
-              <a:t>= arr[3] + arr[4];</a:t>
-            </a:r>
-            <a:br>
-              <a:rPr lang="en-US">
-                <a:latin typeface="Consolas" panose="020B0609020204030204" pitchFamily="49" charset="0"/>
-              </a:rPr>
-            </a:br>
-            <a:r>
-              <a:rPr lang="en-US" smtClean="0">
-                <a:latin typeface="Consolas" panose="020B0609020204030204" pitchFamily="49" charset="0"/>
-              </a:rPr>
-              <a:t>static_assert (seven == 7); </a:t>
+              <a:t>four = </a:t>
+            </a:r>
+            <a:r>
+              <a:rPr lang="en-US">
+                <a:latin typeface="Consolas" panose="020B0609020204030204" pitchFamily="49" charset="0"/>
+              </a:rPr>
+              <a:t>arr[3] + arr[4];</a:t>
+            </a:r>
+            <a:br>
+              <a:rPr lang="en-US">
+                <a:latin typeface="Consolas" panose="020B0609020204030204" pitchFamily="49" charset="0"/>
+              </a:rPr>
+            </a:br>
+            <a:r>
+              <a:rPr lang="en-US" smtClean="0">
+                <a:latin typeface="Consolas" panose="020B0609020204030204" pitchFamily="49" charset="0"/>
+              </a:rPr>
+              <a:t>static_assert (four == 4); </a:t>
             </a:r>
             <a:r>
               <a:rPr lang="en-US">
@@ -18116,13 +18116,7 @@
               <a:rPr lang="en-US">
                 <a:latin typeface="Consolas" panose="020B0609020204030204" pitchFamily="49" charset="0"/>
               </a:rPr>
-              <a:t>auto test = make_tuple(1, 1.5, 2, 2.5, 3, </a:t>
-            </a:r>
-            <a:r>
-              <a:rPr lang="en-US">
-                <a:latin typeface="Consolas" panose="020B0609020204030204" pitchFamily="49" charset="0"/>
-              </a:rPr>
-              <a:t>3.5</a:t>
+              <a:t>auto test = make_tuple(1, 1.5, 2, 2.5, 3, 3.5</a:t>
             </a:r>
             <a:r>
               <a:rPr lang="en-US" smtClean="0">
@@ -18166,13 +18160,7 @@
               <a:rPr lang="en-US">
                 <a:latin typeface="Consolas" panose="020B0609020204030204" pitchFamily="49" charset="0"/>
               </a:rPr>
-              <a:t>= permute_elts&lt;2, 3, 1, 4, 0&gt;(test</a:t>
-            </a:r>
-            <a:r>
-              <a:rPr lang="en-US">
-                <a:latin typeface="Consolas" panose="020B0609020204030204" pitchFamily="49" charset="0"/>
-              </a:rPr>
-              <a:t>);  </a:t>
+              <a:t>= permute_elts&lt;2, 3, 1, 4, 0&gt;(test);  </a:t>
             </a:r>
             <a:endParaRPr lang="en-US" smtClean="0">
               <a:latin typeface="Consolas" panose="020B0609020204030204" pitchFamily="49" charset="0"/>
@@ -18198,13 +18186,7 @@
               <a:rPr lang="en-US">
                 <a:latin typeface="Consolas" panose="020B0609020204030204" pitchFamily="49" charset="0"/>
               </a:rPr>
-              <a:t>, 2.5, 1, 2, 1.5</a:t>
-            </a:r>
-            <a:r>
-              <a:rPr lang="en-US">
-                <a:latin typeface="Consolas" panose="020B0609020204030204" pitchFamily="49" charset="0"/>
-              </a:rPr>
-              <a:t>, </a:t>
+              <a:t>, 2.5, 1, 2, 1.5, </a:t>
             </a:r>
             <a:r>
               <a:rPr lang="en-US" smtClean="0">
@@ -18482,48 +18464,36 @@
               <a:rPr lang="en-US" sz="2000">
                 <a:latin typeface="Consolas" panose="020B0609020204030204" pitchFamily="49" charset="0"/>
               </a:rPr>
-              <a:t>template&lt;typename Tuple, size_t... </a:t>
+              <a:t>template&lt;typename Tuple, size_t... Is</a:t>
+            </a:r>
+            <a:r>
+              <a:rPr lang="en-US" sz="2000" smtClean="0">
+                <a:latin typeface="Consolas" panose="020B0609020204030204" pitchFamily="49" charset="0"/>
+              </a:rPr>
+              <a:t>&gt;</a:t>
+            </a:r>
+            <a:r>
+              <a:rPr lang="ru-RU" sz="2000" smtClean="0">
+                <a:latin typeface="Consolas" panose="020B0609020204030204" pitchFamily="49" charset="0"/>
+              </a:rPr>
+              <a:t/>
+            </a:r>
+            <a:br>
+              <a:rPr lang="ru-RU" sz="2000" smtClean="0">
+                <a:latin typeface="Consolas" panose="020B0609020204030204" pitchFamily="49" charset="0"/>
+              </a:rPr>
+            </a:br>
+            <a:r>
+              <a:rPr lang="en-US" sz="2000" smtClean="0">
+                <a:latin typeface="Consolas" panose="020B0609020204030204" pitchFamily="49" charset="0"/>
+              </a:rPr>
+              <a:t>void </a:t>
             </a:r>
             <a:r>
               <a:rPr lang="en-US" sz="2000">
                 <a:latin typeface="Consolas" panose="020B0609020204030204" pitchFamily="49" charset="0"/>
               </a:rPr>
-              <a:t>Is</a:t>
-            </a:r>
-            <a:r>
-              <a:rPr lang="en-US" sz="2000" smtClean="0">
-                <a:latin typeface="Consolas" panose="020B0609020204030204" pitchFamily="49" charset="0"/>
-              </a:rPr>
-              <a:t>&gt;</a:t>
-            </a:r>
-            <a:r>
-              <a:rPr lang="ru-RU" sz="2000" smtClean="0">
-                <a:latin typeface="Consolas" panose="020B0609020204030204" pitchFamily="49" charset="0"/>
-              </a:rPr>
-              <a:t/>
-            </a:r>
-            <a:br>
-              <a:rPr lang="ru-RU" sz="2000" smtClean="0">
-                <a:latin typeface="Consolas" panose="020B0609020204030204" pitchFamily="49" charset="0"/>
-              </a:rPr>
-            </a:br>
-            <a:r>
-              <a:rPr lang="en-US" sz="2000" smtClean="0">
-                <a:latin typeface="Consolas" panose="020B0609020204030204" pitchFamily="49" charset="0"/>
-              </a:rPr>
-              <a:t>void </a:t>
-            </a:r>
-            <a:r>
-              <a:rPr lang="en-US" sz="2000">
-                <a:latin typeface="Consolas" panose="020B0609020204030204" pitchFamily="49" charset="0"/>
-              </a:rPr>
-              <a:t>print_tuple_impl(ostream&amp; os, Tuple &amp;&amp;t, </a:t>
-            </a:r>
-            <a:r>
-              <a:rPr lang="en-US" sz="2000">
-                <a:latin typeface="Consolas" panose="020B0609020204030204" pitchFamily="49" charset="0"/>
-              </a:rPr>
-              <a:t>index_sequence&lt;Is</a:t>
+              <a:t>print_tuple_impl(ostream&amp; os, Tuple &amp;&amp;t, index_sequence&lt;Is</a:t>
             </a:r>
             <a:r>
               <a:rPr lang="en-US" sz="2000" smtClean="0">
@@ -18573,7 +18543,34 @@
                 </a:solidFill>
                 <a:latin typeface="Consolas" panose="020B0609020204030204" pitchFamily="49" charset="0"/>
               </a:rPr>
-              <a:t>(os &lt;&lt; (Is == 0 ? "" : </a:t>
+              <a:t>(os &lt;&lt; (Is == 0 ? "" : ", </a:t>
+            </a:r>
+            <a:r>
+              <a:rPr lang="en-US" sz="2000" smtClean="0">
+                <a:solidFill>
+                  <a:srgbClr val="0000FF"/>
+                </a:solidFill>
+                <a:latin typeface="Consolas" panose="020B0609020204030204" pitchFamily="49" charset="0"/>
+              </a:rPr>
+              <a:t>")</a:t>
+            </a:r>
+            <a:r>
+              <a:rPr lang="ru-RU" sz="2000" smtClean="0">
+                <a:solidFill>
+                  <a:srgbClr val="0000FF"/>
+                </a:solidFill>
+                <a:latin typeface="Consolas" panose="020B0609020204030204" pitchFamily="49" charset="0"/>
+              </a:rPr>
+              <a:t> </a:t>
+            </a:r>
+            <a:r>
+              <a:rPr lang="en-US" sz="2000" smtClean="0">
+                <a:solidFill>
+                  <a:srgbClr val="0000FF"/>
+                </a:solidFill>
+                <a:latin typeface="Consolas" panose="020B0609020204030204" pitchFamily="49" charset="0"/>
+              </a:rPr>
+              <a:t>&lt;&lt; </a:t>
             </a:r>
             <a:r>
               <a:rPr lang="en-US" sz="2000">
@@ -18582,7 +18579,169 @@
                 </a:solidFill>
                 <a:latin typeface="Consolas" panose="020B0609020204030204" pitchFamily="49" charset="0"/>
               </a:rPr>
-              <a:t>", </a:t>
+              <a:t>get&lt;Is&gt;(forward&lt;Tuple&gt;(t)))</a:t>
+            </a:r>
+            <a:r>
+              <a:rPr lang="en-US" sz="2000">
+                <a:latin typeface="Consolas" panose="020B0609020204030204" pitchFamily="49" charset="0"/>
+              </a:rPr>
+              <a:t>, </a:t>
+            </a:r>
+            <a:r>
+              <a:rPr lang="en-US" sz="2000" smtClean="0">
+                <a:latin typeface="Consolas" panose="020B0609020204030204" pitchFamily="49" charset="0"/>
+              </a:rPr>
+              <a:t>...);</a:t>
+            </a:r>
+            <a:r>
+              <a:rPr lang="ru-RU" sz="2000" smtClean="0">
+                <a:latin typeface="Consolas" panose="020B0609020204030204" pitchFamily="49" charset="0"/>
+              </a:rPr>
+              <a:t/>
+            </a:r>
+            <a:br>
+              <a:rPr lang="ru-RU" sz="2000" smtClean="0">
+                <a:latin typeface="Consolas" panose="020B0609020204030204" pitchFamily="49" charset="0"/>
+              </a:rPr>
+            </a:br>
+            <a:r>
+              <a:rPr lang="en-US" sz="2000" smtClean="0">
+                <a:latin typeface="Consolas" panose="020B0609020204030204" pitchFamily="49" charset="0"/>
+              </a:rPr>
+              <a:t>}</a:t>
+            </a:r>
+            <a:endParaRPr lang="ru-RU" sz="2000" smtClean="0">
+              <a:latin typeface="Consolas" panose="020B0609020204030204" pitchFamily="49" charset="0"/>
+            </a:endParaRPr>
+          </a:p>
+          <a:p>
+            <a:pPr marL="45720" indent="0">
+              <a:buNone/>
+            </a:pPr>
+            <a:r>
+              <a:rPr lang="en-US" sz="2000" smtClean="0">
+                <a:latin typeface="Consolas" panose="020B0609020204030204" pitchFamily="49" charset="0"/>
+              </a:rPr>
+              <a:t>template&lt;typename Tuple&gt;</a:t>
+            </a:r>
+            <a:r>
+              <a:rPr lang="ru-RU" sz="2000" smtClean="0">
+                <a:latin typeface="Consolas" panose="020B0609020204030204" pitchFamily="49" charset="0"/>
+              </a:rPr>
+              <a:t/>
+            </a:r>
+            <a:br>
+              <a:rPr lang="ru-RU" sz="2000" smtClean="0">
+                <a:latin typeface="Consolas" panose="020B0609020204030204" pitchFamily="49" charset="0"/>
+              </a:rPr>
+            </a:br>
+            <a:r>
+              <a:rPr lang="en-US" sz="2000" smtClean="0">
+                <a:latin typeface="Consolas" panose="020B0609020204030204" pitchFamily="49" charset="0"/>
+              </a:rPr>
+              <a:t>decltype(auto</a:t>
+            </a:r>
+            <a:r>
+              <a:rPr lang="en-US" sz="2000">
+                <a:latin typeface="Consolas" panose="020B0609020204030204" pitchFamily="49" charset="0"/>
+              </a:rPr>
+              <a:t>) operator&lt;&lt;(ostream&amp; os, Tuple &amp;&amp;t</a:t>
+            </a:r>
+            <a:r>
+              <a:rPr lang="en-US" sz="2000" smtClean="0">
+                <a:latin typeface="Consolas" panose="020B0609020204030204" pitchFamily="49" charset="0"/>
+              </a:rPr>
+              <a:t>){</a:t>
+            </a:r>
+            <a:r>
+              <a:rPr lang="ru-RU" sz="2000" smtClean="0">
+                <a:latin typeface="Consolas" panose="020B0609020204030204" pitchFamily="49" charset="0"/>
+              </a:rPr>
+              <a:t/>
+            </a:r>
+            <a:br>
+              <a:rPr lang="ru-RU" sz="2000" smtClean="0">
+                <a:latin typeface="Consolas" panose="020B0609020204030204" pitchFamily="49" charset="0"/>
+              </a:rPr>
+            </a:br>
+            <a:r>
+              <a:rPr lang="en-US" sz="2000" smtClean="0">
+                <a:latin typeface="Consolas" panose="020B0609020204030204" pitchFamily="49" charset="0"/>
+              </a:rPr>
+              <a:t>  </a:t>
+            </a:r>
+            <a:r>
+              <a:rPr lang="en-US" sz="2000">
+                <a:latin typeface="Consolas" panose="020B0609020204030204" pitchFamily="49" charset="0"/>
+              </a:rPr>
+              <a:t>constexpr size_t sz = tuple_size&lt;decay_t&lt;Tuple&gt;&gt;::value</a:t>
+            </a:r>
+            <a:r>
+              <a:rPr lang="en-US" sz="2000" smtClean="0">
+                <a:latin typeface="Consolas" panose="020B0609020204030204" pitchFamily="49" charset="0"/>
+              </a:rPr>
+              <a:t>;</a:t>
+            </a:r>
+            <a:r>
+              <a:rPr lang="ru-RU" sz="2000" smtClean="0">
+                <a:latin typeface="Consolas" panose="020B0609020204030204" pitchFamily="49" charset="0"/>
+              </a:rPr>
+              <a:t/>
+            </a:r>
+            <a:br>
+              <a:rPr lang="ru-RU" sz="2000" smtClean="0">
+                <a:latin typeface="Consolas" panose="020B0609020204030204" pitchFamily="49" charset="0"/>
+              </a:rPr>
+            </a:br>
+            <a:r>
+              <a:rPr lang="en-US" sz="2000" smtClean="0">
+                <a:latin typeface="Consolas" panose="020B0609020204030204" pitchFamily="49" charset="0"/>
+              </a:rPr>
+              <a:t>  </a:t>
+            </a:r>
+            <a:r>
+              <a:rPr lang="en-US" sz="2000">
+                <a:latin typeface="Consolas" panose="020B0609020204030204" pitchFamily="49" charset="0"/>
+              </a:rPr>
+              <a:t>os &lt;&lt; </a:t>
+            </a:r>
+            <a:r>
+              <a:rPr lang="en-US" sz="2000" smtClean="0">
+                <a:latin typeface="Consolas" panose="020B0609020204030204" pitchFamily="49" charset="0"/>
+              </a:rPr>
+              <a:t>"(";</a:t>
+            </a:r>
+            <a:r>
+              <a:rPr lang="ru-RU" sz="2000" smtClean="0">
+                <a:latin typeface="Consolas" panose="020B0609020204030204" pitchFamily="49" charset="0"/>
+              </a:rPr>
+              <a:t/>
+            </a:r>
+            <a:br>
+              <a:rPr lang="ru-RU" sz="2000" smtClean="0">
+                <a:latin typeface="Consolas" panose="020B0609020204030204" pitchFamily="49" charset="0"/>
+              </a:rPr>
+            </a:br>
+            <a:r>
+              <a:rPr lang="en-US" sz="2000" smtClean="0">
+                <a:latin typeface="Consolas" panose="020B0609020204030204" pitchFamily="49" charset="0"/>
+              </a:rPr>
+              <a:t>  </a:t>
+            </a:r>
+            <a:r>
+              <a:rPr lang="en-US" sz="2000">
+                <a:latin typeface="Consolas" panose="020B0609020204030204" pitchFamily="49" charset="0"/>
+              </a:rPr>
+              <a:t>print_tuple_impl(os, forward&lt;Tuple&gt;(t), </a:t>
+            </a:r>
+            <a:r>
+              <a:rPr lang="en-US" sz="2000">
+                <a:solidFill>
+                  <a:srgbClr val="0000FF"/>
+                </a:solidFill>
+                <a:latin typeface="Consolas" panose="020B0609020204030204" pitchFamily="49" charset="0"/>
+              </a:rPr>
+              <a:t>make_index_sequence&lt;sz</a:t>
             </a:r>
             <a:r>
               <a:rPr lang="en-US" sz="2000" smtClean="0">
@@ -18591,267 +18750,36 @@
                 </a:solidFill>
                 <a:latin typeface="Consolas" panose="020B0609020204030204" pitchFamily="49" charset="0"/>
               </a:rPr>
-              <a:t>")</a:t>
+              <a:t>&gt;{}</a:t>
+            </a:r>
+            <a:r>
+              <a:rPr lang="en-US" sz="2000" smtClean="0">
+                <a:latin typeface="Consolas" panose="020B0609020204030204" pitchFamily="49" charset="0"/>
+              </a:rPr>
+              <a:t>);</a:t>
             </a:r>
             <a:r>
               <a:rPr lang="ru-RU" sz="2000" smtClean="0">
-                <a:solidFill>
-                  <a:srgbClr val="0000FF"/>
-                </a:solidFill>
-                <a:latin typeface="Consolas" panose="020B0609020204030204" pitchFamily="49" charset="0"/>
-              </a:rPr>
-              <a:t> </a:t>
-            </a:r>
+                <a:latin typeface="Consolas" panose="020B0609020204030204" pitchFamily="49" charset="0"/>
+              </a:rPr>
+              <a:t/>
+            </a:r>
+            <a:br>
+              <a:rPr lang="ru-RU" sz="2000" smtClean="0">
+                <a:latin typeface="Consolas" panose="020B0609020204030204" pitchFamily="49" charset="0"/>
+              </a:rPr>
+            </a:br>
             <a:r>
               <a:rPr lang="en-US" sz="2000" smtClean="0">
-                <a:solidFill>
-                  <a:srgbClr val="0000FF"/>
-                </a:solidFill>
-                <a:latin typeface="Consolas" panose="020B0609020204030204" pitchFamily="49" charset="0"/>
-              </a:rPr>
-              <a:t>&lt;&lt; </a:t>
+                <a:latin typeface="Consolas" panose="020B0609020204030204" pitchFamily="49" charset="0"/>
+              </a:rPr>
+              <a:t>  </a:t>
             </a:r>
             <a:r>
               <a:rPr lang="en-US" sz="2000">
-                <a:solidFill>
-                  <a:srgbClr val="0000FF"/>
-                </a:solidFill>
-                <a:latin typeface="Consolas" panose="020B0609020204030204" pitchFamily="49" charset="0"/>
-              </a:rPr>
-              <a:t>get&lt;Is&gt;(forward&lt;Tuple&gt;(t</a:t>
-            </a:r>
-            <a:r>
-              <a:rPr lang="en-US" sz="2000">
-                <a:solidFill>
-                  <a:srgbClr val="0000FF"/>
-                </a:solidFill>
-                <a:latin typeface="Consolas" panose="020B0609020204030204" pitchFamily="49" charset="0"/>
-              </a:rPr>
-              <a:t>)))</a:t>
-            </a:r>
-            <a:r>
-              <a:rPr lang="en-US" sz="2000">
-                <a:latin typeface="Consolas" panose="020B0609020204030204" pitchFamily="49" charset="0"/>
-              </a:rPr>
-              <a:t>, </a:t>
-            </a:r>
-            <a:r>
-              <a:rPr lang="en-US" sz="2000" smtClean="0">
-                <a:latin typeface="Consolas" panose="020B0609020204030204" pitchFamily="49" charset="0"/>
-              </a:rPr>
-              <a:t>...);</a:t>
-            </a:r>
-            <a:r>
-              <a:rPr lang="ru-RU" sz="2000" smtClean="0">
-                <a:latin typeface="Consolas" panose="020B0609020204030204" pitchFamily="49" charset="0"/>
-              </a:rPr>
-              <a:t/>
-            </a:r>
-            <a:br>
-              <a:rPr lang="ru-RU" sz="2000" smtClean="0">
-                <a:latin typeface="Consolas" panose="020B0609020204030204" pitchFamily="49" charset="0"/>
-              </a:rPr>
-            </a:br>
-            <a:r>
-              <a:rPr lang="en-US" sz="2000" smtClean="0">
-                <a:latin typeface="Consolas" panose="020B0609020204030204" pitchFamily="49" charset="0"/>
-              </a:rPr>
-              <a:t>}</a:t>
-            </a:r>
-            <a:endParaRPr lang="ru-RU" sz="2000" smtClean="0">
-              <a:latin typeface="Consolas" panose="020B0609020204030204" pitchFamily="49" charset="0"/>
-            </a:endParaRPr>
-          </a:p>
-          <a:p>
-            <a:pPr marL="45720" indent="0">
-              <a:buNone/>
-            </a:pPr>
-            <a:r>
-              <a:rPr lang="en-US" sz="2000" smtClean="0">
-                <a:latin typeface="Consolas" panose="020B0609020204030204" pitchFamily="49" charset="0"/>
-              </a:rPr>
-              <a:t>template&lt;typename Tuple&gt;</a:t>
-            </a:r>
-            <a:r>
-              <a:rPr lang="ru-RU" sz="2000" smtClean="0">
-                <a:latin typeface="Consolas" panose="020B0609020204030204" pitchFamily="49" charset="0"/>
-              </a:rPr>
-              <a:t/>
-            </a:r>
-            <a:br>
-              <a:rPr lang="ru-RU" sz="2000" smtClean="0">
-                <a:latin typeface="Consolas" panose="020B0609020204030204" pitchFamily="49" charset="0"/>
-              </a:rPr>
-            </a:br>
-            <a:r>
-              <a:rPr lang="en-US" sz="2000" smtClean="0">
-                <a:latin typeface="Consolas" panose="020B0609020204030204" pitchFamily="49" charset="0"/>
-              </a:rPr>
-              <a:t>decltype(auto</a:t>
-            </a:r>
-            <a:r>
-              <a:rPr lang="en-US" sz="2000">
-                <a:latin typeface="Consolas" panose="020B0609020204030204" pitchFamily="49" charset="0"/>
-              </a:rPr>
-              <a:t>) operator&lt;&lt;(ostream&amp; os, Tuple &amp;&amp;</a:t>
-            </a:r>
-            <a:r>
-              <a:rPr lang="en-US" sz="2000">
-                <a:latin typeface="Consolas" panose="020B0609020204030204" pitchFamily="49" charset="0"/>
-              </a:rPr>
-              <a:t>t</a:t>
-            </a:r>
-            <a:r>
-              <a:rPr lang="en-US" sz="2000" smtClean="0">
-                <a:latin typeface="Consolas" panose="020B0609020204030204" pitchFamily="49" charset="0"/>
-              </a:rPr>
-              <a:t>){</a:t>
-            </a:r>
-            <a:r>
-              <a:rPr lang="ru-RU" sz="2000" smtClean="0">
-                <a:latin typeface="Consolas" panose="020B0609020204030204" pitchFamily="49" charset="0"/>
-              </a:rPr>
-              <a:t/>
-            </a:r>
-            <a:br>
-              <a:rPr lang="ru-RU" sz="2000" smtClean="0">
-                <a:latin typeface="Consolas" panose="020B0609020204030204" pitchFamily="49" charset="0"/>
-              </a:rPr>
-            </a:br>
-            <a:r>
-              <a:rPr lang="en-US" sz="2000" smtClean="0">
-                <a:latin typeface="Consolas" panose="020B0609020204030204" pitchFamily="49" charset="0"/>
-              </a:rPr>
-              <a:t>  </a:t>
-            </a:r>
-            <a:r>
-              <a:rPr lang="en-US" sz="2000">
-                <a:latin typeface="Consolas" panose="020B0609020204030204" pitchFamily="49" charset="0"/>
-              </a:rPr>
-              <a:t>constexpr size_t sz = tuple_size&lt;decay_t&lt;Tuple&gt;&gt;::</a:t>
-            </a:r>
-            <a:r>
-              <a:rPr lang="en-US" sz="2000">
-                <a:latin typeface="Consolas" panose="020B0609020204030204" pitchFamily="49" charset="0"/>
-              </a:rPr>
-              <a:t>value</a:t>
-            </a:r>
-            <a:r>
-              <a:rPr lang="en-US" sz="2000" smtClean="0">
-                <a:latin typeface="Consolas" panose="020B0609020204030204" pitchFamily="49" charset="0"/>
-              </a:rPr>
-              <a:t>;</a:t>
-            </a:r>
-            <a:r>
-              <a:rPr lang="ru-RU" sz="2000" smtClean="0">
-                <a:latin typeface="Consolas" panose="020B0609020204030204" pitchFamily="49" charset="0"/>
-              </a:rPr>
-              <a:t/>
-            </a:r>
-            <a:br>
-              <a:rPr lang="ru-RU" sz="2000" smtClean="0">
-                <a:latin typeface="Consolas" panose="020B0609020204030204" pitchFamily="49" charset="0"/>
-              </a:rPr>
-            </a:br>
-            <a:r>
-              <a:rPr lang="en-US" sz="2000" smtClean="0">
-                <a:latin typeface="Consolas" panose="020B0609020204030204" pitchFamily="49" charset="0"/>
-              </a:rPr>
-              <a:t>  </a:t>
-            </a:r>
-            <a:r>
-              <a:rPr lang="en-US" sz="2000">
-                <a:latin typeface="Consolas" panose="020B0609020204030204" pitchFamily="49" charset="0"/>
-              </a:rPr>
-              <a:t>os </a:t>
-            </a:r>
-            <a:r>
-              <a:rPr lang="en-US" sz="2000">
-                <a:latin typeface="Consolas" panose="020B0609020204030204" pitchFamily="49" charset="0"/>
-              </a:rPr>
-              <a:t>&lt;&lt; </a:t>
-            </a:r>
-            <a:r>
-              <a:rPr lang="en-US" sz="2000" smtClean="0">
-                <a:latin typeface="Consolas" panose="020B0609020204030204" pitchFamily="49" charset="0"/>
-              </a:rPr>
-              <a:t>"(";</a:t>
-            </a:r>
-            <a:r>
-              <a:rPr lang="ru-RU" sz="2000" smtClean="0">
-                <a:latin typeface="Consolas" panose="020B0609020204030204" pitchFamily="49" charset="0"/>
-              </a:rPr>
-              <a:t/>
-            </a:r>
-            <a:br>
-              <a:rPr lang="ru-RU" sz="2000" smtClean="0">
-                <a:latin typeface="Consolas" panose="020B0609020204030204" pitchFamily="49" charset="0"/>
-              </a:rPr>
-            </a:br>
-            <a:r>
-              <a:rPr lang="en-US" sz="2000" smtClean="0">
-                <a:latin typeface="Consolas" panose="020B0609020204030204" pitchFamily="49" charset="0"/>
-              </a:rPr>
-              <a:t>  </a:t>
-            </a:r>
-            <a:r>
-              <a:rPr lang="en-US" sz="2000">
-                <a:latin typeface="Consolas" panose="020B0609020204030204" pitchFamily="49" charset="0"/>
-              </a:rPr>
-              <a:t>print_tuple_impl(os, forward&lt;Tuple&gt;(t), </a:t>
-            </a:r>
-            <a:r>
-              <a:rPr lang="en-US" sz="2000">
-                <a:solidFill>
-                  <a:srgbClr val="0000FF"/>
-                </a:solidFill>
-                <a:latin typeface="Consolas" panose="020B0609020204030204" pitchFamily="49" charset="0"/>
-              </a:rPr>
-              <a:t>make_index_sequence&lt;sz</a:t>
-            </a:r>
-            <a:r>
-              <a:rPr lang="en-US" sz="2000" smtClean="0">
-                <a:solidFill>
-                  <a:srgbClr val="0000FF"/>
-                </a:solidFill>
-                <a:latin typeface="Consolas" panose="020B0609020204030204" pitchFamily="49" charset="0"/>
-              </a:rPr>
-              <a:t>&gt;{}</a:t>
-            </a:r>
-            <a:r>
-              <a:rPr lang="en-US" sz="2000" smtClean="0">
-                <a:latin typeface="Consolas" panose="020B0609020204030204" pitchFamily="49" charset="0"/>
-              </a:rPr>
-              <a:t>);</a:t>
-            </a:r>
-            <a:r>
-              <a:rPr lang="ru-RU" sz="2000" smtClean="0">
-                <a:latin typeface="Consolas" panose="020B0609020204030204" pitchFamily="49" charset="0"/>
-              </a:rPr>
-              <a:t/>
-            </a:r>
-            <a:br>
-              <a:rPr lang="ru-RU" sz="2000" smtClean="0">
-                <a:latin typeface="Consolas" panose="020B0609020204030204" pitchFamily="49" charset="0"/>
-              </a:rPr>
-            </a:br>
-            <a:r>
-              <a:rPr lang="en-US" sz="2000" smtClean="0">
-                <a:latin typeface="Consolas" panose="020B0609020204030204" pitchFamily="49" charset="0"/>
-              </a:rPr>
-              <a:t>  </a:t>
-            </a:r>
-            <a:r>
-              <a:rPr lang="en-US" sz="2000">
-                <a:latin typeface="Consolas" panose="020B0609020204030204" pitchFamily="49" charset="0"/>
-              </a:rPr>
-              <a:t>return os </a:t>
-            </a:r>
-            <a:r>
-              <a:rPr lang="en-US" sz="2000">
-                <a:latin typeface="Consolas" panose="020B0609020204030204" pitchFamily="49" charset="0"/>
-              </a:rPr>
-              <a:t>&lt;&lt; </a:t>
+                <a:latin typeface="Consolas" panose="020B0609020204030204" pitchFamily="49" charset="0"/>
+              </a:rPr>
+              <a:t>return os &lt;&lt; </a:t>
             </a:r>
             <a:r>
               <a:rPr lang="en-US" sz="2000" smtClean="0">
@@ -18973,24 +18901,59 @@
               <a:rPr lang="en-US" sz="2000">
                 <a:latin typeface="Consolas" panose="020B0609020204030204" pitchFamily="49" charset="0"/>
               </a:rPr>
-              <a:t>template&lt;typename Tuple, size_t... </a:t>
+              <a:t>template&lt;typename Tuple, size_t... Is</a:t>
+            </a:r>
+            <a:r>
+              <a:rPr lang="en-US" sz="2000" smtClean="0">
+                <a:latin typeface="Consolas" panose="020B0609020204030204" pitchFamily="49" charset="0"/>
+              </a:rPr>
+              <a:t>&gt;</a:t>
+            </a:r>
+            <a:r>
+              <a:rPr lang="ru-RU" sz="2000" smtClean="0">
+                <a:latin typeface="Consolas" panose="020B0609020204030204" pitchFamily="49" charset="0"/>
+              </a:rPr>
+              <a:t/>
+            </a:r>
+            <a:br>
+              <a:rPr lang="ru-RU" sz="2000" smtClean="0">
+                <a:latin typeface="Consolas" panose="020B0609020204030204" pitchFamily="49" charset="0"/>
+              </a:rPr>
+            </a:br>
+            <a:r>
+              <a:rPr lang="en-US" sz="2000" smtClean="0">
+                <a:latin typeface="Consolas" panose="020B0609020204030204" pitchFamily="49" charset="0"/>
+              </a:rPr>
+              <a:t>void </a:t>
             </a:r>
             <a:r>
               <a:rPr lang="en-US" sz="2000">
                 <a:latin typeface="Consolas" panose="020B0609020204030204" pitchFamily="49" charset="0"/>
               </a:rPr>
-              <a:t>Is</a:t>
+              <a:t>print_tuple_impl(ostream&amp; os, Tuple &amp;&amp;t, index_sequence&lt;Is</a:t>
             </a:r>
             <a:r>
               <a:rPr lang="en-US" sz="2000" smtClean="0">
                 <a:latin typeface="Consolas" panose="020B0609020204030204" pitchFamily="49" charset="0"/>
               </a:rPr>
-              <a:t>&gt;</a:t>
+              <a:t>...&gt;)</a:t>
             </a:r>
             <a:r>
               <a:rPr lang="ru-RU" sz="2000" smtClean="0">
                 <a:latin typeface="Consolas" panose="020B0609020204030204" pitchFamily="49" charset="0"/>
               </a:rPr>
+              <a:t> </a:t>
+            </a:r>
+            <a:r>
+              <a:rPr lang="en-US" sz="2000" smtClean="0">
+                <a:latin typeface="Consolas" panose="020B0609020204030204" pitchFamily="49" charset="0"/>
+              </a:rPr>
+              <a:t>{</a:t>
+            </a:r>
+            <a:r>
+              <a:rPr lang="ru-RU" sz="2000" smtClean="0">
+                <a:latin typeface="Consolas" panose="020B0609020204030204" pitchFamily="49" charset="0"/>
+              </a:rPr>
               <a:t/>
             </a:r>
             <a:br>
@@ -19002,96 +18965,37 @@
               <a:rPr lang="en-US" sz="2000" smtClean="0">
                 <a:latin typeface="Consolas" panose="020B0609020204030204" pitchFamily="49" charset="0"/>
               </a:rPr>
-              <a:t>void </a:t>
+              <a:t>  </a:t>
             </a:r>
             <a:r>
               <a:rPr lang="en-US" sz="2000">
                 <a:latin typeface="Consolas" panose="020B0609020204030204" pitchFamily="49" charset="0"/>
               </a:rPr>
-              <a:t>print_tuple_impl(ostream&amp; os, Tuple &amp;&amp;t, </a:t>
+              <a:t>((os &lt;&lt; (Is == 0 ? "" : ", </a:t>
+            </a:r>
+            <a:r>
+              <a:rPr lang="en-US" sz="2000" smtClean="0">
+                <a:latin typeface="Consolas" panose="020B0609020204030204" pitchFamily="49" charset="0"/>
+              </a:rPr>
+              <a:t>")</a:t>
+            </a:r>
+            <a:r>
+              <a:rPr lang="ru-RU" sz="2000" smtClean="0">
+                <a:latin typeface="Consolas" panose="020B0609020204030204" pitchFamily="49" charset="0"/>
+              </a:rPr>
+              <a:t> </a:t>
+            </a:r>
+            <a:r>
+              <a:rPr lang="en-US" sz="2000" smtClean="0">
+                <a:latin typeface="Consolas" panose="020B0609020204030204" pitchFamily="49" charset="0"/>
+              </a:rPr>
+              <a:t>&lt;&lt; </a:t>
             </a:r>
             <a:r>
               <a:rPr lang="en-US" sz="2000">
                 <a:latin typeface="Consolas" panose="020B0609020204030204" pitchFamily="49" charset="0"/>
               </a:rPr>
-              <a:t>index_sequence&lt;Is</a:t>
-            </a:r>
-            <a:r>
-              <a:rPr lang="en-US" sz="2000" smtClean="0">
-                <a:latin typeface="Consolas" panose="020B0609020204030204" pitchFamily="49" charset="0"/>
-              </a:rPr>
-              <a:t>...&gt;)</a:t>
-            </a:r>
-            <a:r>
-              <a:rPr lang="ru-RU" sz="2000" smtClean="0">
-                <a:latin typeface="Consolas" panose="020B0609020204030204" pitchFamily="49" charset="0"/>
-              </a:rPr>
-              <a:t> </a:t>
-            </a:r>
-            <a:r>
-              <a:rPr lang="en-US" sz="2000" smtClean="0">
-                <a:latin typeface="Consolas" panose="020B0609020204030204" pitchFamily="49" charset="0"/>
-              </a:rPr>
-              <a:t>{</a:t>
-            </a:r>
-            <a:r>
-              <a:rPr lang="ru-RU" sz="2000" smtClean="0">
-                <a:latin typeface="Consolas" panose="020B0609020204030204" pitchFamily="49" charset="0"/>
-              </a:rPr>
-              <a:t/>
-            </a:r>
-            <a:br>
-              <a:rPr lang="ru-RU" sz="2000" smtClean="0">
-                <a:latin typeface="Consolas" panose="020B0609020204030204" pitchFamily="49" charset="0"/>
-              </a:rPr>
-            </a:br>
-            <a:r>
-              <a:rPr lang="en-US" sz="2000" smtClean="0">
-                <a:latin typeface="Consolas" panose="020B0609020204030204" pitchFamily="49" charset="0"/>
-              </a:rPr>
-              <a:t>  </a:t>
-            </a:r>
-            <a:r>
-              <a:rPr lang="en-US" sz="2000">
-                <a:latin typeface="Consolas" panose="020B0609020204030204" pitchFamily="49" charset="0"/>
-              </a:rPr>
-              <a:t>((os &lt;&lt; (Is == 0 ? "" : </a:t>
-            </a:r>
-            <a:r>
-              <a:rPr lang="en-US" sz="2000">
-                <a:latin typeface="Consolas" panose="020B0609020204030204" pitchFamily="49" charset="0"/>
-              </a:rPr>
-              <a:t>", </a:t>
-            </a:r>
-            <a:r>
-              <a:rPr lang="en-US" sz="2000" smtClean="0">
-                <a:latin typeface="Consolas" panose="020B0609020204030204" pitchFamily="49" charset="0"/>
-              </a:rPr>
-              <a:t>")</a:t>
-            </a:r>
-            <a:r>
-              <a:rPr lang="ru-RU" sz="2000" smtClean="0">
-                <a:latin typeface="Consolas" panose="020B0609020204030204" pitchFamily="49" charset="0"/>
-              </a:rPr>
-              <a:t> </a:t>
-            </a:r>
-            <a:r>
-              <a:rPr lang="en-US" sz="2000" smtClean="0">
-                <a:latin typeface="Consolas" panose="020B0609020204030204" pitchFamily="49" charset="0"/>
-              </a:rPr>
-              <a:t>&lt;&lt; </a:t>
-            </a:r>
-            <a:r>
-              <a:rPr lang="en-US" sz="2000">
-                <a:latin typeface="Consolas" panose="020B0609020204030204" pitchFamily="49" charset="0"/>
-              </a:rPr>
-              <a:t>get&lt;Is&gt;(forward&lt;Tuple&gt;(t</a:t>
-            </a:r>
-            <a:r>
-              <a:rPr lang="en-US" sz="2000">
-                <a:latin typeface="Consolas" panose="020B0609020204030204" pitchFamily="49" charset="0"/>
-              </a:rPr>
-              <a:t>))), </a:t>
+              <a:t>get&lt;Is&gt;(forward&lt;Tuple&gt;(t))), </a:t>
             </a:r>
             <a:r>
               <a:rPr lang="en-US" sz="2000" smtClean="0">
@@ -19143,16 +19047,7 @@
                 </a:solidFill>
                 <a:latin typeface="Consolas" panose="020B0609020204030204" pitchFamily="49" charset="0"/>
               </a:rPr>
-              <a:t>typename = void_t&lt;decltype(get&lt;0&gt;(</a:t>
-            </a:r>
-            <a:r>
-              <a:rPr lang="en-US" sz="2000">
-                <a:solidFill>
-                  <a:srgbClr val="0000FF"/>
-                </a:solidFill>
-                <a:latin typeface="Consolas" panose="020B0609020204030204" pitchFamily="49" charset="0"/>
-              </a:rPr>
-              <a:t>Tuple</a:t>
+              <a:t>typename = void_t&lt;decltype(get&lt;0&gt;(Tuple</a:t>
             </a:r>
             <a:r>
               <a:rPr lang="en-US" sz="2000" smtClean="0">
@@ -19190,19 +19085,42 @@
               <a:rPr lang="en-US" sz="2000">
                 <a:latin typeface="Consolas" panose="020B0609020204030204" pitchFamily="49" charset="0"/>
               </a:rPr>
-              <a:t>) operator&lt;&lt;(ostream&amp; os, Tuple &amp;&amp;</a:t>
+              <a:t>) operator&lt;&lt;(ostream&amp; os, Tuple &amp;&amp;t</a:t>
+            </a:r>
+            <a:r>
+              <a:rPr lang="en-US" sz="2000" smtClean="0">
+                <a:latin typeface="Consolas" panose="020B0609020204030204" pitchFamily="49" charset="0"/>
+              </a:rPr>
+              <a:t>){</a:t>
+            </a:r>
+            <a:r>
+              <a:rPr lang="ru-RU" sz="2000" smtClean="0">
+                <a:latin typeface="Consolas" panose="020B0609020204030204" pitchFamily="49" charset="0"/>
+              </a:rPr>
+              <a:t/>
+            </a:r>
+            <a:br>
+              <a:rPr lang="ru-RU" sz="2000" smtClean="0">
+                <a:latin typeface="Consolas" panose="020B0609020204030204" pitchFamily="49" charset="0"/>
+              </a:rPr>
+            </a:br>
+            <a:r>
+              <a:rPr lang="en-US" sz="2000" smtClean="0">
+                <a:latin typeface="Consolas" panose="020B0609020204030204" pitchFamily="49" charset="0"/>
+              </a:rPr>
+              <a:t>  </a:t>
             </a:r>
             <a:r>
               <a:rPr lang="en-US" sz="2000">
                 <a:latin typeface="Consolas" panose="020B0609020204030204" pitchFamily="49" charset="0"/>
               </a:rPr>
-              <a:t>t</a:t>
+              <a:t>constexpr size_t sz = tuple_size&lt;decay_t&lt;Tuple&gt;&gt;::value</a:t>
             </a:r>
             <a:r>
               <a:rPr lang="en-US" sz="2000" smtClean="0">
                 <a:latin typeface="Consolas" panose="020B0609020204030204" pitchFamily="49" charset="0"/>
               </a:rPr>
-              <a:t>){</a:t>
+              <a:t>;</a:t>
             </a:r>
             <a:r>
               <a:rPr lang="ru-RU" sz="2000" smtClean="0">
@@ -19225,19 +19143,42 @@
               <a:rPr lang="en-US" sz="2000">
                 <a:latin typeface="Consolas" panose="020B0609020204030204" pitchFamily="49" charset="0"/>
               </a:rPr>
-              <a:t>constexpr size_t sz = tuple_size&lt;decay_t&lt;Tuple&gt;&gt;::</a:t>
+              <a:t>os &lt;&lt; </a:t>
+            </a:r>
+            <a:r>
+              <a:rPr lang="en-US" sz="2000" smtClean="0">
+                <a:latin typeface="Consolas" panose="020B0609020204030204" pitchFamily="49" charset="0"/>
+              </a:rPr>
+              <a:t>"(";</a:t>
+            </a:r>
+            <a:r>
+              <a:rPr lang="ru-RU" sz="2000" smtClean="0">
+                <a:latin typeface="Consolas" panose="020B0609020204030204" pitchFamily="49" charset="0"/>
+              </a:rPr>
+              <a:t/>
+            </a:r>
+            <a:br>
+              <a:rPr lang="ru-RU" sz="2000" smtClean="0">
+                <a:latin typeface="Consolas" panose="020B0609020204030204" pitchFamily="49" charset="0"/>
+              </a:rPr>
+            </a:br>
+            <a:r>
+              <a:rPr lang="en-US" sz="2000" smtClean="0">
+                <a:latin typeface="Consolas" panose="020B0609020204030204" pitchFamily="49" charset="0"/>
+              </a:rPr>
+              <a:t>  </a:t>
             </a:r>
             <a:r>
               <a:rPr lang="en-US" sz="2000">
                 <a:latin typeface="Consolas" panose="020B0609020204030204" pitchFamily="49" charset="0"/>
               </a:rPr>
-              <a:t>value</a:t>
+              <a:t>print_tuple_impl(os, forward&lt;Tuple&gt;(t), make_index_sequence&lt;sz</a:t>
             </a:r>
             <a:r>
               <a:rPr lang="en-US" sz="2000" smtClean="0">
                 <a:latin typeface="Consolas" panose="020B0609020204030204" pitchFamily="49" charset="0"/>
               </a:rPr>
-              <a:t>;</a:t>
+              <a:t>&gt;{});</a:t>
             </a:r>
             <a:r>
               <a:rPr lang="ru-RU" sz="2000" smtClean="0">
@@ -19260,83 +19201,7 @@
               <a:rPr lang="en-US" sz="2000">
                 <a:latin typeface="Consolas" panose="020B0609020204030204" pitchFamily="49" charset="0"/>
               </a:rPr>
-              <a:t>os </a:t>
-            </a:r>
-            <a:r>
-              <a:rPr lang="en-US" sz="2000">
-                <a:latin typeface="Consolas" panose="020B0609020204030204" pitchFamily="49" charset="0"/>
-              </a:rPr>
-              <a:t>&lt;&lt; </a:t>
-            </a:r>
-            <a:r>
-              <a:rPr lang="en-US" sz="2000" smtClean="0">
-                <a:latin typeface="Consolas" panose="020B0609020204030204" pitchFamily="49" charset="0"/>
-              </a:rPr>
-              <a:t>"(";</a:t>
-            </a:r>
-            <a:r>
-              <a:rPr lang="ru-RU" sz="2000" smtClean="0">
-                <a:latin typeface="Consolas" panose="020B0609020204030204" pitchFamily="49" charset="0"/>
-              </a:rPr>
-              <a:t/>
-            </a:r>
-            <a:br>
-              <a:rPr lang="ru-RU" sz="2000" smtClean="0">
-                <a:latin typeface="Consolas" panose="020B0609020204030204" pitchFamily="49" charset="0"/>
-              </a:rPr>
-            </a:br>
-            <a:r>
-              <a:rPr lang="en-US" sz="2000" smtClean="0">
-                <a:latin typeface="Consolas" panose="020B0609020204030204" pitchFamily="49" charset="0"/>
-              </a:rPr>
-              <a:t>  </a:t>
-            </a:r>
-            <a:r>
-              <a:rPr lang="en-US" sz="2000">
-                <a:latin typeface="Consolas" panose="020B0609020204030204" pitchFamily="49" charset="0"/>
-              </a:rPr>
-              <a:t>print_tuple_impl(os, forward&lt;Tuple&gt;(t), </a:t>
-            </a:r>
-            <a:r>
-              <a:rPr lang="en-US" sz="2000">
-                <a:latin typeface="Consolas" panose="020B0609020204030204" pitchFamily="49" charset="0"/>
-              </a:rPr>
-              <a:t>make_index_sequence&lt;sz</a:t>
-            </a:r>
-            <a:r>
-              <a:rPr lang="en-US" sz="2000" smtClean="0">
-                <a:latin typeface="Consolas" panose="020B0609020204030204" pitchFamily="49" charset="0"/>
-              </a:rPr>
-              <a:t>&gt;{});</a:t>
-            </a:r>
-            <a:r>
-              <a:rPr lang="ru-RU" sz="2000" smtClean="0">
-                <a:latin typeface="Consolas" panose="020B0609020204030204" pitchFamily="49" charset="0"/>
-              </a:rPr>
-              <a:t/>
-            </a:r>
-            <a:br>
-              <a:rPr lang="ru-RU" sz="2000" smtClean="0">
-                <a:latin typeface="Consolas" panose="020B0609020204030204" pitchFamily="49" charset="0"/>
-              </a:rPr>
-            </a:br>
-            <a:r>
-              <a:rPr lang="en-US" sz="2000" smtClean="0">
-                <a:latin typeface="Consolas" panose="020B0609020204030204" pitchFamily="49" charset="0"/>
-              </a:rPr>
-              <a:t>  </a:t>
-            </a:r>
-            <a:r>
-              <a:rPr lang="en-US" sz="2000">
-                <a:latin typeface="Consolas" panose="020B0609020204030204" pitchFamily="49" charset="0"/>
-              </a:rPr>
-              <a:t>return os </a:t>
-            </a:r>
-            <a:r>
-              <a:rPr lang="en-US" sz="2000">
-                <a:latin typeface="Consolas" panose="020B0609020204030204" pitchFamily="49" charset="0"/>
-              </a:rPr>
-              <a:t>&lt;&lt; </a:t>
+              <a:t>return os &lt;&lt; </a:t>
             </a:r>
             <a:r>
               <a:rPr lang="en-US" sz="2000" smtClean="0">
@@ -19506,13 +19371,7 @@
               <a:rPr lang="en-US">
                 <a:latin typeface="Consolas" panose="020B0609020204030204" pitchFamily="49" charset="0"/>
               </a:rPr>
-              <a:t>{ 1, 1.5, 2, 2.5</a:t>
-            </a:r>
-            <a:r>
-              <a:rPr lang="en-US">
-                <a:latin typeface="Consolas" panose="020B0609020204030204" pitchFamily="49" charset="0"/>
-              </a:rPr>
-              <a:t>, </a:t>
+              <a:t>{ 1, 1.5, 2, 2.5, </a:t>
             </a:r>
             <a:r>
               <a:rPr lang="en-US" smtClean="0">
@@ -19532,14 +19391,7 @@
                 <a:latin typeface="Consolas" panose="020B0609020204030204" pitchFamily="49" charset="0"/>
                 <a:sym typeface="Symbol" panose="05050102010706020507" pitchFamily="18" charset="2"/>
               </a:rPr>
-              <a:t> </a:t>
-            </a:r>
-            <a:r>
-              <a:rPr lang="en-US">
-                <a:latin typeface="Consolas" panose="020B0609020204030204" pitchFamily="49" charset="0"/>
-                <a:sym typeface="Symbol" panose="05050102010706020507" pitchFamily="18" charset="2"/>
-              </a:rPr>
-              <a:t>{ </a:t>
+              <a:t> { </a:t>
             </a:r>
             <a:r>
               <a:rPr lang="en-US" smtClean="0">
@@ -19583,13 +19435,7 @@
               <a:rPr lang="en-US">
                 <a:latin typeface="Consolas" panose="020B0609020204030204" pitchFamily="49" charset="0"/>
               </a:rPr>
-              <a:t>{ 1, 1.5, 2, 2.5</a:t>
-            </a:r>
-            <a:r>
-              <a:rPr lang="en-US">
-                <a:latin typeface="Consolas" panose="020B0609020204030204" pitchFamily="49" charset="0"/>
-              </a:rPr>
-              <a:t>, </a:t>
+              <a:t>{ 1, 1.5, 2, 2.5, </a:t>
             </a:r>
             <a:r>
               <a:rPr lang="en-US" smtClean="0">
@@ -19609,49 +19455,28 @@
                 <a:latin typeface="Consolas" panose="020B0609020204030204" pitchFamily="49" charset="0"/>
                 <a:sym typeface="Symbol" panose="05050102010706020507" pitchFamily="18" charset="2"/>
               </a:rPr>
-              <a:t> </a:t>
-            </a:r>
-            <a:r>
-              <a:rPr lang="en-US">
+              <a:t> { </a:t>
+            </a:r>
+            <a:r>
+              <a:rPr lang="en-US" smtClean="0">
                 <a:latin typeface="Consolas" panose="020B0609020204030204" pitchFamily="49" charset="0"/>
                 <a:sym typeface="Symbol" panose="05050102010706020507" pitchFamily="18" charset="2"/>
               </a:rPr>
-              <a:t>{ </a:t>
-            </a:r>
-            <a:r>
-              <a:rPr lang="en-US" smtClean="0">
+              <a:t>1, 2, </a:t>
+            </a:r>
+            <a:r>
+              <a:rPr lang="en-US">
                 <a:latin typeface="Consolas" panose="020B0609020204030204" pitchFamily="49" charset="0"/>
                 <a:sym typeface="Symbol" panose="05050102010706020507" pitchFamily="18" charset="2"/>
               </a:rPr>
-              <a:t>1, 2, </a:t>
-            </a:r>
-            <a:r>
-              <a:rPr lang="en-US">
+              <a:t>1.5</a:t>
+            </a:r>
+            <a:r>
+              <a:rPr lang="en-US" smtClean="0">
                 <a:latin typeface="Consolas" panose="020B0609020204030204" pitchFamily="49" charset="0"/>
                 <a:sym typeface="Symbol" panose="05050102010706020507" pitchFamily="18" charset="2"/>
               </a:rPr>
-              <a:t>1.5</a:t>
-            </a:r>
-            <a:r>
-              <a:rPr lang="en-US" smtClean="0">
-                <a:latin typeface="Consolas" panose="020B0609020204030204" pitchFamily="49" charset="0"/>
-                <a:sym typeface="Symbol" panose="05050102010706020507" pitchFamily="18" charset="2"/>
-              </a:rPr>
-              <a:t>, 2.5, </a:t>
-            </a:r>
-            <a:r>
-              <a:rPr lang="en-US" smtClean="0">
-                <a:latin typeface="Consolas" panose="020B0609020204030204" pitchFamily="49" charset="0"/>
-                <a:sym typeface="Symbol" panose="05050102010706020507" pitchFamily="18" charset="2"/>
-              </a:rPr>
-              <a:t>3</a:t>
-            </a:r>
-            <a:r>
-              <a:rPr lang="en-US" smtClean="0">
-                <a:latin typeface="Consolas" panose="020B0609020204030204" pitchFamily="49" charset="0"/>
-                <a:sym typeface="Symbol" panose="05050102010706020507" pitchFamily="18" charset="2"/>
-              </a:rPr>
-              <a:t> }</a:t>
+              <a:t>, 2.5, 3 }</a:t>
             </a:r>
             <a:endParaRPr lang="en-US" smtClean="0"/>
           </a:p>
@@ -19674,13 +19499,7 @@
               <a:rPr lang="en-US">
                 <a:latin typeface="Consolas" panose="020B0609020204030204" pitchFamily="49" charset="0"/>
               </a:rPr>
-              <a:t>{ 1, 1.5, 2, 2.5</a:t>
-            </a:r>
-            <a:r>
-              <a:rPr lang="en-US">
-                <a:latin typeface="Consolas" panose="020B0609020204030204" pitchFamily="49" charset="0"/>
-              </a:rPr>
-              <a:t>, </a:t>
+              <a:t>{ 1, 1.5, 2, 2.5, </a:t>
             </a:r>
             <a:r>
               <a:rPr lang="en-US" smtClean="0">
@@ -19718,13 +19537,7 @@
               <a:rPr lang="en-US">
                 <a:latin typeface="Consolas" panose="020B0609020204030204" pitchFamily="49" charset="0"/>
               </a:rPr>
-              <a:t>, 2.5, 1, 2</a:t>
-            </a:r>
-            <a:r>
-              <a:rPr lang="en-US">
-                <a:latin typeface="Consolas" panose="020B0609020204030204" pitchFamily="49" charset="0"/>
-              </a:rPr>
-              <a:t>, </a:t>
+              <a:t>, 2.5, 1, 2, </a:t>
             </a:r>
             <a:r>
               <a:rPr lang="en-US" smtClean="0">
@@ -19822,42 +19635,30 @@
               <a:rPr lang="en-US" sz="2000">
                 <a:latin typeface="Consolas" panose="020B0609020204030204" pitchFamily="49" charset="0"/>
               </a:rPr>
-              <a:t>template&lt;size_t start, typename Tuple, size_t... </a:t>
+              <a:t>template&lt;size_t start, typename Tuple, size_t... Is</a:t>
+            </a:r>
+            <a:r>
+              <a:rPr lang="en-US" sz="2000" smtClean="0">
+                <a:latin typeface="Consolas" panose="020B0609020204030204" pitchFamily="49" charset="0"/>
+              </a:rPr>
+              <a:t>&gt;</a:t>
+            </a:r>
+            <a:br>
+              <a:rPr lang="en-US" sz="2000" smtClean="0">
+                <a:latin typeface="Consolas" panose="020B0609020204030204" pitchFamily="49" charset="0"/>
+              </a:rPr>
+            </a:br>
+            <a:r>
+              <a:rPr lang="en-US" sz="2000" smtClean="0">
+                <a:latin typeface="Consolas" panose="020B0609020204030204" pitchFamily="49" charset="0"/>
+              </a:rPr>
+              <a:t>constexpr </a:t>
             </a:r>
             <a:r>
               <a:rPr lang="en-US" sz="2000">
                 <a:latin typeface="Consolas" panose="020B0609020204030204" pitchFamily="49" charset="0"/>
               </a:rPr>
-              <a:t>Is</a:t>
-            </a:r>
-            <a:r>
-              <a:rPr lang="en-US" sz="2000" smtClean="0">
-                <a:latin typeface="Consolas" panose="020B0609020204030204" pitchFamily="49" charset="0"/>
-              </a:rPr>
-              <a:t>&gt;</a:t>
-            </a:r>
-            <a:br>
-              <a:rPr lang="en-US" sz="2000" smtClean="0">
-                <a:latin typeface="Consolas" panose="020B0609020204030204" pitchFamily="49" charset="0"/>
-              </a:rPr>
-            </a:br>
-            <a:r>
-              <a:rPr lang="en-US" sz="2000" smtClean="0">
-                <a:latin typeface="Consolas" panose="020B0609020204030204" pitchFamily="49" charset="0"/>
-              </a:rPr>
-              <a:t>constexpr </a:t>
-            </a:r>
-            <a:r>
-              <a:rPr lang="en-US" sz="2000">
-                <a:latin typeface="Consolas" panose="020B0609020204030204" pitchFamily="49" charset="0"/>
-              </a:rPr>
-              <a:t>auto subtuple_impl(Tuple &amp;&amp;t, index_sequence&lt;Is</a:t>
-            </a:r>
-            <a:r>
-              <a:rPr lang="en-US" sz="2000">
-                <a:latin typeface="Consolas" panose="020B0609020204030204" pitchFamily="49" charset="0"/>
-              </a:rPr>
-              <a:t>...&gt;) </a:t>
+              <a:t>auto subtuple_impl(Tuple &amp;&amp;t, index_sequence&lt;Is...&gt;) </a:t>
             </a:r>
             <a:r>
               <a:rPr lang="en-US" sz="2000" smtClean="0">
@@ -19889,16 +19690,7 @@
                 </a:solidFill>
                 <a:latin typeface="Consolas" panose="020B0609020204030204" pitchFamily="49" charset="0"/>
               </a:rPr>
-              <a:t>get&lt;Is + start&gt;(forward&lt;Tuple&gt;(</a:t>
-            </a:r>
-            <a:r>
-              <a:rPr lang="en-US" sz="2000">
-                <a:solidFill>
-                  <a:srgbClr val="0000FF"/>
-                </a:solidFill>
-                <a:latin typeface="Consolas" panose="020B0609020204030204" pitchFamily="49" charset="0"/>
-              </a:rPr>
-              <a:t>t</a:t>
+              <a:t>get&lt;Is + start&gt;(forward&lt;Tuple&gt;(t</a:t>
             </a:r>
             <a:r>
               <a:rPr lang="en-US" sz="2000" smtClean="0">
@@ -19941,42 +19733,30 @@
               <a:rPr lang="en-US" sz="2000">
                 <a:latin typeface="Consolas" panose="020B0609020204030204" pitchFamily="49" charset="0"/>
               </a:rPr>
-              <a:t>start, size_t finish, typename </a:t>
+              <a:t>start, size_t finish, typename Tuple</a:t>
+            </a:r>
+            <a:r>
+              <a:rPr lang="en-US" sz="2000" smtClean="0">
+                <a:latin typeface="Consolas" panose="020B0609020204030204" pitchFamily="49" charset="0"/>
+              </a:rPr>
+              <a:t>&gt;</a:t>
+            </a:r>
+            <a:br>
+              <a:rPr lang="en-US" sz="2000" smtClean="0">
+                <a:latin typeface="Consolas" panose="020B0609020204030204" pitchFamily="49" charset="0"/>
+              </a:rPr>
+            </a:br>
+            <a:r>
+              <a:rPr lang="en-US" sz="2000" smtClean="0">
+                <a:latin typeface="Consolas" panose="020B0609020204030204" pitchFamily="49" charset="0"/>
+              </a:rPr>
+              <a:t>constexpr </a:t>
             </a:r>
             <a:r>
               <a:rPr lang="en-US" sz="2000">
                 <a:latin typeface="Consolas" panose="020B0609020204030204" pitchFamily="49" charset="0"/>
               </a:rPr>
-              <a:t>Tuple</a:t>
-            </a:r>
-            <a:r>
-              <a:rPr lang="en-US" sz="2000" smtClean="0">
-                <a:latin typeface="Consolas" panose="020B0609020204030204" pitchFamily="49" charset="0"/>
-              </a:rPr>
-              <a:t>&gt;</a:t>
-            </a:r>
-            <a:br>
-              <a:rPr lang="en-US" sz="2000" smtClean="0">
-                <a:latin typeface="Consolas" panose="020B0609020204030204" pitchFamily="49" charset="0"/>
-              </a:rPr>
-            </a:br>
-            <a:r>
-              <a:rPr lang="en-US" sz="2000" smtClean="0">
-                <a:latin typeface="Consolas" panose="020B0609020204030204" pitchFamily="49" charset="0"/>
-              </a:rPr>
-              <a:t>constexpr </a:t>
-            </a:r>
-            <a:r>
-              <a:rPr lang="en-US" sz="2000">
-                <a:latin typeface="Consolas" panose="020B0609020204030204" pitchFamily="49" charset="0"/>
-              </a:rPr>
-              <a:t>auto subtuple(Tuple&amp;&amp; t</a:t>
-            </a:r>
-            <a:r>
-              <a:rPr lang="en-US" sz="2000">
-                <a:latin typeface="Consolas" panose="020B0609020204030204" pitchFamily="49" charset="0"/>
-              </a:rPr>
-              <a:t>) </a:t>
+              <a:t>auto subtuple(Tuple&amp;&amp; t) </a:t>
             </a:r>
             <a:r>
               <a:rPr lang="en-US" sz="2000" smtClean="0">
@@ -20031,42 +19811,30 @@
               <a:rPr lang="en-US" sz="2000">
                 <a:latin typeface="Consolas" panose="020B0609020204030204" pitchFamily="49" charset="0"/>
               </a:rPr>
-              <a:t>constexpr size_t sz = finish - </a:t>
+              <a:t>constexpr size_t sz = finish - start</a:t>
+            </a:r>
+            <a:r>
+              <a:rPr lang="en-US" sz="2000" smtClean="0">
+                <a:latin typeface="Consolas" panose="020B0609020204030204" pitchFamily="49" charset="0"/>
+              </a:rPr>
+              <a:t>;</a:t>
+            </a:r>
+            <a:br>
+              <a:rPr lang="en-US" sz="2000" smtClean="0">
+                <a:latin typeface="Consolas" panose="020B0609020204030204" pitchFamily="49" charset="0"/>
+              </a:rPr>
+            </a:br>
+            <a:r>
+              <a:rPr lang="en-US" sz="2000" smtClean="0">
+                <a:latin typeface="Consolas" panose="020B0609020204030204" pitchFamily="49" charset="0"/>
+              </a:rPr>
+              <a:t>  </a:t>
             </a:r>
             <a:r>
               <a:rPr lang="en-US" sz="2000">
                 <a:latin typeface="Consolas" panose="020B0609020204030204" pitchFamily="49" charset="0"/>
               </a:rPr>
-              <a:t>start</a:t>
-            </a:r>
-            <a:r>
-              <a:rPr lang="en-US" sz="2000" smtClean="0">
-                <a:latin typeface="Consolas" panose="020B0609020204030204" pitchFamily="49" charset="0"/>
-              </a:rPr>
-              <a:t>;</a:t>
-            </a:r>
-            <a:br>
-              <a:rPr lang="en-US" sz="2000" smtClean="0">
-                <a:latin typeface="Consolas" panose="020B0609020204030204" pitchFamily="49" charset="0"/>
-              </a:rPr>
-            </a:br>
-            <a:r>
-              <a:rPr lang="en-US" sz="2000" smtClean="0">
-                <a:latin typeface="Consolas" panose="020B0609020204030204" pitchFamily="49" charset="0"/>
-              </a:rPr>
-              <a:t>  </a:t>
-            </a:r>
-            <a:r>
-              <a:rPr lang="en-US" sz="2000">
-                <a:latin typeface="Consolas" panose="020B0609020204030204" pitchFamily="49" charset="0"/>
-              </a:rPr>
-              <a:t>return subtuple_impl&lt;start&gt;(forward&lt;Tuple&gt;(t</a:t>
-            </a:r>
-            <a:r>
-              <a:rPr lang="en-US" sz="2000">
-                <a:latin typeface="Consolas" panose="020B0609020204030204" pitchFamily="49" charset="0"/>
-              </a:rPr>
-              <a:t>), </a:t>
+              <a:t>return subtuple_impl&lt;start&gt;(forward&lt;Tuple&gt;(t), </a:t>
             </a:r>
             <a:r>
               <a:rPr lang="en-US" sz="2000" smtClean="0">
@@ -20518,13 +20286,7 @@
               <a:rPr lang="en-US">
                 <a:latin typeface="Consolas" panose="020B0609020204030204" pitchFamily="49" charset="0"/>
               </a:rPr>
-              <a:t>{ 1, 1.5, 2, 2.5</a:t>
-            </a:r>
-            <a:r>
-              <a:rPr lang="en-US">
-                <a:latin typeface="Consolas" panose="020B0609020204030204" pitchFamily="49" charset="0"/>
-              </a:rPr>
-              <a:t>, </a:t>
+              <a:t>{ 1, 1.5, 2, 2.5, </a:t>
             </a:r>
             <a:r>
               <a:rPr lang="en-US" smtClean="0">
@@ -20544,14 +20306,7 @@
                 <a:latin typeface="Consolas" panose="020B0609020204030204" pitchFamily="49" charset="0"/>
                 <a:sym typeface="Symbol" panose="05050102010706020507" pitchFamily="18" charset="2"/>
               </a:rPr>
-              <a:t> </a:t>
-            </a:r>
-            <a:r>
-              <a:rPr lang="en-US">
-                <a:latin typeface="Consolas" panose="020B0609020204030204" pitchFamily="49" charset="0"/>
-                <a:sym typeface="Symbol" panose="05050102010706020507" pitchFamily="18" charset="2"/>
-              </a:rPr>
-              <a:t>{ </a:t>
+              <a:t> { </a:t>
             </a:r>
             <a:r>
               <a:rPr lang="en-US" smtClean="0">
@@ -20595,13 +20350,7 @@
               <a:rPr lang="en-US">
                 <a:latin typeface="Consolas" panose="020B0609020204030204" pitchFamily="49" charset="0"/>
               </a:rPr>
-              <a:t>{ 1, 1.5, 2, 2.5</a:t>
-            </a:r>
-            <a:r>
-              <a:rPr lang="en-US">
-                <a:latin typeface="Consolas" panose="020B0609020204030204" pitchFamily="49" charset="0"/>
-              </a:rPr>
-              <a:t>, </a:t>
+              <a:t>{ 1, 1.5, 2, 2.5, </a:t>
             </a:r>
             <a:r>
               <a:rPr lang="en-US" smtClean="0">
@@ -20621,49 +20370,28 @@
                 <a:latin typeface="Consolas" panose="020B0609020204030204" pitchFamily="49" charset="0"/>
                 <a:sym typeface="Symbol" panose="05050102010706020507" pitchFamily="18" charset="2"/>
               </a:rPr>
-              <a:t> </a:t>
-            </a:r>
-            <a:r>
-              <a:rPr lang="en-US">
+              <a:t> { </a:t>
+            </a:r>
+            <a:r>
+              <a:rPr lang="en-US" smtClean="0">
                 <a:latin typeface="Consolas" panose="020B0609020204030204" pitchFamily="49" charset="0"/>
                 <a:sym typeface="Symbol" panose="05050102010706020507" pitchFamily="18" charset="2"/>
               </a:rPr>
-              <a:t>{ </a:t>
-            </a:r>
-            <a:r>
-              <a:rPr lang="en-US" smtClean="0">
+              <a:t>1, 2, </a:t>
+            </a:r>
+            <a:r>
+              <a:rPr lang="en-US">
                 <a:latin typeface="Consolas" panose="020B0609020204030204" pitchFamily="49" charset="0"/>
                 <a:sym typeface="Symbol" panose="05050102010706020507" pitchFamily="18" charset="2"/>
               </a:rPr>
-              <a:t>1, 2, </a:t>
-            </a:r>
-            <a:r>
-              <a:rPr lang="en-US">
+              <a:t>1.5</a:t>
+            </a:r>
+            <a:r>
+              <a:rPr lang="en-US" smtClean="0">
                 <a:latin typeface="Consolas" panose="020B0609020204030204" pitchFamily="49" charset="0"/>
                 <a:sym typeface="Symbol" panose="05050102010706020507" pitchFamily="18" charset="2"/>
               </a:rPr>
-              <a:t>1.5</a:t>
-            </a:r>
-            <a:r>
-              <a:rPr lang="en-US" smtClean="0">
-                <a:latin typeface="Consolas" panose="020B0609020204030204" pitchFamily="49" charset="0"/>
-                <a:sym typeface="Symbol" panose="05050102010706020507" pitchFamily="18" charset="2"/>
-              </a:rPr>
-              <a:t>, 2.5, </a:t>
-            </a:r>
-            <a:r>
-              <a:rPr lang="en-US" smtClean="0">
-                <a:latin typeface="Consolas" panose="020B0609020204030204" pitchFamily="49" charset="0"/>
-                <a:sym typeface="Symbol" panose="05050102010706020507" pitchFamily="18" charset="2"/>
-              </a:rPr>
-              <a:t>3</a:t>
-            </a:r>
-            <a:r>
-              <a:rPr lang="en-US" smtClean="0">
-                <a:latin typeface="Consolas" panose="020B0609020204030204" pitchFamily="49" charset="0"/>
-                <a:sym typeface="Symbol" panose="05050102010706020507" pitchFamily="18" charset="2"/>
-              </a:rPr>
-              <a:t> }</a:t>
+              <a:t>, 2.5, 3 }</a:t>
             </a:r>
             <a:endParaRPr lang="en-US" smtClean="0"/>
           </a:p>
@@ -20686,13 +20414,7 @@
               <a:rPr lang="en-US">
                 <a:latin typeface="Consolas" panose="020B0609020204030204" pitchFamily="49" charset="0"/>
               </a:rPr>
-              <a:t>{ 1, 1.5, 2, 2.5</a:t>
-            </a:r>
-            <a:r>
-              <a:rPr lang="en-US">
-                <a:latin typeface="Consolas" panose="020B0609020204030204" pitchFamily="49" charset="0"/>
-              </a:rPr>
-              <a:t>, </a:t>
+              <a:t>{ 1, 1.5, 2, 2.5, </a:t>
             </a:r>
             <a:r>
               <a:rPr lang="en-US" smtClean="0">
@@ -20730,13 +20452,7 @@
               <a:rPr lang="en-US">
                 <a:latin typeface="Consolas" panose="020B0609020204030204" pitchFamily="49" charset="0"/>
               </a:rPr>
-              <a:t>, 2.5, 1, 2</a:t>
-            </a:r>
-            <a:r>
-              <a:rPr lang="en-US">
-                <a:latin typeface="Consolas" panose="020B0609020204030204" pitchFamily="49" charset="0"/>
-              </a:rPr>
-              <a:t>, </a:t>
+              <a:t>, 2.5, 1, 2, </a:t>
             </a:r>
             <a:r>
               <a:rPr lang="en-US" smtClean="0">
@@ -20829,13 +20545,7 @@
               <a:rPr lang="en-US">
                 <a:latin typeface="Consolas" panose="020B0609020204030204" pitchFamily="49" charset="0"/>
               </a:rPr>
-              <a:t>template&lt;size_t rotval, typename </a:t>
-            </a:r>
-            <a:r>
-              <a:rPr lang="en-US">
-                <a:latin typeface="Consolas" panose="020B0609020204030204" pitchFamily="49" charset="0"/>
-              </a:rPr>
-              <a:t>Tuple</a:t>
+              <a:t>template&lt;size_t rotval, typename Tuple</a:t>
             </a:r>
             <a:r>
               <a:rPr lang="en-US" smtClean="0">
@@ -20864,13 +20574,7 @@
               <a:rPr lang="en-US">
                 <a:latin typeface="Consolas" panose="020B0609020204030204" pitchFamily="49" charset="0"/>
               </a:rPr>
-              <a:t>auto rotate_r (Tuple &amp;&amp;t</a:t>
-            </a:r>
-            <a:r>
-              <a:rPr lang="en-US">
-                <a:latin typeface="Consolas" panose="020B0609020204030204" pitchFamily="49" charset="0"/>
-              </a:rPr>
-              <a:t>) </a:t>
+              <a:t>auto rotate_r (Tuple &amp;&amp;t) </a:t>
             </a:r>
             <a:r>
               <a:rPr lang="en-US" smtClean="0">
@@ -20899,13 +20603,7 @@
               <a:rPr lang="en-US">
                 <a:latin typeface="Consolas" panose="020B0609020204030204" pitchFamily="49" charset="0"/>
               </a:rPr>
-              <a:t>constexpr size_t sz = tuple_size&lt;decay_t&lt;Tuple&gt;&gt;::</a:t>
-            </a:r>
-            <a:r>
-              <a:rPr lang="en-US">
-                <a:latin typeface="Consolas" panose="020B0609020204030204" pitchFamily="49" charset="0"/>
-              </a:rPr>
-              <a:t>value</a:t>
+              <a:t>constexpr size_t sz = tuple_size&lt;decay_t&lt;Tuple&gt;&gt;::value</a:t>
             </a:r>
             <a:r>
               <a:rPr lang="en-US" smtClean="0">
@@ -20934,13 +20632,7 @@
               <a:rPr lang="en-US">
                 <a:latin typeface="Consolas" panose="020B0609020204030204" pitchFamily="49" charset="0"/>
               </a:rPr>
-              <a:t>constexpr size_t fh_size = sz - (rotval % </a:t>
-            </a:r>
-            <a:r>
-              <a:rPr lang="en-US">
-                <a:latin typeface="Consolas" panose="020B0609020204030204" pitchFamily="49" charset="0"/>
-              </a:rPr>
-              <a:t>sz</a:t>
+              <a:t>constexpr size_t fh_size = sz - (rotval % sz</a:t>
             </a:r>
             <a:r>
               <a:rPr lang="en-US" smtClean="0">
@@ -20975,16 +20667,7 @@
                 </a:solidFill>
                 <a:latin typeface="Consolas" panose="020B0609020204030204" pitchFamily="49" charset="0"/>
               </a:rPr>
-              <a:t>auto first_half = subtuple&lt;0, fh_size&gt;(forward&lt;Tuple&gt;(</a:t>
-            </a:r>
-            <a:r>
-              <a:rPr lang="en-US">
-                <a:solidFill>
-                  <a:srgbClr val="0000FF"/>
-                </a:solidFill>
-                <a:latin typeface="Consolas" panose="020B0609020204030204" pitchFamily="49" charset="0"/>
-              </a:rPr>
-              <a:t>t</a:t>
+              <a:t>auto first_half = subtuple&lt;0, fh_size&gt;(forward&lt;Tuple&gt;(t</a:t>
             </a:r>
             <a:r>
               <a:rPr lang="en-US" smtClean="0">
@@ -21028,16 +20711,7 @@
                 </a:solidFill>
                 <a:latin typeface="Consolas" panose="020B0609020204030204" pitchFamily="49" charset="0"/>
               </a:rPr>
-              <a:t>auto second_half = subtuple&lt;fh_size, sz&gt;(forward&lt;Tuple&gt;(</a:t>
-            </a:r>
-            <a:r>
-              <a:rPr lang="en-US">
-                <a:solidFill>
-                  <a:srgbClr val="0000FF"/>
-                </a:solidFill>
-                <a:latin typeface="Consolas" panose="020B0609020204030204" pitchFamily="49" charset="0"/>
-              </a:rPr>
-              <a:t>t</a:t>
+              <a:t>auto second_half = subtuple&lt;fh_size, sz&gt;(forward&lt;Tuple&gt;(t</a:t>
             </a:r>
             <a:r>
               <a:rPr lang="en-US" smtClean="0">
@@ -21075,13 +20749,7 @@
               <a:rPr lang="en-US">
                 <a:latin typeface="Consolas" panose="020B0609020204030204" pitchFamily="49" charset="0"/>
               </a:rPr>
-              <a:t>return tuple_cat(second_half, </a:t>
-            </a:r>
-            <a:r>
-              <a:rPr lang="en-US">
-                <a:latin typeface="Consolas" panose="020B0609020204030204" pitchFamily="49" charset="0"/>
-              </a:rPr>
-              <a:t>first_half</a:t>
+              <a:t>return tuple_cat(second_half, first_half</a:t>
             </a:r>
             <a:r>
               <a:rPr lang="en-US" smtClean="0">
@@ -21151,43 +20819,31 @@
               <a:rPr lang="fr-FR">
                 <a:latin typeface="Consolas" panose="020B0609020204030204" pitchFamily="49" charset="0"/>
               </a:rPr>
-              <a:t>template&lt;typename </a:t>
+              <a:t>template&lt;typename Tuple</a:t>
+            </a:r>
+            <a:r>
+              <a:rPr lang="fr-FR" smtClean="0">
+                <a:latin typeface="Consolas" panose="020B0609020204030204" pitchFamily="49" charset="0"/>
+              </a:rPr>
+              <a:t>&gt;</a:t>
+            </a:r>
+            <a:r>
+              <a:rPr lang="ru-RU" smtClean="0">
+                <a:latin typeface="Consolas" panose="020B0609020204030204" pitchFamily="49" charset="0"/>
+              </a:rPr>
+              <a:t> </a:t>
+            </a:r>
+            <a:r>
+              <a:rPr lang="fr-FR" smtClean="0">
+                <a:latin typeface="Consolas" panose="020B0609020204030204" pitchFamily="49" charset="0"/>
+              </a:rPr>
+              <a:t>constexpr </a:t>
             </a:r>
             <a:r>
               <a:rPr lang="fr-FR">
                 <a:latin typeface="Consolas" panose="020B0609020204030204" pitchFamily="49" charset="0"/>
               </a:rPr>
-              <a:t>Tuple</a:t>
-            </a:r>
-            <a:r>
-              <a:rPr lang="fr-FR" smtClean="0">
-                <a:latin typeface="Consolas" panose="020B0609020204030204" pitchFamily="49" charset="0"/>
-              </a:rPr>
-              <a:t>&gt;</a:t>
-            </a:r>
-            <a:r>
-              <a:rPr lang="ru-RU" smtClean="0">
-                <a:latin typeface="Consolas" panose="020B0609020204030204" pitchFamily="49" charset="0"/>
-              </a:rPr>
-              <a:t> </a:t>
-            </a:r>
-            <a:r>
-              <a:rPr lang="fr-FR" smtClean="0">
-                <a:latin typeface="Consolas" panose="020B0609020204030204" pitchFamily="49" charset="0"/>
-              </a:rPr>
-              <a:t>constexpr </a:t>
-            </a:r>
-            <a:r>
-              <a:rPr lang="fr-FR">
-                <a:latin typeface="Consolas" panose="020B0609020204030204" pitchFamily="49" charset="0"/>
-              </a:rPr>
-              <a:t>auto tuple_tail(Tuple &amp;&amp;</a:t>
-            </a:r>
-            <a:r>
-              <a:rPr lang="fr-FR">
-                <a:latin typeface="Consolas" panose="020B0609020204030204" pitchFamily="49" charset="0"/>
-              </a:rPr>
-              <a:t>t</a:t>
+              <a:t>auto tuple_tail(Tuple &amp;&amp;t</a:t>
             </a:r>
             <a:r>
               <a:rPr lang="fr-FR" smtClean="0">
@@ -21325,13 +20981,7 @@
               <a:rPr lang="en-US">
                 <a:latin typeface="Consolas" panose="020B0609020204030204" pitchFamily="49" charset="0"/>
               </a:rPr>
-              <a:t>{ 1, 1.5, 2, 2.5</a:t>
-            </a:r>
-            <a:r>
-              <a:rPr lang="en-US">
-                <a:latin typeface="Consolas" panose="020B0609020204030204" pitchFamily="49" charset="0"/>
-              </a:rPr>
-              <a:t>, </a:t>
+              <a:t>{ 1, 1.5, 2, 2.5, </a:t>
             </a:r>
             <a:r>
               <a:rPr lang="en-US" smtClean="0">
@@ -21351,14 +21001,7 @@
                 <a:latin typeface="Consolas" panose="020B0609020204030204" pitchFamily="49" charset="0"/>
                 <a:sym typeface="Symbol" panose="05050102010706020507" pitchFamily="18" charset="2"/>
               </a:rPr>
-              <a:t> </a:t>
-            </a:r>
-            <a:r>
-              <a:rPr lang="en-US">
-                <a:latin typeface="Consolas" panose="020B0609020204030204" pitchFamily="49" charset="0"/>
-                <a:sym typeface="Symbol" panose="05050102010706020507" pitchFamily="18" charset="2"/>
-              </a:rPr>
-              <a:t>{ </a:t>
+              <a:t> { </a:t>
             </a:r>
             <a:r>
               <a:rPr lang="en-US" smtClean="0">
@@ -21402,13 +21045,7 @@
               <a:rPr lang="en-US">
                 <a:latin typeface="Consolas" panose="020B0609020204030204" pitchFamily="49" charset="0"/>
               </a:rPr>
-              <a:t>{ 1, 1.5, 2, 2.5</a:t>
-            </a:r>
-            <a:r>
-              <a:rPr lang="en-US">
-                <a:latin typeface="Consolas" panose="020B0609020204030204" pitchFamily="49" charset="0"/>
-              </a:rPr>
-              <a:t>, </a:t>
+              <a:t>{ 1, 1.5, 2, 2.5, </a:t>
             </a:r>
             <a:r>
               <a:rPr lang="en-US" smtClean="0">
@@ -21428,49 +21065,28 @@
                 <a:latin typeface="Consolas" panose="020B0609020204030204" pitchFamily="49" charset="0"/>
                 <a:sym typeface="Symbol" panose="05050102010706020507" pitchFamily="18" charset="2"/>
               </a:rPr>
-              <a:t> </a:t>
-            </a:r>
-            <a:r>
-              <a:rPr lang="en-US">
+              <a:t> { </a:t>
+            </a:r>
+            <a:r>
+              <a:rPr lang="en-US" smtClean="0">
                 <a:latin typeface="Consolas" panose="020B0609020204030204" pitchFamily="49" charset="0"/>
                 <a:sym typeface="Symbol" panose="05050102010706020507" pitchFamily="18" charset="2"/>
               </a:rPr>
-              <a:t>{ </a:t>
-            </a:r>
-            <a:r>
-              <a:rPr lang="en-US" smtClean="0">
+              <a:t>1, 2, </a:t>
+            </a:r>
+            <a:r>
+              <a:rPr lang="en-US">
                 <a:latin typeface="Consolas" panose="020B0609020204030204" pitchFamily="49" charset="0"/>
                 <a:sym typeface="Symbol" panose="05050102010706020507" pitchFamily="18" charset="2"/>
               </a:rPr>
-              <a:t>1, 2, </a:t>
-            </a:r>
-            <a:r>
-              <a:rPr lang="en-US">
+              <a:t>1.5</a:t>
+            </a:r>
+            <a:r>
+              <a:rPr lang="en-US" smtClean="0">
                 <a:latin typeface="Consolas" panose="020B0609020204030204" pitchFamily="49" charset="0"/>
                 <a:sym typeface="Symbol" panose="05050102010706020507" pitchFamily="18" charset="2"/>
               </a:rPr>
-              <a:t>1.5</a:t>
-            </a:r>
-            <a:r>
-              <a:rPr lang="en-US" smtClean="0">
-                <a:latin typeface="Consolas" panose="020B0609020204030204" pitchFamily="49" charset="0"/>
-                <a:sym typeface="Symbol" panose="05050102010706020507" pitchFamily="18" charset="2"/>
-              </a:rPr>
-              <a:t>, 2.5, </a:t>
-            </a:r>
-            <a:r>
-              <a:rPr lang="en-US" smtClean="0">
-                <a:latin typeface="Consolas" panose="020B0609020204030204" pitchFamily="49" charset="0"/>
-                <a:sym typeface="Symbol" panose="05050102010706020507" pitchFamily="18" charset="2"/>
-              </a:rPr>
-              <a:t>3</a:t>
-            </a:r>
-            <a:r>
-              <a:rPr lang="en-US" smtClean="0">
-                <a:latin typeface="Consolas" panose="020B0609020204030204" pitchFamily="49" charset="0"/>
-                <a:sym typeface="Symbol" panose="05050102010706020507" pitchFamily="18" charset="2"/>
-              </a:rPr>
-              <a:t> }</a:t>
+              <a:t>, 2.5, 3 }</a:t>
             </a:r>
             <a:endParaRPr lang="en-US" smtClean="0"/>
           </a:p>
@@ -21493,13 +21109,7 @@
               <a:rPr lang="en-US">
                 <a:latin typeface="Consolas" panose="020B0609020204030204" pitchFamily="49" charset="0"/>
               </a:rPr>
-              <a:t>{ 1, 1.5, 2, 2.5</a:t>
-            </a:r>
-            <a:r>
-              <a:rPr lang="en-US">
-                <a:latin typeface="Consolas" panose="020B0609020204030204" pitchFamily="49" charset="0"/>
-              </a:rPr>
-              <a:t>, </a:t>
+              <a:t>{ 1, 1.5, 2, 2.5, </a:t>
             </a:r>
             <a:r>
               <a:rPr lang="en-US" smtClean="0">
@@ -21537,13 +21147,7 @@
               <a:rPr lang="en-US">
                 <a:latin typeface="Consolas" panose="020B0609020204030204" pitchFamily="49" charset="0"/>
               </a:rPr>
-              <a:t>, 2.5, 1, 2</a:t>
-            </a:r>
-            <a:r>
-              <a:rPr lang="en-US">
-                <a:latin typeface="Consolas" panose="020B0609020204030204" pitchFamily="49" charset="0"/>
-              </a:rPr>
-              <a:t>, </a:t>
+              <a:t>, 2.5, 1, 2, </a:t>
             </a:r>
             <a:r>
               <a:rPr lang="en-US" smtClean="0">
@@ -21671,19 +21275,36 @@
               <a:rPr lang="en-US" sz="2000">
                 <a:latin typeface="Consolas" panose="020B0609020204030204" pitchFamily="49" charset="0"/>
               </a:rPr>
-              <a:t>typename </a:t>
+              <a:t>typename Tuple</a:t>
+            </a:r>
+            <a:r>
+              <a:rPr lang="en-US" sz="2000" smtClean="0">
+                <a:latin typeface="Consolas" panose="020B0609020204030204" pitchFamily="49" charset="0"/>
+              </a:rPr>
+              <a:t>&gt;</a:t>
+            </a:r>
+            <a:br>
+              <a:rPr lang="en-US" sz="2000" smtClean="0">
+                <a:latin typeface="Consolas" panose="020B0609020204030204" pitchFamily="49" charset="0"/>
+              </a:rPr>
+            </a:br>
+            <a:r>
+              <a:rPr lang="en-US" sz="2000" smtClean="0">
+                <a:latin typeface="Consolas" panose="020B0609020204030204" pitchFamily="49" charset="0"/>
+              </a:rPr>
+              <a:t>constexpr </a:t>
             </a:r>
             <a:r>
               <a:rPr lang="en-US" sz="2000">
                 <a:latin typeface="Consolas" panose="020B0609020204030204" pitchFamily="49" charset="0"/>
               </a:rPr>
-              <a:t>Tuple</a:t>
+              <a:t>auto swap_elts (Tuple &amp;&amp;t) </a:t>
             </a:r>
             <a:r>
               <a:rPr lang="en-US" sz="2000" smtClean="0">
                 <a:latin typeface="Consolas" panose="020B0609020204030204" pitchFamily="49" charset="0"/>
               </a:rPr>
-              <a:t>&gt;</a:t>
+              <a:t>{</a:t>
             </a:r>
             <a:br>
               <a:rPr lang="en-US" sz="2000" smtClean="0">
@@ -21694,48 +21315,13 @@
               <a:rPr lang="en-US" sz="2000" smtClean="0">
                 <a:latin typeface="Consolas" panose="020B0609020204030204" pitchFamily="49" charset="0"/>
               </a:rPr>
-              <a:t>constexpr </a:t>
+              <a:t>  </a:t>
             </a:r>
             <a:r>
               <a:rPr lang="en-US" sz="2000">
                 <a:latin typeface="Consolas" panose="020B0609020204030204" pitchFamily="49" charset="0"/>
               </a:rPr>
-              <a:t>auto swap_elts (Tuple &amp;&amp;t</a:t>
-            </a:r>
-            <a:r>
-              <a:rPr lang="en-US" sz="2000">
-                <a:latin typeface="Consolas" panose="020B0609020204030204" pitchFamily="49" charset="0"/>
-              </a:rPr>
-              <a:t>) </a:t>
-            </a:r>
-            <a:r>
-              <a:rPr lang="en-US" sz="2000" smtClean="0">
-                <a:latin typeface="Consolas" panose="020B0609020204030204" pitchFamily="49" charset="0"/>
-              </a:rPr>
-              <a:t>{</a:t>
-            </a:r>
-            <a:br>
-              <a:rPr lang="en-US" sz="2000" smtClean="0">
-                <a:latin typeface="Consolas" panose="020B0609020204030204" pitchFamily="49" charset="0"/>
-              </a:rPr>
-            </a:br>
-            <a:r>
-              <a:rPr lang="en-US" sz="2000" smtClean="0">
-                <a:latin typeface="Consolas" panose="020B0609020204030204" pitchFamily="49" charset="0"/>
-              </a:rPr>
-              <a:t>  </a:t>
-            </a:r>
-            <a:r>
-              <a:rPr lang="en-US" sz="2000">
-                <a:latin typeface="Consolas" panose="020B0609020204030204" pitchFamily="49" charset="0"/>
-              </a:rPr>
-              <a:t>constexpr size_t sz = tuple_size&lt;decay_t&lt;Tuple&gt;&gt;::</a:t>
-            </a:r>
-            <a:r>
-              <a:rPr lang="en-US" sz="2000">
-                <a:latin typeface="Consolas" panose="020B0609020204030204" pitchFamily="49" charset="0"/>
-              </a:rPr>
-              <a:t>value</a:t>
+              <a:t>constexpr size_t sz = tuple_size&lt;decay_t&lt;Tuple&gt;&gt;::value</a:t>
             </a:r>
             <a:r>
               <a:rPr lang="en-US" sz="2000" smtClean="0">
@@ -21835,19 +21421,36 @@
               <a:rPr lang="en-US" sz="2000">
                 <a:latin typeface="Consolas" panose="020B0609020204030204" pitchFamily="49" charset="0"/>
               </a:rPr>
-              <a:t>auto&amp;&amp; nth = make_tuple(get&lt;N&gt;(forward&lt;Tuple&gt;(</a:t>
+              <a:t>auto&amp;&amp; nth = make_tuple(get&lt;N</a:t>
+            </a:r>
+            <a:r>
+              <a:rPr lang="en-US" sz="2000" smtClean="0">
+                <a:latin typeface="Consolas" panose="020B0609020204030204" pitchFamily="49" charset="0"/>
+              </a:rPr>
+              <a:t>&gt;(t));</a:t>
+            </a:r>
+            <a:br>
+              <a:rPr lang="en-US" sz="2000" smtClean="0">
+                <a:latin typeface="Consolas" panose="020B0609020204030204" pitchFamily="49" charset="0"/>
+              </a:rPr>
+            </a:br>
+            <a:r>
+              <a:rPr lang="en-US" sz="2000" smtClean="0">
+                <a:latin typeface="Consolas" panose="020B0609020204030204" pitchFamily="49" charset="0"/>
+              </a:rPr>
+              <a:t>  </a:t>
             </a:r>
             <a:r>
               <a:rPr lang="en-US" sz="2000">
                 <a:latin typeface="Consolas" panose="020B0609020204030204" pitchFamily="49" charset="0"/>
               </a:rPr>
-              <a:t>t</a:t>
+              <a:t>auto&amp;&amp; mth = make_tuple(get&lt;M</a:t>
             </a:r>
             <a:r>
               <a:rPr lang="en-US" sz="2000" smtClean="0">
                 <a:latin typeface="Consolas" panose="020B0609020204030204" pitchFamily="49" charset="0"/>
               </a:rPr>
-              <a:t>)));</a:t>
+              <a:t>&gt;(t));</a:t>
             </a:r>
             <a:br>
               <a:rPr lang="en-US" sz="2000" smtClean="0">
@@ -21864,42 +21467,7 @@
               <a:rPr lang="en-US" sz="2000">
                 <a:latin typeface="Consolas" panose="020B0609020204030204" pitchFamily="49" charset="0"/>
               </a:rPr>
-              <a:t>auto&amp;&amp; mth = make_tuple(get&lt;M&gt;(forward&lt;Tuple&gt;(</a:t>
-            </a:r>
-            <a:r>
-              <a:rPr lang="en-US" sz="2000">
-                <a:latin typeface="Consolas" panose="020B0609020204030204" pitchFamily="49" charset="0"/>
-              </a:rPr>
-              <a:t>t</a:t>
-            </a:r>
-            <a:r>
-              <a:rPr lang="en-US" sz="2000" smtClean="0">
-                <a:latin typeface="Consolas" panose="020B0609020204030204" pitchFamily="49" charset="0"/>
-              </a:rPr>
-              <a:t>)));</a:t>
-            </a:r>
-            <a:br>
-              <a:rPr lang="en-US" sz="2000" smtClean="0">
-                <a:latin typeface="Consolas" panose="020B0609020204030204" pitchFamily="49" charset="0"/>
-              </a:rPr>
-            </a:br>
-            <a:r>
-              <a:rPr lang="en-US" sz="2000" smtClean="0">
-                <a:latin typeface="Consolas" panose="020B0609020204030204" pitchFamily="49" charset="0"/>
-              </a:rPr>
-              <a:t>  </a:t>
-            </a:r>
-            <a:r>
-              <a:rPr lang="en-US" sz="2000">
-                <a:latin typeface="Consolas" panose="020B0609020204030204" pitchFamily="49" charset="0"/>
-              </a:rPr>
-              <a:t>auto&amp;&amp; tmp1 = </a:t>
-            </a:r>
-            <a:r>
-              <a:rPr lang="en-US" sz="2000">
-                <a:latin typeface="Consolas" panose="020B0609020204030204" pitchFamily="49" charset="0"/>
-              </a:rPr>
-              <a:t>tuple_cat(mth</a:t>
+              <a:t>auto&amp;&amp; tmp1 = tuple_cat(mth</a:t>
             </a:r>
             <a:r>
               <a:rPr lang="en-US" sz="2000" smtClean="0">
@@ -21934,7 +21502,39 @@
                 </a:solidFill>
                 <a:latin typeface="Consolas" panose="020B0609020204030204" pitchFamily="49" charset="0"/>
               </a:rPr>
-              <a:t>&gt;(forward&lt;Tuple&gt;(</a:t>
+              <a:t>&gt;(forward&lt;Tuple&gt;(t</a:t>
+            </a:r>
+            <a:r>
+              <a:rPr lang="en-US" sz="2000" smtClean="0">
+                <a:solidFill>
+                  <a:srgbClr val="0000FF"/>
+                </a:solidFill>
+                <a:latin typeface="Consolas" panose="020B0609020204030204" pitchFamily="49" charset="0"/>
+              </a:rPr>
+              <a:t>)))</a:t>
+            </a:r>
+            <a:r>
+              <a:rPr lang="en-US" sz="2000" smtClean="0">
+                <a:latin typeface="Consolas" panose="020B0609020204030204" pitchFamily="49" charset="0"/>
+              </a:rPr>
+              <a:t>);</a:t>
+            </a:r>
+            <a:br>
+              <a:rPr lang="en-US" sz="2000" smtClean="0">
+                <a:latin typeface="Consolas" panose="020B0609020204030204" pitchFamily="49" charset="0"/>
+              </a:rPr>
+            </a:br>
+            <a:r>
+              <a:rPr lang="en-US" sz="2000" smtClean="0">
+                <a:latin typeface="Consolas" panose="020B0609020204030204" pitchFamily="49" charset="0"/>
+              </a:rPr>
+              <a:t>  </a:t>
+            </a:r>
+            <a:r>
+              <a:rPr lang="en-US" sz="2000">
+                <a:latin typeface="Consolas" panose="020B0609020204030204" pitchFamily="49" charset="0"/>
+              </a:rPr>
+              <a:t>auto&amp;&amp; tmp2 = tuple_cat(nth, tuple_tail(</a:t>
             </a:r>
             <a:r>
               <a:rPr lang="en-US" sz="2000">
@@ -21943,7 +21543,7 @@
                 </a:solidFill>
                 <a:latin typeface="Consolas" panose="020B0609020204030204" pitchFamily="49" charset="0"/>
               </a:rPr>
-              <a:t>t</a:t>
+              <a:t>rotate_l&lt;M-N&gt;(tmp1</a:t>
             </a:r>
             <a:r>
               <a:rPr lang="en-US" sz="2000" smtClean="0">
@@ -21952,7 +21552,7 @@
                 </a:solidFill>
                 <a:latin typeface="Consolas" panose="020B0609020204030204" pitchFamily="49" charset="0"/>
               </a:rPr>
-              <a:t>)))</a:t>
+              <a:t>))</a:t>
             </a:r>
             <a:r>
               <a:rPr lang="en-US" sz="2000" smtClean="0">
@@ -21975,7 +21575,7 @@
               <a:rPr lang="en-US" sz="2000">
                 <a:latin typeface="Consolas" panose="020B0609020204030204" pitchFamily="49" charset="0"/>
               </a:rPr>
-              <a:t>auto&amp;&amp; tmp2 = tuple_cat(nth, tuple_tail(</a:t>
+              <a:t>return </a:t>
             </a:r>
             <a:r>
               <a:rPr lang="en-US" sz="2000">
@@ -21984,66 +21584,7 @@
                 </a:solidFill>
                 <a:latin typeface="Consolas" panose="020B0609020204030204" pitchFamily="49" charset="0"/>
               </a:rPr>
-              <a:t>rotate_l&lt;M-N&gt;(</a:t>
-            </a:r>
-            <a:r>
-              <a:rPr lang="en-US" sz="2000">
-                <a:solidFill>
-                  <a:srgbClr val="0000FF"/>
-                </a:solidFill>
-                <a:latin typeface="Consolas" panose="020B0609020204030204" pitchFamily="49" charset="0"/>
-              </a:rPr>
-              <a:t>tmp1</a:t>
-            </a:r>
-            <a:r>
-              <a:rPr lang="en-US" sz="2000" smtClean="0">
-                <a:solidFill>
-                  <a:srgbClr val="0000FF"/>
-                </a:solidFill>
-                <a:latin typeface="Consolas" panose="020B0609020204030204" pitchFamily="49" charset="0"/>
-              </a:rPr>
-              <a:t>))</a:t>
-            </a:r>
-            <a:r>
-              <a:rPr lang="en-US" sz="2000" smtClean="0">
-                <a:latin typeface="Consolas" panose="020B0609020204030204" pitchFamily="49" charset="0"/>
-              </a:rPr>
-              <a:t>);</a:t>
-            </a:r>
-            <a:br>
-              <a:rPr lang="en-US" sz="2000" smtClean="0">
-                <a:latin typeface="Consolas" panose="020B0609020204030204" pitchFamily="49" charset="0"/>
-              </a:rPr>
-            </a:br>
-            <a:r>
-              <a:rPr lang="en-US" sz="2000" smtClean="0">
-                <a:latin typeface="Consolas" panose="020B0609020204030204" pitchFamily="49" charset="0"/>
-              </a:rPr>
-              <a:t>  </a:t>
-            </a:r>
-            <a:r>
-              <a:rPr lang="en-US" sz="2000">
-                <a:latin typeface="Consolas" panose="020B0609020204030204" pitchFamily="49" charset="0"/>
-              </a:rPr>
-              <a:t>return </a:t>
-            </a:r>
-            <a:r>
-              <a:rPr lang="en-US" sz="2000">
-                <a:solidFill>
-                  <a:srgbClr val="0000FF"/>
-                </a:solidFill>
-                <a:latin typeface="Consolas" panose="020B0609020204030204" pitchFamily="49" charset="0"/>
-              </a:rPr>
-              <a:t>rotate_r&lt;M&gt;(</a:t>
-            </a:r>
-            <a:r>
-              <a:rPr lang="en-US" sz="2000">
-                <a:solidFill>
-                  <a:srgbClr val="0000FF"/>
-                </a:solidFill>
-                <a:latin typeface="Consolas" panose="020B0609020204030204" pitchFamily="49" charset="0"/>
-              </a:rPr>
-              <a:t>tmp2</a:t>
+              <a:t>rotate_r&lt;M&gt;(tmp2</a:t>
             </a:r>
             <a:r>
               <a:rPr lang="en-US" sz="2000" smtClean="0">
@@ -22228,13 +21769,7 @@
               <a:rPr lang="en-US">
                 <a:latin typeface="Consolas" panose="020B0609020204030204" pitchFamily="49" charset="0"/>
               </a:rPr>
-              <a:t>{ 1, 1.5, 2, 2.5</a:t>
-            </a:r>
-            <a:r>
-              <a:rPr lang="en-US">
-                <a:latin typeface="Consolas" panose="020B0609020204030204" pitchFamily="49" charset="0"/>
-              </a:rPr>
-              <a:t>, </a:t>
+              <a:t>{ 1, 1.5, 2, 2.5, </a:t>
             </a:r>
             <a:r>
               <a:rPr lang="en-US" smtClean="0">
@@ -22254,14 +21789,7 @@
                 <a:latin typeface="Consolas" panose="020B0609020204030204" pitchFamily="49" charset="0"/>
                 <a:sym typeface="Symbol" panose="05050102010706020507" pitchFamily="18" charset="2"/>
               </a:rPr>
-              <a:t> </a:t>
-            </a:r>
-            <a:r>
-              <a:rPr lang="en-US">
-                <a:latin typeface="Consolas" panose="020B0609020204030204" pitchFamily="49" charset="0"/>
-                <a:sym typeface="Symbol" panose="05050102010706020507" pitchFamily="18" charset="2"/>
-              </a:rPr>
-              <a:t>{ </a:t>
+              <a:t> { </a:t>
             </a:r>
             <a:r>
               <a:rPr lang="en-US" smtClean="0">
@@ -22305,13 +21833,7 @@
               <a:rPr lang="en-US">
                 <a:latin typeface="Consolas" panose="020B0609020204030204" pitchFamily="49" charset="0"/>
               </a:rPr>
-              <a:t>{ 1, 1.5, 2, 2.5</a:t>
-            </a:r>
-            <a:r>
-              <a:rPr lang="en-US">
-                <a:latin typeface="Consolas" panose="020B0609020204030204" pitchFamily="49" charset="0"/>
-              </a:rPr>
-              <a:t>, </a:t>
+              <a:t>{ 1, 1.5, 2, 2.5, </a:t>
             </a:r>
             <a:r>
               <a:rPr lang="en-US" smtClean="0">
@@ -22331,49 +21853,28 @@
                 <a:latin typeface="Consolas" panose="020B0609020204030204" pitchFamily="49" charset="0"/>
                 <a:sym typeface="Symbol" panose="05050102010706020507" pitchFamily="18" charset="2"/>
               </a:rPr>
-              <a:t> </a:t>
-            </a:r>
-            <a:r>
-              <a:rPr lang="en-US">
+              <a:t> { </a:t>
+            </a:r>
+            <a:r>
+              <a:rPr lang="en-US" smtClean="0">
                 <a:latin typeface="Consolas" panose="020B0609020204030204" pitchFamily="49" charset="0"/>
                 <a:sym typeface="Symbol" panose="05050102010706020507" pitchFamily="18" charset="2"/>
               </a:rPr>
-              <a:t>{ </a:t>
-            </a:r>
-            <a:r>
-              <a:rPr lang="en-US" smtClean="0">
+              <a:t>1, 2, </a:t>
+            </a:r>
+            <a:r>
+              <a:rPr lang="en-US">
                 <a:latin typeface="Consolas" panose="020B0609020204030204" pitchFamily="49" charset="0"/>
                 <a:sym typeface="Symbol" panose="05050102010706020507" pitchFamily="18" charset="2"/>
               </a:rPr>
-              <a:t>1, 2, </a:t>
-            </a:r>
-            <a:r>
-              <a:rPr lang="en-US">
+              <a:t>1.5</a:t>
+            </a:r>
+            <a:r>
+              <a:rPr lang="en-US" smtClean="0">
                 <a:latin typeface="Consolas" panose="020B0609020204030204" pitchFamily="49" charset="0"/>
                 <a:sym typeface="Symbol" panose="05050102010706020507" pitchFamily="18" charset="2"/>
               </a:rPr>
-              <a:t>1.5</a:t>
-            </a:r>
-            <a:r>
-              <a:rPr lang="en-US" smtClean="0">
-                <a:latin typeface="Consolas" panose="020B0609020204030204" pitchFamily="49" charset="0"/>
-                <a:sym typeface="Symbol" panose="05050102010706020507" pitchFamily="18" charset="2"/>
-              </a:rPr>
-              <a:t>, 2.5, </a:t>
-            </a:r>
-            <a:r>
-              <a:rPr lang="en-US" smtClean="0">
-                <a:latin typeface="Consolas" panose="020B0609020204030204" pitchFamily="49" charset="0"/>
-                <a:sym typeface="Symbol" panose="05050102010706020507" pitchFamily="18" charset="2"/>
-              </a:rPr>
-              <a:t>3</a:t>
-            </a:r>
-            <a:r>
-              <a:rPr lang="en-US" smtClean="0">
-                <a:latin typeface="Consolas" panose="020B0609020204030204" pitchFamily="49" charset="0"/>
-                <a:sym typeface="Symbol" panose="05050102010706020507" pitchFamily="18" charset="2"/>
-              </a:rPr>
-              <a:t> }</a:t>
+              <a:t>, 2.5, 3 }</a:t>
             </a:r>
             <a:endParaRPr lang="en-US" smtClean="0"/>
           </a:p>
@@ -22396,13 +21897,7 @@
               <a:rPr lang="en-US">
                 <a:latin typeface="Consolas" panose="020B0609020204030204" pitchFamily="49" charset="0"/>
               </a:rPr>
-              <a:t>{ 1, 1.5, 2, 2.5</a:t>
-            </a:r>
-            <a:r>
-              <a:rPr lang="en-US">
-                <a:latin typeface="Consolas" panose="020B0609020204030204" pitchFamily="49" charset="0"/>
-              </a:rPr>
-              <a:t>, </a:t>
+              <a:t>{ 1, 1.5, 2, 2.5, </a:t>
             </a:r>
             <a:r>
               <a:rPr lang="en-US" smtClean="0">
@@ -22440,13 +21935,7 @@
               <a:rPr lang="en-US">
                 <a:latin typeface="Consolas" panose="020B0609020204030204" pitchFamily="49" charset="0"/>
               </a:rPr>
-              <a:t>, 2.5, 1, 2</a:t>
-            </a:r>
-            <a:r>
-              <a:rPr lang="en-US">
-                <a:latin typeface="Consolas" panose="020B0609020204030204" pitchFamily="49" charset="0"/>
-              </a:rPr>
-              <a:t>, </a:t>
+              <a:t>, 2.5, 1, 2, </a:t>
             </a:r>
             <a:r>
               <a:rPr lang="en-US" smtClean="0">
@@ -22620,13 +22109,62 @@
                 <a:latin typeface="Consolas" panose="020B0609020204030204" pitchFamily="49" charset="0"/>
                 <a:sym typeface="Symbol" panose="05050102010706020507" pitchFamily="18" charset="2"/>
               </a:rPr>
+              <a:t> </a:t>
+            </a:r>
+            <a:r>
+              <a:rPr lang="ru-RU">
+                <a:latin typeface="Consolas" panose="020B0609020204030204" pitchFamily="49" charset="0"/>
+              </a:rPr>
               <a:t> </a:t>
             </a:r>
             <a:r>
+              <a:rPr lang="en-US" smtClean="0">
+                <a:latin typeface="Consolas" panose="020B0609020204030204" pitchFamily="49" charset="0"/>
+              </a:rPr>
+              <a:t>(2, 3)</a:t>
+            </a:r>
+            <a:r>
+              <a:rPr lang="ru-RU" smtClean="0">
+                <a:latin typeface="Consolas" panose="020B0609020204030204" pitchFamily="49" charset="0"/>
+              </a:rPr>
+              <a:t> </a:t>
+            </a:r>
+            <a:r>
               <a:rPr lang="ru-RU">
                 <a:latin typeface="Consolas" panose="020B0609020204030204" pitchFamily="49" charset="0"/>
                 <a:sym typeface="Symbol" panose="05050102010706020507" pitchFamily="18" charset="2"/>
               </a:rPr>
+              <a:t> </a:t>
+            </a:r>
+            <a:r>
+              <a:rPr lang="en-US" smtClean="0">
+                <a:latin typeface="Consolas" panose="020B0609020204030204" pitchFamily="49" charset="0"/>
+                <a:sym typeface="Symbol" panose="05050102010706020507" pitchFamily="18" charset="2"/>
+              </a:rPr>
+              <a:t>{ b, c, a }</a:t>
+            </a:r>
+          </a:p>
+          <a:p>
+            <a:pPr marL="45720" indent="0">
+              <a:buNone/>
+            </a:pPr>
+            <a:r>
+              <a:rPr lang="en-US">
+                <a:latin typeface="Consolas" panose="020B0609020204030204" pitchFamily="49" charset="0"/>
+              </a:rPr>
+              <a:t>{ a, b, c </a:t>
+            </a:r>
+            <a:r>
+              <a:rPr lang="en-US" smtClean="0">
+                <a:latin typeface="Consolas" panose="020B0609020204030204" pitchFamily="49" charset="0"/>
+              </a:rPr>
+              <a:t>} </a:t>
+            </a:r>
+            <a:r>
+              <a:rPr lang="ru-RU">
+                <a:latin typeface="Consolas" panose="020B0609020204030204" pitchFamily="49" charset="0"/>
+                <a:sym typeface="Symbol" panose="05050102010706020507" pitchFamily="18" charset="2"/>
+              </a:rPr>
               <a:t></a:t>
             </a:r>
             <a:r>
@@ -22636,112 +22174,37 @@
               <a:t> </a:t>
             </a:r>
             <a:r>
-              <a:rPr lang="en-US" smtClean="0">
-                <a:latin typeface="Consolas" panose="020B0609020204030204" pitchFamily="49" charset="0"/>
-              </a:rPr>
-              <a:t>(2, 3)</a:t>
+              <a:rPr lang="en-US">
+                <a:latin typeface="Consolas" panose="020B0609020204030204" pitchFamily="49" charset="0"/>
+              </a:rPr>
+              <a:t>(1, 2</a:t>
+            </a:r>
+            <a:r>
+              <a:rPr lang="en-US" smtClean="0">
+                <a:latin typeface="Consolas" panose="020B0609020204030204" pitchFamily="49" charset="0"/>
+              </a:rPr>
+              <a:t>) * (2, 3) </a:t>
             </a:r>
             <a:r>
               <a:rPr lang="ru-RU" smtClean="0">
                 <a:latin typeface="Consolas" panose="020B0609020204030204" pitchFamily="49" charset="0"/>
+                <a:sym typeface="Symbol" panose="05050102010706020507" pitchFamily="18" charset="2"/>
+              </a:rPr>
+              <a:t></a:t>
+            </a:r>
+            <a:r>
+              <a:rPr lang="en-US" smtClean="0">
+                <a:latin typeface="Consolas" panose="020B0609020204030204" pitchFamily="49" charset="0"/>
+                <a:sym typeface="Symbol" panose="05050102010706020507" pitchFamily="18" charset="2"/>
               </a:rPr>
               <a:t> </a:t>
             </a:r>
             <a:r>
-              <a:rPr lang="ru-RU">
+              <a:rPr lang="en-US">
                 <a:latin typeface="Consolas" panose="020B0609020204030204" pitchFamily="49" charset="0"/>
                 <a:sym typeface="Symbol" panose="05050102010706020507" pitchFamily="18" charset="2"/>
               </a:rPr>
-              <a:t> </a:t>
-            </a:r>
-            <a:r>
-              <a:rPr lang="en-US" smtClean="0">
-                <a:latin typeface="Consolas" panose="020B0609020204030204" pitchFamily="49" charset="0"/>
-                <a:sym typeface="Symbol" panose="05050102010706020507" pitchFamily="18" charset="2"/>
-              </a:rPr>
-              <a:t>{ b, c, a }</a:t>
-            </a:r>
-          </a:p>
-          <a:p>
-            <a:pPr marL="45720" indent="0">
-              <a:buNone/>
-            </a:pPr>
-            <a:r>
-              <a:rPr lang="en-US">
-                <a:latin typeface="Consolas" panose="020B0609020204030204" pitchFamily="49" charset="0"/>
-              </a:rPr>
-              <a:t>{ a, b, </a:t>
-            </a:r>
-            <a:r>
-              <a:rPr lang="en-US">
-                <a:latin typeface="Consolas" panose="020B0609020204030204" pitchFamily="49" charset="0"/>
-              </a:rPr>
-              <a:t>c </a:t>
-            </a:r>
-            <a:r>
-              <a:rPr lang="en-US" smtClean="0">
-                <a:latin typeface="Consolas" panose="020B0609020204030204" pitchFamily="49" charset="0"/>
-              </a:rPr>
-              <a:t>} </a:t>
-            </a:r>
-            <a:r>
-              <a:rPr lang="ru-RU">
-                <a:latin typeface="Consolas" panose="020B0609020204030204" pitchFamily="49" charset="0"/>
-                <a:sym typeface="Symbol" panose="05050102010706020507" pitchFamily="18" charset="2"/>
-              </a:rPr>
-              <a:t></a:t>
-            </a:r>
-            <a:r>
-              <a:rPr lang="ru-RU">
-                <a:latin typeface="Consolas" panose="020B0609020204030204" pitchFamily="49" charset="0"/>
-              </a:rPr>
-              <a:t> </a:t>
-            </a:r>
-            <a:r>
-              <a:rPr lang="en-US">
-                <a:latin typeface="Consolas" panose="020B0609020204030204" pitchFamily="49" charset="0"/>
-              </a:rPr>
-              <a:t>(1, </a:t>
-            </a:r>
-            <a:r>
-              <a:rPr lang="en-US">
-                <a:latin typeface="Consolas" panose="020B0609020204030204" pitchFamily="49" charset="0"/>
-              </a:rPr>
-              <a:t>2</a:t>
-            </a:r>
-            <a:r>
-              <a:rPr lang="en-US" smtClean="0">
-                <a:latin typeface="Consolas" panose="020B0609020204030204" pitchFamily="49" charset="0"/>
-              </a:rPr>
-              <a:t>) * (2, 3) </a:t>
-            </a:r>
-            <a:r>
-              <a:rPr lang="ru-RU" smtClean="0">
-                <a:latin typeface="Consolas" panose="020B0609020204030204" pitchFamily="49" charset="0"/>
-                <a:sym typeface="Symbol" panose="05050102010706020507" pitchFamily="18" charset="2"/>
-              </a:rPr>
-              <a:t></a:t>
-            </a:r>
-            <a:r>
-              <a:rPr lang="en-US" smtClean="0">
-                <a:latin typeface="Consolas" panose="020B0609020204030204" pitchFamily="49" charset="0"/>
-                <a:sym typeface="Symbol" panose="05050102010706020507" pitchFamily="18" charset="2"/>
-              </a:rPr>
-              <a:t> </a:t>
-            </a:r>
-            <a:r>
-              <a:rPr lang="en-US">
-                <a:latin typeface="Consolas" panose="020B0609020204030204" pitchFamily="49" charset="0"/>
-                <a:sym typeface="Symbol" panose="05050102010706020507" pitchFamily="18" charset="2"/>
-              </a:rPr>
-              <a:t>{ b, c, </a:t>
-            </a:r>
-            <a:r>
-              <a:rPr lang="en-US">
-                <a:latin typeface="Consolas" panose="020B0609020204030204" pitchFamily="49" charset="0"/>
-                <a:sym typeface="Symbol" panose="05050102010706020507" pitchFamily="18" charset="2"/>
-              </a:rPr>
-              <a:t>a </a:t>
+              <a:t>{ b, c, a </a:t>
             </a:r>
             <a:r>
               <a:rPr lang="en-US" smtClean="0">
@@ -22771,16 +22234,7 @@
                 </a:solidFill>
                 <a:latin typeface="Consolas" panose="020B0609020204030204" pitchFamily="49" charset="0"/>
               </a:rPr>
-              <a:t>1, 2) * (2, 3) </a:t>
-            </a:r>
-            <a:r>
-              <a:rPr lang="en-US">
-                <a:solidFill>
-                  <a:srgbClr val="0000FF"/>
-                </a:solidFill>
-                <a:latin typeface="Consolas" panose="020B0609020204030204" pitchFamily="49" charset="0"/>
-              </a:rPr>
-              <a:t>== </a:t>
+              <a:t>1, 2) * (2, 3) == </a:t>
             </a:r>
             <a:r>
               <a:rPr lang="ru-RU" smtClean="0">
@@ -22848,13 +22302,7 @@
               <a:rPr lang="en-US">
                 <a:latin typeface="Consolas" panose="020B0609020204030204" pitchFamily="49" charset="0"/>
               </a:rPr>
-              <a:t>(1</a:t>
-            </a:r>
-            <a:r>
-              <a:rPr lang="en-US">
-                <a:latin typeface="Consolas" panose="020B0609020204030204" pitchFamily="49" charset="0"/>
-              </a:rPr>
-              <a:t>, </a:t>
+              <a:t>(1, </a:t>
             </a:r>
             <a:r>
               <a:rPr lang="en-US" smtClean="0">
@@ -23048,13 +22496,62 @@
                 <a:latin typeface="Consolas" panose="020B0609020204030204" pitchFamily="49" charset="0"/>
                 <a:sym typeface="Symbol" panose="05050102010706020507" pitchFamily="18" charset="2"/>
               </a:rPr>
+              <a:t> </a:t>
+            </a:r>
+            <a:r>
+              <a:rPr lang="ru-RU">
+                <a:latin typeface="Consolas" panose="020B0609020204030204" pitchFamily="49" charset="0"/>
+              </a:rPr>
               <a:t> </a:t>
             </a:r>
             <a:r>
+              <a:rPr lang="en-US" smtClean="0">
+                <a:latin typeface="Consolas" panose="020B0609020204030204" pitchFamily="49" charset="0"/>
+              </a:rPr>
+              <a:t>(2, 3)</a:t>
+            </a:r>
+            <a:r>
+              <a:rPr lang="ru-RU" smtClean="0">
+                <a:latin typeface="Consolas" panose="020B0609020204030204" pitchFamily="49" charset="0"/>
+              </a:rPr>
+              <a:t> </a:t>
+            </a:r>
+            <a:r>
               <a:rPr lang="ru-RU">
                 <a:latin typeface="Consolas" panose="020B0609020204030204" pitchFamily="49" charset="0"/>
                 <a:sym typeface="Symbol" panose="05050102010706020507" pitchFamily="18" charset="2"/>
               </a:rPr>
+              <a:t> </a:t>
+            </a:r>
+            <a:r>
+              <a:rPr lang="en-US" smtClean="0">
+                <a:latin typeface="Consolas" panose="020B0609020204030204" pitchFamily="49" charset="0"/>
+                <a:sym typeface="Symbol" panose="05050102010706020507" pitchFamily="18" charset="2"/>
+              </a:rPr>
+              <a:t>{ b, c, a }</a:t>
+            </a:r>
+          </a:p>
+          <a:p>
+            <a:pPr marL="45720" indent="0">
+              <a:buNone/>
+            </a:pPr>
+            <a:r>
+              <a:rPr lang="en-US">
+                <a:latin typeface="Consolas" panose="020B0609020204030204" pitchFamily="49" charset="0"/>
+              </a:rPr>
+              <a:t>{ a, b, c </a:t>
+            </a:r>
+            <a:r>
+              <a:rPr lang="en-US" smtClean="0">
+                <a:latin typeface="Consolas" panose="020B0609020204030204" pitchFamily="49" charset="0"/>
+              </a:rPr>
+              <a:t>} </a:t>
+            </a:r>
+            <a:r>
+              <a:rPr lang="ru-RU">
+                <a:latin typeface="Consolas" panose="020B0609020204030204" pitchFamily="49" charset="0"/>
+                <a:sym typeface="Symbol" panose="05050102010706020507" pitchFamily="18" charset="2"/>
+              </a:rPr>
               <a:t></a:t>
             </a:r>
             <a:r>
@@ -23064,30 +22561,44 @@
               <a:t> </a:t>
             </a:r>
             <a:r>
-              <a:rPr lang="en-US" smtClean="0">
-                <a:latin typeface="Consolas" panose="020B0609020204030204" pitchFamily="49" charset="0"/>
-              </a:rPr>
-              <a:t>(2, 3)</a:t>
+              <a:rPr lang="en-US">
+                <a:latin typeface="Consolas" panose="020B0609020204030204" pitchFamily="49" charset="0"/>
+              </a:rPr>
+              <a:t>(1, 2</a:t>
+            </a:r>
+            <a:r>
+              <a:rPr lang="en-US" smtClean="0">
+                <a:latin typeface="Consolas" panose="020B0609020204030204" pitchFamily="49" charset="0"/>
+              </a:rPr>
+              <a:t>) * (2, 3) </a:t>
             </a:r>
             <a:r>
               <a:rPr lang="ru-RU" smtClean="0">
                 <a:latin typeface="Consolas" panose="020B0609020204030204" pitchFamily="49" charset="0"/>
+                <a:sym typeface="Symbol" panose="05050102010706020507" pitchFamily="18" charset="2"/>
+              </a:rPr>
+              <a:t></a:t>
+            </a:r>
+            <a:r>
+              <a:rPr lang="en-US" smtClean="0">
+                <a:latin typeface="Consolas" panose="020B0609020204030204" pitchFamily="49" charset="0"/>
+                <a:sym typeface="Symbol" panose="05050102010706020507" pitchFamily="18" charset="2"/>
               </a:rPr>
               <a:t> </a:t>
             </a:r>
             <a:r>
-              <a:rPr lang="ru-RU">
+              <a:rPr lang="en-US">
                 <a:latin typeface="Consolas" panose="020B0609020204030204" pitchFamily="49" charset="0"/>
                 <a:sym typeface="Symbol" panose="05050102010706020507" pitchFamily="18" charset="2"/>
               </a:rPr>
-              <a:t> </a:t>
+              <a:t>{ b, c, a </a:t>
             </a:r>
             <a:r>
               <a:rPr lang="en-US" smtClean="0">
                 <a:latin typeface="Consolas" panose="020B0609020204030204" pitchFamily="49" charset="0"/>
                 <a:sym typeface="Symbol" panose="05050102010706020507" pitchFamily="18" charset="2"/>
               </a:rPr>
-              <a:t>{ b, c, a }</a:t>
+              <a:t>}</a:t>
             </a:r>
           </a:p>
           <a:p>
@@ -23095,95 +22606,6 @@
               <a:buNone/>
             </a:pPr>
             <a:r>
-              <a:rPr lang="en-US">
-                <a:latin typeface="Consolas" panose="020B0609020204030204" pitchFamily="49" charset="0"/>
-              </a:rPr>
-              <a:t>{ a, b, </a:t>
-            </a:r>
-            <a:r>
-              <a:rPr lang="en-US">
-                <a:latin typeface="Consolas" panose="020B0609020204030204" pitchFamily="49" charset="0"/>
-              </a:rPr>
-              <a:t>c </a:t>
-            </a:r>
-            <a:r>
-              <a:rPr lang="en-US" smtClean="0">
-                <a:latin typeface="Consolas" panose="020B0609020204030204" pitchFamily="49" charset="0"/>
-              </a:rPr>
-              <a:t>} </a:t>
-            </a:r>
-            <a:r>
-              <a:rPr lang="ru-RU">
-                <a:latin typeface="Consolas" panose="020B0609020204030204" pitchFamily="49" charset="0"/>
-                <a:sym typeface="Symbol" panose="05050102010706020507" pitchFamily="18" charset="2"/>
-              </a:rPr>
-              <a:t></a:t>
-            </a:r>
-            <a:r>
-              <a:rPr lang="ru-RU">
-                <a:latin typeface="Consolas" panose="020B0609020204030204" pitchFamily="49" charset="0"/>
-              </a:rPr>
-              <a:t> </a:t>
-            </a:r>
-            <a:r>
-              <a:rPr lang="en-US">
-                <a:latin typeface="Consolas" panose="020B0609020204030204" pitchFamily="49" charset="0"/>
-              </a:rPr>
-              <a:t>(1, </a:t>
-            </a:r>
-            <a:r>
-              <a:rPr lang="en-US">
-                <a:latin typeface="Consolas" panose="020B0609020204030204" pitchFamily="49" charset="0"/>
-              </a:rPr>
-              <a:t>2</a:t>
-            </a:r>
-            <a:r>
-              <a:rPr lang="en-US" smtClean="0">
-                <a:latin typeface="Consolas" panose="020B0609020204030204" pitchFamily="49" charset="0"/>
-              </a:rPr>
-              <a:t>) * (2, 3) </a:t>
-            </a:r>
-            <a:r>
-              <a:rPr lang="ru-RU" smtClean="0">
-                <a:latin typeface="Consolas" panose="020B0609020204030204" pitchFamily="49" charset="0"/>
-                <a:sym typeface="Symbol" panose="05050102010706020507" pitchFamily="18" charset="2"/>
-              </a:rPr>
-              <a:t></a:t>
-            </a:r>
-            <a:r>
-              <a:rPr lang="en-US" smtClean="0">
-                <a:latin typeface="Consolas" panose="020B0609020204030204" pitchFamily="49" charset="0"/>
-                <a:sym typeface="Symbol" panose="05050102010706020507" pitchFamily="18" charset="2"/>
-              </a:rPr>
-              <a:t> </a:t>
-            </a:r>
-            <a:r>
-              <a:rPr lang="en-US">
-                <a:latin typeface="Consolas" panose="020B0609020204030204" pitchFamily="49" charset="0"/>
-                <a:sym typeface="Symbol" panose="05050102010706020507" pitchFamily="18" charset="2"/>
-              </a:rPr>
-              <a:t>{ b, c, </a:t>
-            </a:r>
-            <a:r>
-              <a:rPr lang="en-US">
-                <a:latin typeface="Consolas" panose="020B0609020204030204" pitchFamily="49" charset="0"/>
-                <a:sym typeface="Symbol" panose="05050102010706020507" pitchFamily="18" charset="2"/>
-              </a:rPr>
-              <a:t>a </a:t>
-            </a:r>
-            <a:r>
-              <a:rPr lang="en-US" smtClean="0">
-                <a:latin typeface="Consolas" panose="020B0609020204030204" pitchFamily="49" charset="0"/>
-                <a:sym typeface="Symbol" panose="05050102010706020507" pitchFamily="18" charset="2"/>
-              </a:rPr>
-              <a:t>}</a:t>
-            </a:r>
-          </a:p>
-          <a:p>
-            <a:pPr marL="45720" indent="0">
-              <a:buNone/>
-            </a:pPr>
-            <a:r>
               <a:rPr lang="en-US" smtClean="0">
                 <a:latin typeface="Consolas" panose="020B0609020204030204" pitchFamily="49" charset="0"/>
               </a:rPr>
@@ -23193,13 +22615,7 @@
               <a:rPr lang="en-US">
                 <a:latin typeface="Consolas" panose="020B0609020204030204" pitchFamily="49" charset="0"/>
               </a:rPr>
-              <a:t>1, 2) * (2, 3) </a:t>
-            </a:r>
-            <a:r>
-              <a:rPr lang="en-US">
-                <a:latin typeface="Consolas" panose="020B0609020204030204" pitchFamily="49" charset="0"/>
-              </a:rPr>
-              <a:t>== </a:t>
+              <a:t>1, 2) * (2, 3) == </a:t>
             </a:r>
             <a:r>
               <a:rPr lang="ru-RU" smtClean="0">
@@ -23249,13 +22665,7 @@
               <a:rPr lang="en-US">
                 <a:latin typeface="Consolas" panose="020B0609020204030204" pitchFamily="49" charset="0"/>
               </a:rPr>
-              <a:t>(1</a:t>
-            </a:r>
-            <a:r>
-              <a:rPr lang="en-US">
-                <a:latin typeface="Consolas" panose="020B0609020204030204" pitchFamily="49" charset="0"/>
-              </a:rPr>
-              <a:t>, </a:t>
+              <a:t>(1, </a:t>
             </a:r>
             <a:r>
               <a:rPr lang="en-US" smtClean="0">
@@ -23406,19 +22816,36 @@
               <a:rPr lang="en-US" sz="2000">
                 <a:latin typeface="Consolas" panose="020B0609020204030204" pitchFamily="49" charset="0"/>
               </a:rPr>
-              <a:t>template&lt;size_t I, size_t J, size_t... Is, typename </a:t>
+              <a:t>template&lt;size_t I, size_t J, size_t... Is, typename Tuple</a:t>
+            </a:r>
+            <a:r>
+              <a:rPr lang="en-US" sz="2000" smtClean="0">
+                <a:latin typeface="Consolas" panose="020B0609020204030204" pitchFamily="49" charset="0"/>
+              </a:rPr>
+              <a:t>&gt;</a:t>
+            </a:r>
+            <a:br>
+              <a:rPr lang="en-US" sz="2000" smtClean="0">
+                <a:latin typeface="Consolas" panose="020B0609020204030204" pitchFamily="49" charset="0"/>
+              </a:rPr>
+            </a:br>
+            <a:r>
+              <a:rPr lang="en-US" sz="2000" smtClean="0">
+                <a:latin typeface="Consolas" panose="020B0609020204030204" pitchFamily="49" charset="0"/>
+              </a:rPr>
+              <a:t>constexpr </a:t>
             </a:r>
             <a:r>
               <a:rPr lang="en-US" sz="2000">
                 <a:latin typeface="Consolas" panose="020B0609020204030204" pitchFamily="49" charset="0"/>
               </a:rPr>
-              <a:t>Tuple</a:t>
+              <a:t>auto permute_elts (Tuple &amp;&amp;t) </a:t>
             </a:r>
             <a:r>
               <a:rPr lang="en-US" sz="2000" smtClean="0">
                 <a:latin typeface="Consolas" panose="020B0609020204030204" pitchFamily="49" charset="0"/>
               </a:rPr>
-              <a:t>&gt;</a:t>
+              <a:t>{</a:t>
             </a:r>
             <a:br>
               <a:rPr lang="en-US" sz="2000" smtClean="0">
@@ -23429,48 +22856,13 @@
               <a:rPr lang="en-US" sz="2000" smtClean="0">
                 <a:latin typeface="Consolas" panose="020B0609020204030204" pitchFamily="49" charset="0"/>
               </a:rPr>
-              <a:t>constexpr </a:t>
+              <a:t>  </a:t>
             </a:r>
             <a:r>
               <a:rPr lang="en-US" sz="2000">
                 <a:latin typeface="Consolas" panose="020B0609020204030204" pitchFamily="49" charset="0"/>
               </a:rPr>
-              <a:t>auto permute_elts (Tuple &amp;&amp;t</a:t>
-            </a:r>
-            <a:r>
-              <a:rPr lang="en-US" sz="2000">
-                <a:latin typeface="Consolas" panose="020B0609020204030204" pitchFamily="49" charset="0"/>
-              </a:rPr>
-              <a:t>) </a:t>
-            </a:r>
-            <a:r>
-              <a:rPr lang="en-US" sz="2000" smtClean="0">
-                <a:latin typeface="Consolas" panose="020B0609020204030204" pitchFamily="49" charset="0"/>
-              </a:rPr>
-              <a:t>{</a:t>
-            </a:r>
-            <a:br>
-              <a:rPr lang="en-US" sz="2000" smtClean="0">
-                <a:latin typeface="Consolas" panose="020B0609020204030204" pitchFamily="49" charset="0"/>
-              </a:rPr>
-            </a:br>
-            <a:r>
-              <a:rPr lang="en-US" sz="2000" smtClean="0">
-                <a:latin typeface="Consolas" panose="020B0609020204030204" pitchFamily="49" charset="0"/>
-              </a:rPr>
-              <a:t>  </a:t>
-            </a:r>
-            <a:r>
-              <a:rPr lang="en-US" sz="2000">
-                <a:latin typeface="Consolas" panose="020B0609020204030204" pitchFamily="49" charset="0"/>
-              </a:rPr>
-              <a:t>if constexpr(sizeof...(Is) &gt; 0</a:t>
-            </a:r>
-            <a:r>
-              <a:rPr lang="en-US" sz="2000">
-                <a:latin typeface="Consolas" panose="020B0609020204030204" pitchFamily="49" charset="0"/>
-              </a:rPr>
-              <a:t>) </a:t>
+              <a:t>if constexpr(sizeof...(Is) &gt; 0) </a:t>
             </a:r>
             <a:r>
               <a:rPr lang="en-US" sz="2000" smtClean="0">
@@ -23502,16 +22894,7 @@
                 </a:solidFill>
                 <a:latin typeface="Consolas" panose="020B0609020204030204" pitchFamily="49" charset="0"/>
               </a:rPr>
-              <a:t>swap_elts&lt;I, J&gt;(forward&lt;Tuple&gt;(</a:t>
-            </a:r>
-            <a:r>
-              <a:rPr lang="en-US" sz="2000">
-                <a:solidFill>
-                  <a:srgbClr val="0000FF"/>
-                </a:solidFill>
-                <a:latin typeface="Consolas" panose="020B0609020204030204" pitchFamily="49" charset="0"/>
-              </a:rPr>
-              <a:t>t</a:t>
+              <a:t>swap_elts&lt;I, J&gt;(forward&lt;Tuple&gt;(t</a:t>
             </a:r>
             <a:r>
               <a:rPr lang="en-US" sz="2000" smtClean="0">
@@ -23565,13 +22948,7 @@
               <a:rPr lang="en-US" sz="2000">
                 <a:latin typeface="Consolas" panose="020B0609020204030204" pitchFamily="49" charset="0"/>
               </a:rPr>
-              <a:t>return swap_elts&lt;I, J&gt;(forward&lt;Tuple&gt;(</a:t>
-            </a:r>
-            <a:r>
-              <a:rPr lang="en-US" sz="2000">
-                <a:latin typeface="Consolas" panose="020B0609020204030204" pitchFamily="49" charset="0"/>
-              </a:rPr>
-              <a:t>t</a:t>
+              <a:t>return swap_elts&lt;I, J&gt;(forward&lt;Tuple&gt;(t</a:t>
             </a:r>
             <a:r>
               <a:rPr lang="en-US" sz="2000" smtClean="0">
